--- a/Exploratory Data Analysis.pptx
+++ b/Exploratory Data Analysis.pptx
@@ -7044,18 +7044,17 @@
           <p:cNvPicPr preferRelativeResize="0"/>
           <p:nvPr/>
         </p:nvPicPr>
-        <p:blipFill>
+        <p:blipFill rotWithShape="1">
           <a:blip r:embed="rId3">
             <a:alphaModFix/>
           </a:blip>
-          <a:stretch>
-            <a:fillRect/>
-          </a:stretch>
+          <a:srcRect b="0" l="0" r="0" t="0"/>
+          <a:stretch/>
         </p:blipFill>
         <p:spPr>
           <a:xfrm>
-            <a:off x="152400" y="152400"/>
-            <a:ext cx="8839202" cy="4450507"/>
+            <a:off x="307425" y="152400"/>
+            <a:ext cx="8529149" cy="4294400"/>
           </a:xfrm>
           <a:prstGeom prst="rect">
             <a:avLst/>
@@ -7074,8 +7073,8 @@
         </p:nvSpPr>
         <p:spPr>
           <a:xfrm>
-            <a:off x="28200" y="4642550"/>
-            <a:ext cx="9087600" cy="400200"/>
+            <a:off x="28200" y="4401150"/>
+            <a:ext cx="9087600" cy="831300"/>
           </a:xfrm>
           <a:prstGeom prst="rect">
             <a:avLst/>
@@ -7106,7 +7105,7 @@
                   <a:schemeClr val="dk1"/>
                 </a:solidFill>
               </a:rPr>
-              <a:t>This data shows NO correlation between per capita murder rates and state population size.</a:t>
+              <a:t>This data shows almost NO correlation between per capita murder rates and state population size. The correlation coefficient calculated by np.corrcoef = 0.04932725. That is less than 5%, and as you can see, there are plenty of outliers</a:t>
             </a:r>
             <a:endParaRPr>
               <a:solidFill>
@@ -7525,6 +7524,285 @@
 </file>
 
 <file path=ppt/theme/theme1.xml><?xml version="1.0" encoding="utf-8"?>
+<a:theme xmlns:a="http://schemas.openxmlformats.org/drawingml/2006/main" xmlns:r="http://schemas.openxmlformats.org/officeDocument/2006/relationships" name="Simple Dark">
+  <a:themeElements>
+    <a:clrScheme name="Simple Dark">
+      <a:dk1>
+        <a:srgbClr val="FFFFFF"/>
+      </a:dk1>
+      <a:lt1>
+        <a:srgbClr val="212121"/>
+      </a:lt1>
+      <a:dk2>
+        <a:srgbClr val="303030"/>
+      </a:dk2>
+      <a:lt2>
+        <a:srgbClr val="ADADAD"/>
+      </a:lt2>
+      <a:accent1>
+        <a:srgbClr val="009688"/>
+      </a:accent1>
+      <a:accent2>
+        <a:srgbClr val="EEEEEE"/>
+      </a:accent2>
+      <a:accent3>
+        <a:srgbClr val="78909C"/>
+      </a:accent3>
+      <a:accent4>
+        <a:srgbClr val="FFAB40"/>
+      </a:accent4>
+      <a:accent5>
+        <a:srgbClr val="4DD0E1"/>
+      </a:accent5>
+      <a:accent6>
+        <a:srgbClr val="EEFF41"/>
+      </a:accent6>
+      <a:hlink>
+        <a:srgbClr val="4DD0E1"/>
+      </a:hlink>
+      <a:folHlink>
+        <a:srgbClr val="4DD0E1"/>
+      </a:folHlink>
+    </a:clrScheme>
+    <a:fontScheme name="Office">
+      <a:majorFont>
+        <a:latin typeface="Arial"/>
+        <a:ea typeface=""/>
+        <a:cs typeface=""/>
+        <a:font script="Jpan" typeface="ＭＳ Ｐゴシック"/>
+        <a:font script="Hang" typeface="맑은 고딕"/>
+        <a:font script="Hans" typeface="宋体"/>
+        <a:font script="Hant" typeface="新細明體"/>
+        <a:font script="Arab" typeface="Times New Roman"/>
+        <a:font script="Hebr" typeface="Times New Roman"/>
+        <a:font script="Thai" typeface="Angsana New"/>
+        <a:font script="Ethi" typeface="Nyala"/>
+        <a:font script="Beng" typeface="Vrinda"/>
+        <a:font script="Gujr" typeface="Shruti"/>
+        <a:font script="Khmr" typeface="MoolBoran"/>
+        <a:font script="Knda" typeface="Tunga"/>
+        <a:font script="Guru" typeface="Raavi"/>
+        <a:font script="Cans" typeface="Euphemia"/>
+        <a:font script="Cher" typeface="Plantagenet Cherokee"/>
+        <a:font script="Yiii" typeface="Microsoft Yi Baiti"/>
+        <a:font script="Tibt" typeface="Microsoft Himalaya"/>
+        <a:font script="Thaa" typeface="MV Boli"/>
+        <a:font script="Deva" typeface="Mangal"/>
+        <a:font script="Telu" typeface="Gautami"/>
+        <a:font script="Taml" typeface="Latha"/>
+        <a:font script="Syrc" typeface="Estrangelo Edessa"/>
+        <a:font script="Orya" typeface="Kalinga"/>
+        <a:font script="Mlym" typeface="Kartika"/>
+        <a:font script="Laoo" typeface="DokChampa"/>
+        <a:font script="Sinh" typeface="Iskoola Pota"/>
+        <a:font script="Mong" typeface="Mongolian Baiti"/>
+        <a:font script="Viet" typeface="Times New Roman"/>
+        <a:font script="Uigh" typeface="Microsoft Uighur"/>
+        <a:font script="Geor" typeface="Sylfaen"/>
+      </a:majorFont>
+      <a:minorFont>
+        <a:latin typeface="Arial"/>
+        <a:ea typeface=""/>
+        <a:cs typeface=""/>
+        <a:font script="Jpan" typeface="ＭＳ Ｐゴシック"/>
+        <a:font script="Hang" typeface="맑은 고딕"/>
+        <a:font script="Hans" typeface="宋体"/>
+        <a:font script="Hant" typeface="新細明體"/>
+        <a:font script="Arab" typeface="Arial"/>
+        <a:font script="Hebr" typeface="Arial"/>
+        <a:font script="Thai" typeface="Cordia New"/>
+        <a:font script="Ethi" typeface="Nyala"/>
+        <a:font script="Beng" typeface="Vrinda"/>
+        <a:font script="Gujr" typeface="Shruti"/>
+        <a:font script="Khmr" typeface="DaunPenh"/>
+        <a:font script="Knda" typeface="Tunga"/>
+        <a:font script="Guru" typeface="Raavi"/>
+        <a:font script="Cans" typeface="Euphemia"/>
+        <a:font script="Cher" typeface="Plantagenet Cherokee"/>
+        <a:font script="Yiii" typeface="Microsoft Yi Baiti"/>
+        <a:font script="Tibt" typeface="Microsoft Himalaya"/>
+        <a:font script="Thaa" typeface="MV Boli"/>
+        <a:font script="Deva" typeface="Mangal"/>
+        <a:font script="Telu" typeface="Gautami"/>
+        <a:font script="Taml" typeface="Latha"/>
+        <a:font script="Syrc" typeface="Estrangelo Edessa"/>
+        <a:font script="Orya" typeface="Kalinga"/>
+        <a:font script="Mlym" typeface="Kartika"/>
+        <a:font script="Laoo" typeface="DokChampa"/>
+        <a:font script="Sinh" typeface="Iskoola Pota"/>
+        <a:font script="Mong" typeface="Mongolian Baiti"/>
+        <a:font script="Viet" typeface="Arial"/>
+        <a:font script="Uigh" typeface="Microsoft Uighur"/>
+        <a:font script="Geor" typeface="Sylfaen"/>
+      </a:minorFont>
+    </a:fontScheme>
+    <a:fmtScheme name="Office">
+      <a:fillStyleLst>
+        <a:solidFill>
+          <a:schemeClr val="phClr"/>
+        </a:solidFill>
+        <a:gradFill rotWithShape="1">
+          <a:gsLst>
+            <a:gs pos="0">
+              <a:schemeClr val="phClr">
+                <a:tint val="50000"/>
+                <a:satMod val="300000"/>
+              </a:schemeClr>
+            </a:gs>
+            <a:gs pos="35000">
+              <a:schemeClr val="phClr">
+                <a:tint val="37000"/>
+                <a:satMod val="300000"/>
+              </a:schemeClr>
+            </a:gs>
+            <a:gs pos="100000">
+              <a:schemeClr val="phClr">
+                <a:tint val="15000"/>
+                <a:satMod val="350000"/>
+              </a:schemeClr>
+            </a:gs>
+          </a:gsLst>
+          <a:lin ang="16200000" scaled="1"/>
+        </a:gradFill>
+        <a:gradFill rotWithShape="1">
+          <a:gsLst>
+            <a:gs pos="0">
+              <a:schemeClr val="phClr">
+                <a:tint val="100000"/>
+                <a:shade val="100000"/>
+                <a:satMod val="130000"/>
+              </a:schemeClr>
+            </a:gs>
+            <a:gs pos="100000">
+              <a:schemeClr val="phClr">
+                <a:tint val="50000"/>
+                <a:shade val="100000"/>
+                <a:satMod val="350000"/>
+              </a:schemeClr>
+            </a:gs>
+          </a:gsLst>
+          <a:lin ang="16200000" scaled="0"/>
+        </a:gradFill>
+      </a:fillStyleLst>
+      <a:lnStyleLst>
+        <a:ln w="9525" cap="flat" cmpd="sng" algn="ctr">
+          <a:solidFill>
+            <a:schemeClr val="phClr">
+              <a:shade val="95000"/>
+              <a:satMod val="105000"/>
+            </a:schemeClr>
+          </a:solidFill>
+          <a:prstDash val="solid"/>
+        </a:ln>
+        <a:ln w="25400" cap="flat" cmpd="sng" algn="ctr">
+          <a:solidFill>
+            <a:schemeClr val="phClr"/>
+          </a:solidFill>
+          <a:prstDash val="solid"/>
+        </a:ln>
+        <a:ln w="38100" cap="flat" cmpd="sng" algn="ctr">
+          <a:solidFill>
+            <a:schemeClr val="phClr"/>
+          </a:solidFill>
+          <a:prstDash val="solid"/>
+        </a:ln>
+      </a:lnStyleLst>
+      <a:effectStyleLst>
+        <a:effectStyle>
+          <a:effectLst>
+            <a:outerShdw blurRad="40000" dist="20000" dir="5400000" rotWithShape="0">
+              <a:srgbClr val="000000">
+                <a:alpha val="38000"/>
+              </a:srgbClr>
+            </a:outerShdw>
+          </a:effectLst>
+        </a:effectStyle>
+        <a:effectStyle>
+          <a:effectLst>
+            <a:outerShdw blurRad="40000" dist="23000" dir="5400000" rotWithShape="0">
+              <a:srgbClr val="000000">
+                <a:alpha val="35000"/>
+              </a:srgbClr>
+            </a:outerShdw>
+          </a:effectLst>
+        </a:effectStyle>
+        <a:effectStyle>
+          <a:effectLst>
+            <a:outerShdw blurRad="40000" dist="23000" dir="5400000" rotWithShape="0">
+              <a:srgbClr val="000000">
+                <a:alpha val="35000"/>
+              </a:srgbClr>
+            </a:outerShdw>
+          </a:effectLst>
+          <a:scene3d>
+            <a:camera prst="orthographicFront">
+              <a:rot lat="0" lon="0" rev="0"/>
+            </a:camera>
+            <a:lightRig rig="threePt" dir="t">
+              <a:rot lat="0" lon="0" rev="1200000"/>
+            </a:lightRig>
+          </a:scene3d>
+          <a:sp3d>
+            <a:bevelT w="63500" h="25400"/>
+          </a:sp3d>
+        </a:effectStyle>
+      </a:effectStyleLst>
+      <a:bgFillStyleLst>
+        <a:solidFill>
+          <a:schemeClr val="phClr"/>
+        </a:solidFill>
+        <a:gradFill rotWithShape="1">
+          <a:gsLst>
+            <a:gs pos="0">
+              <a:schemeClr val="phClr">
+                <a:tint val="40000"/>
+                <a:satMod val="350000"/>
+              </a:schemeClr>
+            </a:gs>
+            <a:gs pos="40000">
+              <a:schemeClr val="phClr">
+                <a:tint val="45000"/>
+                <a:shade val="99000"/>
+                <a:satMod val="350000"/>
+              </a:schemeClr>
+            </a:gs>
+            <a:gs pos="100000">
+              <a:schemeClr val="phClr">
+                <a:shade val="20000"/>
+                <a:satMod val="255000"/>
+              </a:schemeClr>
+            </a:gs>
+          </a:gsLst>
+          <a:path path="circle">
+            <a:fillToRect l="50000" t="-80000" r="50000" b="180000"/>
+          </a:path>
+        </a:gradFill>
+        <a:gradFill rotWithShape="1">
+          <a:gsLst>
+            <a:gs pos="0">
+              <a:schemeClr val="phClr">
+                <a:tint val="80000"/>
+                <a:satMod val="300000"/>
+              </a:schemeClr>
+            </a:gs>
+            <a:gs pos="100000">
+              <a:schemeClr val="phClr">
+                <a:shade val="30000"/>
+                <a:satMod val="200000"/>
+              </a:schemeClr>
+            </a:gs>
+          </a:gsLst>
+          <a:path path="circle">
+            <a:fillToRect l="50000" t="50000" r="50000" b="50000"/>
+          </a:path>
+        </a:gradFill>
+      </a:bgFillStyleLst>
+    </a:fmtScheme>
+  </a:themeElements>
+</a:theme>
+</file>
+
+<file path=ppt/theme/theme2.xml><?xml version="1.0" encoding="utf-8"?>
 <a:theme xmlns:a="http://schemas.openxmlformats.org/drawingml/2006/main" xmlns:r="http://schemas.openxmlformats.org/officeDocument/2006/relationships">
   <a:themeElements>
     <a:clrScheme name="Default">
@@ -7801,283 +8079,4 @@
     </a:fmtScheme>
   </a:themeElements>
 </a:theme>
-</file>
-
-<file path=ppt/theme/theme2.xml><?xml version="1.0" encoding="utf-8"?>
-<a:theme xmlns:a="http://schemas.openxmlformats.org/drawingml/2006/main" xmlns:r="http://schemas.openxmlformats.org/officeDocument/2006/relationships" name="Simple Dark">
-  <a:themeElements>
-    <a:clrScheme name="Simple Dark">
-      <a:dk1>
-        <a:srgbClr val="FFFFFF"/>
-      </a:dk1>
-      <a:lt1>
-        <a:srgbClr val="212121"/>
-      </a:lt1>
-      <a:dk2>
-        <a:srgbClr val="303030"/>
-      </a:dk2>
-      <a:lt2>
-        <a:srgbClr val="ADADAD"/>
-      </a:lt2>
-      <a:accent1>
-        <a:srgbClr val="009688"/>
-      </a:accent1>
-      <a:accent2>
-        <a:srgbClr val="EEEEEE"/>
-      </a:accent2>
-      <a:accent3>
-        <a:srgbClr val="78909C"/>
-      </a:accent3>
-      <a:accent4>
-        <a:srgbClr val="FFAB40"/>
-      </a:accent4>
-      <a:accent5>
-        <a:srgbClr val="4DD0E1"/>
-      </a:accent5>
-      <a:accent6>
-        <a:srgbClr val="EEFF41"/>
-      </a:accent6>
-      <a:hlink>
-        <a:srgbClr val="4DD0E1"/>
-      </a:hlink>
-      <a:folHlink>
-        <a:srgbClr val="4DD0E1"/>
-      </a:folHlink>
-    </a:clrScheme>
-    <a:fontScheme name="Office">
-      <a:majorFont>
-        <a:latin typeface="Arial"/>
-        <a:ea typeface=""/>
-        <a:cs typeface=""/>
-        <a:font script="Jpan" typeface="ＭＳ Ｐゴシック"/>
-        <a:font script="Hang" typeface="맑은 고딕"/>
-        <a:font script="Hans" typeface="宋体"/>
-        <a:font script="Hant" typeface="新細明體"/>
-        <a:font script="Arab" typeface="Times New Roman"/>
-        <a:font script="Hebr" typeface="Times New Roman"/>
-        <a:font script="Thai" typeface="Angsana New"/>
-        <a:font script="Ethi" typeface="Nyala"/>
-        <a:font script="Beng" typeface="Vrinda"/>
-        <a:font script="Gujr" typeface="Shruti"/>
-        <a:font script="Khmr" typeface="MoolBoran"/>
-        <a:font script="Knda" typeface="Tunga"/>
-        <a:font script="Guru" typeface="Raavi"/>
-        <a:font script="Cans" typeface="Euphemia"/>
-        <a:font script="Cher" typeface="Plantagenet Cherokee"/>
-        <a:font script="Yiii" typeface="Microsoft Yi Baiti"/>
-        <a:font script="Tibt" typeface="Microsoft Himalaya"/>
-        <a:font script="Thaa" typeface="MV Boli"/>
-        <a:font script="Deva" typeface="Mangal"/>
-        <a:font script="Telu" typeface="Gautami"/>
-        <a:font script="Taml" typeface="Latha"/>
-        <a:font script="Syrc" typeface="Estrangelo Edessa"/>
-        <a:font script="Orya" typeface="Kalinga"/>
-        <a:font script="Mlym" typeface="Kartika"/>
-        <a:font script="Laoo" typeface="DokChampa"/>
-        <a:font script="Sinh" typeface="Iskoola Pota"/>
-        <a:font script="Mong" typeface="Mongolian Baiti"/>
-        <a:font script="Viet" typeface="Times New Roman"/>
-        <a:font script="Uigh" typeface="Microsoft Uighur"/>
-        <a:font script="Geor" typeface="Sylfaen"/>
-      </a:majorFont>
-      <a:minorFont>
-        <a:latin typeface="Arial"/>
-        <a:ea typeface=""/>
-        <a:cs typeface=""/>
-        <a:font script="Jpan" typeface="ＭＳ Ｐゴシック"/>
-        <a:font script="Hang" typeface="맑은 고딕"/>
-        <a:font script="Hans" typeface="宋体"/>
-        <a:font script="Hant" typeface="新細明體"/>
-        <a:font script="Arab" typeface="Arial"/>
-        <a:font script="Hebr" typeface="Arial"/>
-        <a:font script="Thai" typeface="Cordia New"/>
-        <a:font script="Ethi" typeface="Nyala"/>
-        <a:font script="Beng" typeface="Vrinda"/>
-        <a:font script="Gujr" typeface="Shruti"/>
-        <a:font script="Khmr" typeface="DaunPenh"/>
-        <a:font script="Knda" typeface="Tunga"/>
-        <a:font script="Guru" typeface="Raavi"/>
-        <a:font script="Cans" typeface="Euphemia"/>
-        <a:font script="Cher" typeface="Plantagenet Cherokee"/>
-        <a:font script="Yiii" typeface="Microsoft Yi Baiti"/>
-        <a:font script="Tibt" typeface="Microsoft Himalaya"/>
-        <a:font script="Thaa" typeface="MV Boli"/>
-        <a:font script="Deva" typeface="Mangal"/>
-        <a:font script="Telu" typeface="Gautami"/>
-        <a:font script="Taml" typeface="Latha"/>
-        <a:font script="Syrc" typeface="Estrangelo Edessa"/>
-        <a:font script="Orya" typeface="Kalinga"/>
-        <a:font script="Mlym" typeface="Kartika"/>
-        <a:font script="Laoo" typeface="DokChampa"/>
-        <a:font script="Sinh" typeface="Iskoola Pota"/>
-        <a:font script="Mong" typeface="Mongolian Baiti"/>
-        <a:font script="Viet" typeface="Arial"/>
-        <a:font script="Uigh" typeface="Microsoft Uighur"/>
-        <a:font script="Geor" typeface="Sylfaen"/>
-      </a:minorFont>
-    </a:fontScheme>
-    <a:fmtScheme name="Office">
-      <a:fillStyleLst>
-        <a:solidFill>
-          <a:schemeClr val="phClr"/>
-        </a:solidFill>
-        <a:gradFill rotWithShape="1">
-          <a:gsLst>
-            <a:gs pos="0">
-              <a:schemeClr val="phClr">
-                <a:tint val="50000"/>
-                <a:satMod val="300000"/>
-              </a:schemeClr>
-            </a:gs>
-            <a:gs pos="35000">
-              <a:schemeClr val="phClr">
-                <a:tint val="37000"/>
-                <a:satMod val="300000"/>
-              </a:schemeClr>
-            </a:gs>
-            <a:gs pos="100000">
-              <a:schemeClr val="phClr">
-                <a:tint val="15000"/>
-                <a:satMod val="350000"/>
-              </a:schemeClr>
-            </a:gs>
-          </a:gsLst>
-          <a:lin ang="16200000" scaled="1"/>
-        </a:gradFill>
-        <a:gradFill rotWithShape="1">
-          <a:gsLst>
-            <a:gs pos="0">
-              <a:schemeClr val="phClr">
-                <a:tint val="100000"/>
-                <a:shade val="100000"/>
-                <a:satMod val="130000"/>
-              </a:schemeClr>
-            </a:gs>
-            <a:gs pos="100000">
-              <a:schemeClr val="phClr">
-                <a:tint val="50000"/>
-                <a:shade val="100000"/>
-                <a:satMod val="350000"/>
-              </a:schemeClr>
-            </a:gs>
-          </a:gsLst>
-          <a:lin ang="16200000" scaled="0"/>
-        </a:gradFill>
-      </a:fillStyleLst>
-      <a:lnStyleLst>
-        <a:ln w="9525" cap="flat" cmpd="sng" algn="ctr">
-          <a:solidFill>
-            <a:schemeClr val="phClr">
-              <a:shade val="95000"/>
-              <a:satMod val="105000"/>
-            </a:schemeClr>
-          </a:solidFill>
-          <a:prstDash val="solid"/>
-        </a:ln>
-        <a:ln w="25400" cap="flat" cmpd="sng" algn="ctr">
-          <a:solidFill>
-            <a:schemeClr val="phClr"/>
-          </a:solidFill>
-          <a:prstDash val="solid"/>
-        </a:ln>
-        <a:ln w="38100" cap="flat" cmpd="sng" algn="ctr">
-          <a:solidFill>
-            <a:schemeClr val="phClr"/>
-          </a:solidFill>
-          <a:prstDash val="solid"/>
-        </a:ln>
-      </a:lnStyleLst>
-      <a:effectStyleLst>
-        <a:effectStyle>
-          <a:effectLst>
-            <a:outerShdw blurRad="40000" dist="20000" dir="5400000" rotWithShape="0">
-              <a:srgbClr val="000000">
-                <a:alpha val="38000"/>
-              </a:srgbClr>
-            </a:outerShdw>
-          </a:effectLst>
-        </a:effectStyle>
-        <a:effectStyle>
-          <a:effectLst>
-            <a:outerShdw blurRad="40000" dist="23000" dir="5400000" rotWithShape="0">
-              <a:srgbClr val="000000">
-                <a:alpha val="35000"/>
-              </a:srgbClr>
-            </a:outerShdw>
-          </a:effectLst>
-        </a:effectStyle>
-        <a:effectStyle>
-          <a:effectLst>
-            <a:outerShdw blurRad="40000" dist="23000" dir="5400000" rotWithShape="0">
-              <a:srgbClr val="000000">
-                <a:alpha val="35000"/>
-              </a:srgbClr>
-            </a:outerShdw>
-          </a:effectLst>
-          <a:scene3d>
-            <a:camera prst="orthographicFront">
-              <a:rot lat="0" lon="0" rev="0"/>
-            </a:camera>
-            <a:lightRig rig="threePt" dir="t">
-              <a:rot lat="0" lon="0" rev="1200000"/>
-            </a:lightRig>
-          </a:scene3d>
-          <a:sp3d>
-            <a:bevelT w="63500" h="25400"/>
-          </a:sp3d>
-        </a:effectStyle>
-      </a:effectStyleLst>
-      <a:bgFillStyleLst>
-        <a:solidFill>
-          <a:schemeClr val="phClr"/>
-        </a:solidFill>
-        <a:gradFill rotWithShape="1">
-          <a:gsLst>
-            <a:gs pos="0">
-              <a:schemeClr val="phClr">
-                <a:tint val="40000"/>
-                <a:satMod val="350000"/>
-              </a:schemeClr>
-            </a:gs>
-            <a:gs pos="40000">
-              <a:schemeClr val="phClr">
-                <a:tint val="45000"/>
-                <a:shade val="99000"/>
-                <a:satMod val="350000"/>
-              </a:schemeClr>
-            </a:gs>
-            <a:gs pos="100000">
-              <a:schemeClr val="phClr">
-                <a:shade val="20000"/>
-                <a:satMod val="255000"/>
-              </a:schemeClr>
-            </a:gs>
-          </a:gsLst>
-          <a:path path="circle">
-            <a:fillToRect l="50000" t="-80000" r="50000" b="180000"/>
-          </a:path>
-        </a:gradFill>
-        <a:gradFill rotWithShape="1">
-          <a:gsLst>
-            <a:gs pos="0">
-              <a:schemeClr val="phClr">
-                <a:tint val="80000"/>
-                <a:satMod val="300000"/>
-              </a:schemeClr>
-            </a:gs>
-            <a:gs pos="100000">
-              <a:schemeClr val="phClr">
-                <a:shade val="30000"/>
-                <a:satMod val="200000"/>
-              </a:schemeClr>
-            </a:gs>
-          </a:gsLst>
-          <a:path path="circle">
-            <a:fillToRect l="50000" t="50000" r="50000" b="50000"/>
-          </a:path>
-        </a:gradFill>
-      </a:bgFillStyleLst>
-    </a:fmtScheme>
-  </a:themeElements>
-</a:theme>
 </file>
--- a/Exploratory Data Analysis.pptx
+++ b/Exploratory Data Analysis.pptx
@@ -1,46 +1,46 @@
 
 <file path=ppt/presentation.xml><?xml version="1.0" encoding="utf-8"?>
-<p:presentation xmlns:a="http://schemas.openxmlformats.org/drawingml/2006/main" xmlns:r="http://schemas.openxmlformats.org/officeDocument/2006/relationships" xmlns:mc="http://schemas.openxmlformats.org/markup-compatibility/2006" xmlns:mv="urn:schemas-microsoft-com:mac:vml" xmlns:p="http://schemas.openxmlformats.org/presentationml/2006/main" xmlns:c="http://schemas.openxmlformats.org/drawingml/2006/chart" xmlns:dgm="http://schemas.openxmlformats.org/drawingml/2006/diagram" xmlns:o="urn:schemas-microsoft-com:office:office" xmlns:v="urn:schemas-microsoft-com:vml" xmlns:pvml="urn:schemas-microsoft-com:office:powerpoint" xmlns:com="http://schemas.openxmlformats.org/drawingml/2006/compatibility" xmlns:p14="http://schemas.microsoft.com/office/powerpoint/2010/main" xmlns:p15="http://schemas.microsoft.com/office/powerpoint/2012/main" xmlns:ahyp="http://schemas.microsoft.com/office/drawing/2018/hyperlinkcolor" autoCompressPictures="0" embedTrueTypeFonts="1" strictFirstAndLastChars="0" saveSubsetFonts="1">
+<p:presentation xmlns:a="http://schemas.openxmlformats.org/drawingml/2006/main" xmlns:r="http://schemas.openxmlformats.org/officeDocument/2006/relationships" xmlns:p="http://schemas.openxmlformats.org/presentationml/2006/main" strictFirstAndLastChars="0" embedTrueTypeFonts="1" saveSubsetFonts="1" autoCompressPictures="0">
   <p:sldMasterIdLst>
-    <p:sldMasterId id="2147483659" r:id="rId4"/>
+    <p:sldMasterId id="2147483659" r:id="rId1"/>
   </p:sldMasterIdLst>
   <p:notesMasterIdLst>
-    <p:notesMasterId r:id="rId5"/>
+    <p:notesMasterId r:id="rId11"/>
   </p:notesMasterIdLst>
   <p:sldIdLst>
-    <p:sldId id="256" r:id="rId6"/>
-    <p:sldId id="257" r:id="rId7"/>
-    <p:sldId id="258" r:id="rId8"/>
-    <p:sldId id="259" r:id="rId9"/>
-    <p:sldId id="260" r:id="rId10"/>
-    <p:sldId id="261" r:id="rId11"/>
-    <p:sldId id="262" r:id="rId12"/>
-    <p:sldId id="263" r:id="rId13"/>
-    <p:sldId id="264" r:id="rId14"/>
+    <p:sldId id="256" r:id="rId2"/>
+    <p:sldId id="257" r:id="rId3"/>
+    <p:sldId id="258" r:id="rId4"/>
+    <p:sldId id="259" r:id="rId5"/>
+    <p:sldId id="260" r:id="rId6"/>
+    <p:sldId id="261" r:id="rId7"/>
+    <p:sldId id="262" r:id="rId8"/>
+    <p:sldId id="263" r:id="rId9"/>
+    <p:sldId id="264" r:id="rId10"/>
   </p:sldIdLst>
-  <p:sldSz cy="5143500" cx="9144000"/>
+  <p:sldSz cx="9144000" cy="5143500" type="screen16x9"/>
   <p:notesSz cx="6858000" cy="9144000"/>
   <p:embeddedFontLst>
     <p:embeddedFont>
-      <p:font typeface="Caveat"/>
-      <p:regular r:id="rId15"/>
-      <p:bold r:id="rId16"/>
+      <p:font typeface="Lato" panose="020B0604020202020204" charset="0"/>
+      <p:regular r:id="rId12"/>
+      <p:bold r:id="rId13"/>
+      <p:italic r:id="rId14"/>
+      <p:boldItalic r:id="rId15"/>
     </p:embeddedFont>
     <p:embeddedFont>
-      <p:font typeface="Lato"/>
-      <p:regular r:id="rId17"/>
-      <p:bold r:id="rId18"/>
-      <p:italic r:id="rId19"/>
-      <p:boldItalic r:id="rId20"/>
+      <p:font typeface="Caveat" panose="020B0604020202020204" charset="0"/>
+      <p:regular r:id="rId16"/>
+      <p:bold r:id="rId17"/>
     </p:embeddedFont>
     <p:embeddedFont>
-      <p:font typeface="Oswald"/>
-      <p:regular r:id="rId21"/>
-      <p:bold r:id="rId22"/>
+      <p:font typeface="Oswald" panose="020B0604020202020204" charset="0"/>
+      <p:regular r:id="rId18"/>
+      <p:bold r:id="rId19"/>
     </p:embeddedFont>
   </p:embeddedFontLst>
   <p:defaultTextStyle>
-    <a:defPPr lvl="0" marR="0" rtl="0" algn="l">
+    <a:defPPr marR="0" lvl="0" algn="l" rtl="0">
       <a:lnSpc>
         <a:spcPct val="100000"/>
       </a:lnSpc>
@@ -51,7 +51,7 @@
         <a:spcPts val="0"/>
       </a:spcAft>
     </a:defPPr>
-    <a:lvl1pPr lvl="0" marR="0" rtl="0" algn="l">
+    <a:lvl1pPr marR="0" lvl="0" algn="l" rtl="0">
       <a:lnSpc>
         <a:spcPct val="100000"/>
       </a:lnSpc>
@@ -65,7 +65,7 @@
         <a:srgbClr val="000000"/>
       </a:buClr>
       <a:buFont typeface="Arial"/>
-      <a:defRPr b="0" i="0" sz="1400" u="none" cap="none" strike="noStrike">
+      <a:defRPr sz="1400" b="0" i="0" u="none" strike="noStrike" cap="none">
         <a:solidFill>
           <a:srgbClr val="000000"/>
         </a:solidFill>
@@ -75,7 +75,7 @@
         <a:sym typeface="Arial"/>
       </a:defRPr>
     </a:lvl1pPr>
-    <a:lvl2pPr lvl="1" marR="0" rtl="0" algn="l">
+    <a:lvl2pPr marR="0" lvl="1" algn="l" rtl="0">
       <a:lnSpc>
         <a:spcPct val="100000"/>
       </a:lnSpc>
@@ -89,7 +89,7 @@
         <a:srgbClr val="000000"/>
       </a:buClr>
       <a:buFont typeface="Arial"/>
-      <a:defRPr b="0" i="0" sz="1400" u="none" cap="none" strike="noStrike">
+      <a:defRPr sz="1400" b="0" i="0" u="none" strike="noStrike" cap="none">
         <a:solidFill>
           <a:srgbClr val="000000"/>
         </a:solidFill>
@@ -99,7 +99,7 @@
         <a:sym typeface="Arial"/>
       </a:defRPr>
     </a:lvl2pPr>
-    <a:lvl3pPr lvl="2" marR="0" rtl="0" algn="l">
+    <a:lvl3pPr marR="0" lvl="2" algn="l" rtl="0">
       <a:lnSpc>
         <a:spcPct val="100000"/>
       </a:lnSpc>
@@ -113,7 +113,7 @@
         <a:srgbClr val="000000"/>
       </a:buClr>
       <a:buFont typeface="Arial"/>
-      <a:defRPr b="0" i="0" sz="1400" u="none" cap="none" strike="noStrike">
+      <a:defRPr sz="1400" b="0" i="0" u="none" strike="noStrike" cap="none">
         <a:solidFill>
           <a:srgbClr val="000000"/>
         </a:solidFill>
@@ -123,7 +123,7 @@
         <a:sym typeface="Arial"/>
       </a:defRPr>
     </a:lvl3pPr>
-    <a:lvl4pPr lvl="3" marR="0" rtl="0" algn="l">
+    <a:lvl4pPr marR="0" lvl="3" algn="l" rtl="0">
       <a:lnSpc>
         <a:spcPct val="100000"/>
       </a:lnSpc>
@@ -137,7 +137,7 @@
         <a:srgbClr val="000000"/>
       </a:buClr>
       <a:buFont typeface="Arial"/>
-      <a:defRPr b="0" i="0" sz="1400" u="none" cap="none" strike="noStrike">
+      <a:defRPr sz="1400" b="0" i="0" u="none" strike="noStrike" cap="none">
         <a:solidFill>
           <a:srgbClr val="000000"/>
         </a:solidFill>
@@ -147,7 +147,7 @@
         <a:sym typeface="Arial"/>
       </a:defRPr>
     </a:lvl4pPr>
-    <a:lvl5pPr lvl="4" marR="0" rtl="0" algn="l">
+    <a:lvl5pPr marR="0" lvl="4" algn="l" rtl="0">
       <a:lnSpc>
         <a:spcPct val="100000"/>
       </a:lnSpc>
@@ -161,7 +161,7 @@
         <a:srgbClr val="000000"/>
       </a:buClr>
       <a:buFont typeface="Arial"/>
-      <a:defRPr b="0" i="0" sz="1400" u="none" cap="none" strike="noStrike">
+      <a:defRPr sz="1400" b="0" i="0" u="none" strike="noStrike" cap="none">
         <a:solidFill>
           <a:srgbClr val="000000"/>
         </a:solidFill>
@@ -171,7 +171,7 @@
         <a:sym typeface="Arial"/>
       </a:defRPr>
     </a:lvl5pPr>
-    <a:lvl6pPr lvl="5" marR="0" rtl="0" algn="l">
+    <a:lvl6pPr marR="0" lvl="5" algn="l" rtl="0">
       <a:lnSpc>
         <a:spcPct val="100000"/>
       </a:lnSpc>
@@ -185,7 +185,7 @@
         <a:srgbClr val="000000"/>
       </a:buClr>
       <a:buFont typeface="Arial"/>
-      <a:defRPr b="0" i="0" sz="1400" u="none" cap="none" strike="noStrike">
+      <a:defRPr sz="1400" b="0" i="0" u="none" strike="noStrike" cap="none">
         <a:solidFill>
           <a:srgbClr val="000000"/>
         </a:solidFill>
@@ -195,7 +195,7 @@
         <a:sym typeface="Arial"/>
       </a:defRPr>
     </a:lvl6pPr>
-    <a:lvl7pPr lvl="6" marR="0" rtl="0" algn="l">
+    <a:lvl7pPr marR="0" lvl="6" algn="l" rtl="0">
       <a:lnSpc>
         <a:spcPct val="100000"/>
       </a:lnSpc>
@@ -209,7 +209,7 @@
         <a:srgbClr val="000000"/>
       </a:buClr>
       <a:buFont typeface="Arial"/>
-      <a:defRPr b="0" i="0" sz="1400" u="none" cap="none" strike="noStrike">
+      <a:defRPr sz="1400" b="0" i="0" u="none" strike="noStrike" cap="none">
         <a:solidFill>
           <a:srgbClr val="000000"/>
         </a:solidFill>
@@ -219,7 +219,7 @@
         <a:sym typeface="Arial"/>
       </a:defRPr>
     </a:lvl7pPr>
-    <a:lvl8pPr lvl="7" marR="0" rtl="0" algn="l">
+    <a:lvl8pPr marR="0" lvl="7" algn="l" rtl="0">
       <a:lnSpc>
         <a:spcPct val="100000"/>
       </a:lnSpc>
@@ -233,7 +233,7 @@
         <a:srgbClr val="000000"/>
       </a:buClr>
       <a:buFont typeface="Arial"/>
-      <a:defRPr b="0" i="0" sz="1400" u="none" cap="none" strike="noStrike">
+      <a:defRPr sz="1400" b="0" i="0" u="none" strike="noStrike" cap="none">
         <a:solidFill>
           <a:srgbClr val="000000"/>
         </a:solidFill>
@@ -243,7 +243,7 @@
         <a:sym typeface="Arial"/>
       </a:defRPr>
     </a:lvl8pPr>
-    <a:lvl9pPr lvl="8" marR="0" rtl="0" algn="l">
+    <a:lvl9pPr marR="0" lvl="8" algn="l" rtl="0">
       <a:lnSpc>
         <a:spcPct val="100000"/>
       </a:lnSpc>
@@ -257,7 +257,7 @@
         <a:srgbClr val="000000"/>
       </a:buClr>
       <a:buFont typeface="Arial"/>
-      <a:defRPr b="0" i="0" sz="1400" u="none" cap="none" strike="noStrike">
+      <a:defRPr sz="1400" b="0" i="0" u="none" strike="noStrike" cap="none">
         <a:solidFill>
           <a:srgbClr val="000000"/>
         </a:solidFill>
@@ -270,7 +270,7 @@
   </p:defaultTextStyle>
   <p:extLst>
     <p:ext uri="{EFAFB233-063F-42B5-8137-9DF3F51BA10A}">
-      <p15:sldGuideLst>
+      <p15:sldGuideLst xmlns:p15="http://schemas.microsoft.com/office/powerpoint/2012/main">
         <p15:guide id="1" orient="horz" pos="1620">
           <p15:clr>
             <a:srgbClr val="A4A3A4"/>
@@ -288,11 +288,16 @@
 </file>
 
 <file path=ppt/notesMasters/notesMaster1.xml><?xml version="1.0" encoding="utf-8"?>
-<p:notesMaster xmlns:a="http://schemas.openxmlformats.org/drawingml/2006/main" xmlns:r="http://schemas.openxmlformats.org/officeDocument/2006/relationships" xmlns:mc="http://schemas.openxmlformats.org/markup-compatibility/2006" xmlns:mv="urn:schemas-microsoft-com:mac:vml" xmlns:p="http://schemas.openxmlformats.org/presentationml/2006/main" xmlns:c="http://schemas.openxmlformats.org/drawingml/2006/chart" xmlns:dgm="http://schemas.openxmlformats.org/drawingml/2006/diagram" xmlns:o="urn:schemas-microsoft-com:office:office" xmlns:v="urn:schemas-microsoft-com:vml" xmlns:pvml="urn:schemas-microsoft-com:office:powerpoint" xmlns:com="http://schemas.openxmlformats.org/drawingml/2006/compatibility" xmlns:p14="http://schemas.microsoft.com/office/powerpoint/2010/main" xmlns:p15="http://schemas.microsoft.com/office/powerpoint/2012/main" xmlns:ahyp="http://schemas.microsoft.com/office/drawing/2018/hyperlinkcolor">
+<p:notesMaster xmlns:a="http://schemas.openxmlformats.org/drawingml/2006/main" xmlns:r="http://schemas.openxmlformats.org/officeDocument/2006/relationships" xmlns:p="http://schemas.openxmlformats.org/presentationml/2006/main">
   <p:cSld>
+    <p:bg>
+      <p:bgRef idx="1001">
+        <a:schemeClr val="bg1"/>
+      </p:bgRef>
+    </p:bg>
     <p:spTree>
       <p:nvGrpSpPr>
-        <p:cNvPr id="2" name="Shape 2"/>
+        <p:cNvPr id="1" name="Shape 2"/>
         <p:cNvGrpSpPr/>
         <p:nvPr/>
       </p:nvGrpSpPr>
@@ -307,9 +312,11 @@
       <p:sp>
         <p:nvSpPr>
           <p:cNvPr id="3" name="Google Shape;3;n"/>
-          <p:cNvSpPr/>
+          <p:cNvSpPr>
+            <a:spLocks noGrp="1" noRot="1" noChangeAspect="1"/>
+          </p:cNvSpPr>
           <p:nvPr>
-            <p:ph idx="2" type="sldImg"/>
+            <p:ph type="sldImg" idx="2"/>
           </p:nvPr>
         </p:nvSpPr>
         <p:spPr>
@@ -318,9 +325,13 @@
             <a:ext cx="6096075" cy="3429000"/>
           </a:xfrm>
           <a:custGeom>
-            <a:rect b="b" l="l" r="r" t="t"/>
+            <a:avLst/>
+            <a:gdLst/>
+            <a:ahLst/>
+            <a:cxnLst/>
+            <a:rect l="l" t="t" r="r" b="b"/>
             <a:pathLst>
-              <a:path extrusionOk="0" h="120000" w="120000">
+              <a:path w="120000" h="120000" extrusionOk="0">
                 <a:moveTo>
                   <a:pt x="0" y="0"/>
                 </a:moveTo>
@@ -338,23 +349,25 @@
             </a:pathLst>
           </a:custGeom>
           <a:noFill/>
-          <a:ln cap="flat" cmpd="sng" w="9525">
+          <a:ln w="9525" cap="flat" cmpd="sng">
             <a:solidFill>
               <a:srgbClr val="000000"/>
             </a:solidFill>
             <a:prstDash val="solid"/>
             <a:round/>
-            <a:headEnd len="sm" w="sm" type="none"/>
-            <a:tailEnd len="sm" w="sm" type="none"/>
+            <a:headEnd type="none" w="sm" len="sm"/>
+            <a:tailEnd type="none" w="sm" len="sm"/>
           </a:ln>
         </p:spPr>
       </p:sp>
       <p:sp>
         <p:nvSpPr>
           <p:cNvPr id="4" name="Google Shape;4;n"/>
-          <p:cNvSpPr txBox="1"/>
+          <p:cNvSpPr txBox="1">
+            <a:spLocks noGrp="1"/>
+          </p:cNvSpPr>
           <p:nvPr>
-            <p:ph idx="1" type="body"/>
+            <p:ph type="body" idx="1"/>
           </p:nvPr>
         </p:nvSpPr>
         <p:spPr>
@@ -371,11 +384,11 @@
           </a:ln>
         </p:spPr>
         <p:txBody>
-          <a:bodyPr anchorCtr="0" anchor="t" bIns="91425" lIns="91425" spcFirstLastPara="1" rIns="91425" wrap="square" tIns="91425">
+          <a:bodyPr spcFirstLastPara="1" wrap="square" lIns="91425" tIns="91425" rIns="91425" bIns="91425" anchor="t" anchorCtr="0">
             <a:noAutofit/>
           </a:bodyPr>
           <a:lstStyle>
-            <a:lvl1pPr indent="-317500" lvl="0" marL="457200">
+            <a:lvl1pPr marL="457200" lvl="0" indent="-317500">
               <a:spcBef>
                 <a:spcPts val="0"/>
               </a:spcBef>
@@ -386,7 +399,7 @@
               <a:buChar char="●"/>
               <a:defRPr sz="1100"/>
             </a:lvl1pPr>
-            <a:lvl2pPr indent="-317500" lvl="1" marL="914400">
+            <a:lvl2pPr marL="914400" lvl="1" indent="-317500">
               <a:spcBef>
                 <a:spcPts val="0"/>
               </a:spcBef>
@@ -397,7 +410,7 @@
               <a:buChar char="○"/>
               <a:defRPr sz="1100"/>
             </a:lvl2pPr>
-            <a:lvl3pPr indent="-317500" lvl="2" marL="1371600">
+            <a:lvl3pPr marL="1371600" lvl="2" indent="-317500">
               <a:spcBef>
                 <a:spcPts val="0"/>
               </a:spcBef>
@@ -408,7 +421,7 @@
               <a:buChar char="■"/>
               <a:defRPr sz="1100"/>
             </a:lvl3pPr>
-            <a:lvl4pPr indent="-317500" lvl="3" marL="1828800">
+            <a:lvl4pPr marL="1828800" lvl="3" indent="-317500">
               <a:spcBef>
                 <a:spcPts val="0"/>
               </a:spcBef>
@@ -419,7 +432,7 @@
               <a:buChar char="●"/>
               <a:defRPr sz="1100"/>
             </a:lvl4pPr>
-            <a:lvl5pPr indent="-317500" lvl="4" marL="2286000">
+            <a:lvl5pPr marL="2286000" lvl="4" indent="-317500">
               <a:spcBef>
                 <a:spcPts val="0"/>
               </a:spcBef>
@@ -430,7 +443,7 @@
               <a:buChar char="○"/>
               <a:defRPr sz="1100"/>
             </a:lvl5pPr>
-            <a:lvl6pPr indent="-317500" lvl="5" marL="2743200">
+            <a:lvl6pPr marL="2743200" lvl="5" indent="-317500">
               <a:spcBef>
                 <a:spcPts val="0"/>
               </a:spcBef>
@@ -441,7 +454,7 @@
               <a:buChar char="■"/>
               <a:defRPr sz="1100"/>
             </a:lvl6pPr>
-            <a:lvl7pPr indent="-317500" lvl="6" marL="3200400">
+            <a:lvl7pPr marL="3200400" lvl="6" indent="-317500">
               <a:spcBef>
                 <a:spcPts val="0"/>
               </a:spcBef>
@@ -452,7 +465,7 @@
               <a:buChar char="●"/>
               <a:defRPr sz="1100"/>
             </a:lvl7pPr>
-            <a:lvl8pPr indent="-317500" lvl="7" marL="3657600">
+            <a:lvl8pPr marL="3657600" lvl="7" indent="-317500">
               <a:spcBef>
                 <a:spcPts val="0"/>
               </a:spcBef>
@@ -463,7 +476,7 @@
               <a:buChar char="○"/>
               <a:defRPr sz="1100"/>
             </a:lvl8pPr>
-            <a:lvl9pPr indent="-317500" lvl="8" marL="4114800">
+            <a:lvl9pPr marL="4114800" lvl="8" indent="-317500">
               <a:spcBef>
                 <a:spcPts val="0"/>
               </a:spcBef>
@@ -475,14 +488,16 @@
               <a:defRPr sz="1100"/>
             </a:lvl9pPr>
           </a:lstStyle>
-          <a:p/>
+          <a:p>
+            <a:endParaRPr/>
+          </a:p>
         </p:txBody>
       </p:sp>
     </p:spTree>
   </p:cSld>
-  <p:clrMap accent1="accent1" accent2="accent2" accent3="accent3" accent4="accent4" accent5="accent5" accent6="accent6" bg1="lt1" bg2="dk2" tx1="dk1" tx2="lt2" folHlink="folHlink" hlink="hlink"/>
+  <p:clrMap bg1="lt1" tx1="dk1" bg2="dk2" tx2="lt2" accent1="accent1" accent2="accent2" accent3="accent3" accent4="accent4" accent5="accent5" accent6="accent6" hlink="hlink" folHlink="folHlink"/>
   <p:notesStyle>
-    <a:defPPr lvl="0" marR="0" rtl="0" algn="l">
+    <a:defPPr marR="0" lvl="0" algn="l" rtl="0">
       <a:lnSpc>
         <a:spcPct val="100000"/>
       </a:lnSpc>
@@ -493,7 +508,7 @@
         <a:spcPts val="0"/>
       </a:spcAft>
     </a:defPPr>
-    <a:lvl1pPr lvl="0" marR="0" rtl="0" algn="l">
+    <a:lvl1pPr marR="0" lvl="0" algn="l" rtl="0">
       <a:lnSpc>
         <a:spcPct val="100000"/>
       </a:lnSpc>
@@ -507,7 +522,7 @@
         <a:srgbClr val="000000"/>
       </a:buClr>
       <a:buFont typeface="Arial"/>
-      <a:defRPr b="0" i="0" sz="1400" u="none" cap="none" strike="noStrike">
+      <a:defRPr sz="1400" b="0" i="0" u="none" strike="noStrike" cap="none">
         <a:solidFill>
           <a:srgbClr val="000000"/>
         </a:solidFill>
@@ -517,7 +532,7 @@
         <a:sym typeface="Arial"/>
       </a:defRPr>
     </a:lvl1pPr>
-    <a:lvl2pPr lvl="1" marR="0" rtl="0" algn="l">
+    <a:lvl2pPr marR="0" lvl="1" algn="l" rtl="0">
       <a:lnSpc>
         <a:spcPct val="100000"/>
       </a:lnSpc>
@@ -531,7 +546,7 @@
         <a:srgbClr val="000000"/>
       </a:buClr>
       <a:buFont typeface="Arial"/>
-      <a:defRPr b="0" i="0" sz="1400" u="none" cap="none" strike="noStrike">
+      <a:defRPr sz="1400" b="0" i="0" u="none" strike="noStrike" cap="none">
         <a:solidFill>
           <a:srgbClr val="000000"/>
         </a:solidFill>
@@ -541,7 +556,7 @@
         <a:sym typeface="Arial"/>
       </a:defRPr>
     </a:lvl2pPr>
-    <a:lvl3pPr lvl="2" marR="0" rtl="0" algn="l">
+    <a:lvl3pPr marR="0" lvl="2" algn="l" rtl="0">
       <a:lnSpc>
         <a:spcPct val="100000"/>
       </a:lnSpc>
@@ -555,7 +570,7 @@
         <a:srgbClr val="000000"/>
       </a:buClr>
       <a:buFont typeface="Arial"/>
-      <a:defRPr b="0" i="0" sz="1400" u="none" cap="none" strike="noStrike">
+      <a:defRPr sz="1400" b="0" i="0" u="none" strike="noStrike" cap="none">
         <a:solidFill>
           <a:srgbClr val="000000"/>
         </a:solidFill>
@@ -565,7 +580,7 @@
         <a:sym typeface="Arial"/>
       </a:defRPr>
     </a:lvl3pPr>
-    <a:lvl4pPr lvl="3" marR="0" rtl="0" algn="l">
+    <a:lvl4pPr marR="0" lvl="3" algn="l" rtl="0">
       <a:lnSpc>
         <a:spcPct val="100000"/>
       </a:lnSpc>
@@ -579,7 +594,7 @@
         <a:srgbClr val="000000"/>
       </a:buClr>
       <a:buFont typeface="Arial"/>
-      <a:defRPr b="0" i="0" sz="1400" u="none" cap="none" strike="noStrike">
+      <a:defRPr sz="1400" b="0" i="0" u="none" strike="noStrike" cap="none">
         <a:solidFill>
           <a:srgbClr val="000000"/>
         </a:solidFill>
@@ -589,7 +604,7 @@
         <a:sym typeface="Arial"/>
       </a:defRPr>
     </a:lvl4pPr>
-    <a:lvl5pPr lvl="4" marR="0" rtl="0" algn="l">
+    <a:lvl5pPr marR="0" lvl="4" algn="l" rtl="0">
       <a:lnSpc>
         <a:spcPct val="100000"/>
       </a:lnSpc>
@@ -603,7 +618,7 @@
         <a:srgbClr val="000000"/>
       </a:buClr>
       <a:buFont typeface="Arial"/>
-      <a:defRPr b="0" i="0" sz="1400" u="none" cap="none" strike="noStrike">
+      <a:defRPr sz="1400" b="0" i="0" u="none" strike="noStrike" cap="none">
         <a:solidFill>
           <a:srgbClr val="000000"/>
         </a:solidFill>
@@ -613,7 +628,7 @@
         <a:sym typeface="Arial"/>
       </a:defRPr>
     </a:lvl5pPr>
-    <a:lvl6pPr lvl="5" marR="0" rtl="0" algn="l">
+    <a:lvl6pPr marR="0" lvl="5" algn="l" rtl="0">
       <a:lnSpc>
         <a:spcPct val="100000"/>
       </a:lnSpc>
@@ -627,7 +642,7 @@
         <a:srgbClr val="000000"/>
       </a:buClr>
       <a:buFont typeface="Arial"/>
-      <a:defRPr b="0" i="0" sz="1400" u="none" cap="none" strike="noStrike">
+      <a:defRPr sz="1400" b="0" i="0" u="none" strike="noStrike" cap="none">
         <a:solidFill>
           <a:srgbClr val="000000"/>
         </a:solidFill>
@@ -637,7 +652,7 @@
         <a:sym typeface="Arial"/>
       </a:defRPr>
     </a:lvl6pPr>
-    <a:lvl7pPr lvl="6" marR="0" rtl="0" algn="l">
+    <a:lvl7pPr marR="0" lvl="6" algn="l" rtl="0">
       <a:lnSpc>
         <a:spcPct val="100000"/>
       </a:lnSpc>
@@ -651,7 +666,7 @@
         <a:srgbClr val="000000"/>
       </a:buClr>
       <a:buFont typeface="Arial"/>
-      <a:defRPr b="0" i="0" sz="1400" u="none" cap="none" strike="noStrike">
+      <a:defRPr sz="1400" b="0" i="0" u="none" strike="noStrike" cap="none">
         <a:solidFill>
           <a:srgbClr val="000000"/>
         </a:solidFill>
@@ -661,7 +676,7 @@
         <a:sym typeface="Arial"/>
       </a:defRPr>
     </a:lvl7pPr>
-    <a:lvl8pPr lvl="7" marR="0" rtl="0" algn="l">
+    <a:lvl8pPr marR="0" lvl="7" algn="l" rtl="0">
       <a:lnSpc>
         <a:spcPct val="100000"/>
       </a:lnSpc>
@@ -675,7 +690,7 @@
         <a:srgbClr val="000000"/>
       </a:buClr>
       <a:buFont typeface="Arial"/>
-      <a:defRPr b="0" i="0" sz="1400" u="none" cap="none" strike="noStrike">
+      <a:defRPr sz="1400" b="0" i="0" u="none" strike="noStrike" cap="none">
         <a:solidFill>
           <a:srgbClr val="000000"/>
         </a:solidFill>
@@ -685,7 +700,7 @@
         <a:sym typeface="Arial"/>
       </a:defRPr>
     </a:lvl8pPr>
-    <a:lvl9pPr lvl="8" marR="0" rtl="0" algn="l">
+    <a:lvl9pPr marR="0" lvl="8" algn="l" rtl="0">
       <a:lnSpc>
         <a:spcPct val="100000"/>
       </a:lnSpc>
@@ -699,7 +714,7 @@
         <a:srgbClr val="000000"/>
       </a:buClr>
       <a:buFont typeface="Arial"/>
-      <a:defRPr b="0" i="0" sz="1400" u="none" cap="none" strike="noStrike">
+      <a:defRPr sz="1400" b="0" i="0" u="none" strike="noStrike" cap="none">
         <a:solidFill>
           <a:srgbClr val="000000"/>
         </a:solidFill>
@@ -714,11 +729,11 @@
 </file>
 
 <file path=ppt/notesSlides/notesSlide1.xml><?xml version="1.0" encoding="utf-8"?>
-<p:notes xmlns:a="http://schemas.openxmlformats.org/drawingml/2006/main" xmlns:r="http://schemas.openxmlformats.org/officeDocument/2006/relationships" xmlns:mc="http://schemas.openxmlformats.org/markup-compatibility/2006" xmlns:mv="urn:schemas-microsoft-com:mac:vml" xmlns:p="http://schemas.openxmlformats.org/presentationml/2006/main" xmlns:c="http://schemas.openxmlformats.org/drawingml/2006/chart" xmlns:dgm="http://schemas.openxmlformats.org/drawingml/2006/diagram" xmlns:o="urn:schemas-microsoft-com:office:office" xmlns:v="urn:schemas-microsoft-com:vml" xmlns:pvml="urn:schemas-microsoft-com:office:powerpoint" xmlns:com="http://schemas.openxmlformats.org/drawingml/2006/compatibility" xmlns:p14="http://schemas.microsoft.com/office/powerpoint/2010/main" xmlns:p15="http://schemas.microsoft.com/office/powerpoint/2012/main" xmlns:ahyp="http://schemas.microsoft.com/office/drawing/2018/hyperlinkcolor" showMasterPhAnim="0" showMasterSp="0">
+<p:notes xmlns:a="http://schemas.openxmlformats.org/drawingml/2006/main" xmlns:r="http://schemas.openxmlformats.org/officeDocument/2006/relationships" xmlns:p="http://schemas.openxmlformats.org/presentationml/2006/main" showMasterSp="0" showMasterPhAnim="0">
   <p:cSld>
     <p:spTree>
       <p:nvGrpSpPr>
-        <p:cNvPr id="50" name="Shape 50"/>
+        <p:cNvPr id="1" name="Shape 50"/>
         <p:cNvGrpSpPr/>
         <p:nvPr/>
       </p:nvGrpSpPr>
@@ -733,20 +748,26 @@
       <p:sp>
         <p:nvSpPr>
           <p:cNvPr id="51" name="Google Shape;51;gcb9a0b074_1_0:notes"/>
-          <p:cNvSpPr/>
+          <p:cNvSpPr>
+            <a:spLocks noGrp="1" noRot="1" noChangeAspect="1"/>
+          </p:cNvSpPr>
           <p:nvPr>
-            <p:ph idx="2" type="sldImg"/>
+            <p:ph type="sldImg" idx="2"/>
           </p:nvPr>
         </p:nvSpPr>
         <p:spPr>
           <a:xfrm>
-            <a:off x="381300" y="685800"/>
+            <a:off x="381000" y="685800"/>
             <a:ext cx="6096000" cy="3429000"/>
           </a:xfrm>
           <a:custGeom>
-            <a:rect b="b" l="l" r="r" t="t"/>
+            <a:avLst/>
+            <a:gdLst/>
+            <a:ahLst/>
+            <a:cxnLst/>
+            <a:rect l="l" t="t" r="r" b="b"/>
             <a:pathLst>
-              <a:path extrusionOk="0" h="120000" w="120000">
+              <a:path w="120000" h="120000" extrusionOk="0">
                 <a:moveTo>
                   <a:pt x="0" y="0"/>
                 </a:moveTo>
@@ -768,9 +789,11 @@
       <p:sp>
         <p:nvSpPr>
           <p:cNvPr id="52" name="Google Shape;52;gcb9a0b074_1_0:notes"/>
-          <p:cNvSpPr txBox="1"/>
+          <p:cNvSpPr txBox="1">
+            <a:spLocks noGrp="1"/>
+          </p:cNvSpPr>
           <p:nvPr>
-            <p:ph idx="1" type="body"/>
+            <p:ph type="body" idx="1"/>
           </p:nvPr>
         </p:nvSpPr>
         <p:spPr>
@@ -783,12 +806,12 @@
           </a:prstGeom>
         </p:spPr>
         <p:txBody>
-          <a:bodyPr anchorCtr="0" anchor="t" bIns="91425" lIns="91425" spcFirstLastPara="1" rIns="91425" wrap="square" tIns="91425">
+          <a:bodyPr spcFirstLastPara="1" wrap="square" lIns="91425" tIns="91425" rIns="91425" bIns="91425" anchor="t" anchorCtr="0">
             <a:noAutofit/>
           </a:bodyPr>
           <a:lstStyle/>
           <a:p>
-            <a:pPr indent="0" lvl="0" marL="0" rtl="0" algn="l">
+            <a:pPr marL="0" lvl="0" indent="0" algn="l" rtl="0">
               <a:spcBef>
                 <a:spcPts val="0"/>
               </a:spcBef>
@@ -797,9 +820,6 @@
               </a:spcAft>
               <a:buNone/>
             </a:pPr>
-            <a:r>
-              <a:t/>
-            </a:r>
             <a:endParaRPr/>
           </a:p>
         </p:txBody>
@@ -813,11 +833,11 @@
 </file>
 
 <file path=ppt/notesSlides/notesSlide2.xml><?xml version="1.0" encoding="utf-8"?>
-<p:notes xmlns:a="http://schemas.openxmlformats.org/drawingml/2006/main" xmlns:r="http://schemas.openxmlformats.org/officeDocument/2006/relationships" xmlns:mc="http://schemas.openxmlformats.org/markup-compatibility/2006" xmlns:mv="urn:schemas-microsoft-com:mac:vml" xmlns:p="http://schemas.openxmlformats.org/presentationml/2006/main" xmlns:c="http://schemas.openxmlformats.org/drawingml/2006/chart" xmlns:dgm="http://schemas.openxmlformats.org/drawingml/2006/diagram" xmlns:o="urn:schemas-microsoft-com:office:office" xmlns:v="urn:schemas-microsoft-com:vml" xmlns:pvml="urn:schemas-microsoft-com:office:powerpoint" xmlns:com="http://schemas.openxmlformats.org/drawingml/2006/compatibility" xmlns:p14="http://schemas.microsoft.com/office/powerpoint/2010/main" xmlns:p15="http://schemas.microsoft.com/office/powerpoint/2012/main" xmlns:ahyp="http://schemas.microsoft.com/office/drawing/2018/hyperlinkcolor" showMasterPhAnim="0" showMasterSp="0">
+<p:notes xmlns:a="http://schemas.openxmlformats.org/drawingml/2006/main" xmlns:r="http://schemas.openxmlformats.org/officeDocument/2006/relationships" xmlns:p="http://schemas.openxmlformats.org/presentationml/2006/main" showMasterSp="0" showMasterPhAnim="0">
   <p:cSld>
     <p:spTree>
       <p:nvGrpSpPr>
-        <p:cNvPr id="56" name="Shape 56"/>
+        <p:cNvPr id="1" name="Shape 56"/>
         <p:cNvGrpSpPr/>
         <p:nvPr/>
       </p:nvGrpSpPr>
@@ -832,20 +852,26 @@
       <p:sp>
         <p:nvSpPr>
           <p:cNvPr id="57" name="Google Shape;57;gd5b15f0a3_5_26:notes"/>
-          <p:cNvSpPr/>
+          <p:cNvSpPr>
+            <a:spLocks noGrp="1" noRot="1" noChangeAspect="1"/>
+          </p:cNvSpPr>
           <p:nvPr>
-            <p:ph idx="2" type="sldImg"/>
+            <p:ph type="sldImg" idx="2"/>
           </p:nvPr>
         </p:nvSpPr>
         <p:spPr>
           <a:xfrm>
-            <a:off x="381300" y="685800"/>
+            <a:off x="381000" y="685800"/>
             <a:ext cx="6096000" cy="3429000"/>
           </a:xfrm>
           <a:custGeom>
-            <a:rect b="b" l="l" r="r" t="t"/>
+            <a:avLst/>
+            <a:gdLst/>
+            <a:ahLst/>
+            <a:cxnLst/>
+            <a:rect l="l" t="t" r="r" b="b"/>
             <a:pathLst>
-              <a:path extrusionOk="0" h="120000" w="120000">
+              <a:path w="120000" h="120000" extrusionOk="0">
                 <a:moveTo>
                   <a:pt x="0" y="0"/>
                 </a:moveTo>
@@ -867,9 +893,11 @@
       <p:sp>
         <p:nvSpPr>
           <p:cNvPr id="58" name="Google Shape;58;gd5b15f0a3_5_26:notes"/>
-          <p:cNvSpPr txBox="1"/>
+          <p:cNvSpPr txBox="1">
+            <a:spLocks noGrp="1"/>
+          </p:cNvSpPr>
           <p:nvPr>
-            <p:ph idx="1" type="body"/>
+            <p:ph type="body" idx="1"/>
           </p:nvPr>
         </p:nvSpPr>
         <p:spPr>
@@ -882,12 +910,12 @@
           </a:prstGeom>
         </p:spPr>
         <p:txBody>
-          <a:bodyPr anchorCtr="0" anchor="t" bIns="91425" lIns="91425" spcFirstLastPara="1" rIns="91425" wrap="square" tIns="91425">
+          <a:bodyPr spcFirstLastPara="1" wrap="square" lIns="91425" tIns="91425" rIns="91425" bIns="91425" anchor="t" anchorCtr="0">
             <a:noAutofit/>
           </a:bodyPr>
           <a:lstStyle/>
           <a:p>
-            <a:pPr indent="0" lvl="0" marL="0" rtl="0" algn="l">
+            <a:pPr marL="0" lvl="0" indent="0" algn="l" rtl="0">
               <a:spcBef>
                 <a:spcPts val="0"/>
               </a:spcBef>
@@ -896,9 +924,6 @@
               </a:spcAft>
               <a:buNone/>
             </a:pPr>
-            <a:r>
-              <a:t/>
-            </a:r>
             <a:endParaRPr/>
           </a:p>
         </p:txBody>
@@ -912,11 +937,11 @@
 </file>
 
 <file path=ppt/notesSlides/notesSlide3.xml><?xml version="1.0" encoding="utf-8"?>
-<p:notes xmlns:a="http://schemas.openxmlformats.org/drawingml/2006/main" xmlns:r="http://schemas.openxmlformats.org/officeDocument/2006/relationships" xmlns:mc="http://schemas.openxmlformats.org/markup-compatibility/2006" xmlns:mv="urn:schemas-microsoft-com:mac:vml" xmlns:p="http://schemas.openxmlformats.org/presentationml/2006/main" xmlns:c="http://schemas.openxmlformats.org/drawingml/2006/chart" xmlns:dgm="http://schemas.openxmlformats.org/drawingml/2006/diagram" xmlns:o="urn:schemas-microsoft-com:office:office" xmlns:v="urn:schemas-microsoft-com:vml" xmlns:pvml="urn:schemas-microsoft-com:office:powerpoint" xmlns:com="http://schemas.openxmlformats.org/drawingml/2006/compatibility" xmlns:p14="http://schemas.microsoft.com/office/powerpoint/2010/main" xmlns:p15="http://schemas.microsoft.com/office/powerpoint/2012/main" xmlns:ahyp="http://schemas.microsoft.com/office/drawing/2018/hyperlinkcolor" showMasterPhAnim="0" showMasterSp="0">
+<p:notes xmlns:a="http://schemas.openxmlformats.org/drawingml/2006/main" xmlns:r="http://schemas.openxmlformats.org/officeDocument/2006/relationships" xmlns:p="http://schemas.openxmlformats.org/presentationml/2006/main" showMasterSp="0" showMasterPhAnim="0">
   <p:cSld>
     <p:spTree>
       <p:nvGrpSpPr>
-        <p:cNvPr id="64" name="Shape 64"/>
+        <p:cNvPr id="1" name="Shape 64"/>
         <p:cNvGrpSpPr/>
         <p:nvPr/>
       </p:nvGrpSpPr>
@@ -931,20 +956,26 @@
       <p:sp>
         <p:nvSpPr>
           <p:cNvPr id="65" name="Google Shape;65;gd251bb473_0_600:notes"/>
-          <p:cNvSpPr/>
+          <p:cNvSpPr>
+            <a:spLocks noGrp="1" noRot="1" noChangeAspect="1"/>
+          </p:cNvSpPr>
           <p:nvPr>
-            <p:ph idx="2" type="sldImg"/>
+            <p:ph type="sldImg" idx="2"/>
           </p:nvPr>
         </p:nvSpPr>
         <p:spPr>
           <a:xfrm>
-            <a:off x="381300" y="685800"/>
+            <a:off x="381000" y="685800"/>
             <a:ext cx="6096000" cy="3429000"/>
           </a:xfrm>
           <a:custGeom>
-            <a:rect b="b" l="l" r="r" t="t"/>
+            <a:avLst/>
+            <a:gdLst/>
+            <a:ahLst/>
+            <a:cxnLst/>
+            <a:rect l="l" t="t" r="r" b="b"/>
             <a:pathLst>
-              <a:path extrusionOk="0" h="120000" w="120000">
+              <a:path w="120000" h="120000" extrusionOk="0">
                 <a:moveTo>
                   <a:pt x="0" y="0"/>
                 </a:moveTo>
@@ -966,9 +997,11 @@
       <p:sp>
         <p:nvSpPr>
           <p:cNvPr id="66" name="Google Shape;66;gd251bb473_0_600:notes"/>
-          <p:cNvSpPr txBox="1"/>
+          <p:cNvSpPr txBox="1">
+            <a:spLocks noGrp="1"/>
+          </p:cNvSpPr>
           <p:nvPr>
-            <p:ph idx="1" type="body"/>
+            <p:ph type="body" idx="1"/>
           </p:nvPr>
         </p:nvSpPr>
         <p:spPr>
@@ -981,12 +1014,12 @@
           </a:prstGeom>
         </p:spPr>
         <p:txBody>
-          <a:bodyPr anchorCtr="0" anchor="t" bIns="91425" lIns="91425" spcFirstLastPara="1" rIns="91425" wrap="square" tIns="91425">
+          <a:bodyPr spcFirstLastPara="1" wrap="square" lIns="91425" tIns="91425" rIns="91425" bIns="91425" anchor="t" anchorCtr="0">
             <a:noAutofit/>
           </a:bodyPr>
           <a:lstStyle/>
           <a:p>
-            <a:pPr indent="0" lvl="0" marL="0" rtl="0" algn="l">
+            <a:pPr marL="0" lvl="0" indent="0" algn="l" rtl="0">
               <a:spcBef>
                 <a:spcPts val="0"/>
               </a:spcBef>
@@ -995,9 +1028,6 @@
               </a:spcAft>
               <a:buNone/>
             </a:pPr>
-            <a:r>
-              <a:t/>
-            </a:r>
             <a:endParaRPr/>
           </a:p>
         </p:txBody>
@@ -1011,11 +1041,11 @@
 </file>
 
 <file path=ppt/notesSlides/notesSlide4.xml><?xml version="1.0" encoding="utf-8"?>
-<p:notes xmlns:a="http://schemas.openxmlformats.org/drawingml/2006/main" xmlns:r="http://schemas.openxmlformats.org/officeDocument/2006/relationships" xmlns:mc="http://schemas.openxmlformats.org/markup-compatibility/2006" xmlns:mv="urn:schemas-microsoft-com:mac:vml" xmlns:p="http://schemas.openxmlformats.org/presentationml/2006/main" xmlns:c="http://schemas.openxmlformats.org/drawingml/2006/chart" xmlns:dgm="http://schemas.openxmlformats.org/drawingml/2006/diagram" xmlns:o="urn:schemas-microsoft-com:office:office" xmlns:v="urn:schemas-microsoft-com:vml" xmlns:pvml="urn:schemas-microsoft-com:office:powerpoint" xmlns:com="http://schemas.openxmlformats.org/drawingml/2006/compatibility" xmlns:p14="http://schemas.microsoft.com/office/powerpoint/2010/main" xmlns:p15="http://schemas.microsoft.com/office/powerpoint/2012/main" xmlns:ahyp="http://schemas.microsoft.com/office/drawing/2018/hyperlinkcolor" showMasterPhAnim="0" showMasterSp="0">
+<p:notes xmlns:a="http://schemas.openxmlformats.org/drawingml/2006/main" xmlns:r="http://schemas.openxmlformats.org/officeDocument/2006/relationships" xmlns:p="http://schemas.openxmlformats.org/presentationml/2006/main" showMasterSp="0" showMasterPhAnim="0">
   <p:cSld>
     <p:spTree>
       <p:nvGrpSpPr>
-        <p:cNvPr id="69" name="Shape 69"/>
+        <p:cNvPr id="1" name="Shape 69"/>
         <p:cNvGrpSpPr/>
         <p:nvPr/>
       </p:nvGrpSpPr>
@@ -1030,20 +1060,26 @@
       <p:sp>
         <p:nvSpPr>
           <p:cNvPr id="70" name="Google Shape;70;gd251bb473_0_681:notes"/>
-          <p:cNvSpPr/>
+          <p:cNvSpPr>
+            <a:spLocks noGrp="1" noRot="1" noChangeAspect="1"/>
+          </p:cNvSpPr>
           <p:nvPr>
-            <p:ph idx="2" type="sldImg"/>
+            <p:ph type="sldImg" idx="2"/>
           </p:nvPr>
         </p:nvSpPr>
         <p:spPr>
           <a:xfrm>
-            <a:off x="381300" y="685800"/>
+            <a:off x="381000" y="685800"/>
             <a:ext cx="6096000" cy="3429000"/>
           </a:xfrm>
           <a:custGeom>
-            <a:rect b="b" l="l" r="r" t="t"/>
+            <a:avLst/>
+            <a:gdLst/>
+            <a:ahLst/>
+            <a:cxnLst/>
+            <a:rect l="l" t="t" r="r" b="b"/>
             <a:pathLst>
-              <a:path extrusionOk="0" h="120000" w="120000">
+              <a:path w="120000" h="120000" extrusionOk="0">
                 <a:moveTo>
                   <a:pt x="0" y="0"/>
                 </a:moveTo>
@@ -1065,9 +1101,11 @@
       <p:sp>
         <p:nvSpPr>
           <p:cNvPr id="71" name="Google Shape;71;gd251bb473_0_681:notes"/>
-          <p:cNvSpPr txBox="1"/>
+          <p:cNvSpPr txBox="1">
+            <a:spLocks noGrp="1"/>
+          </p:cNvSpPr>
           <p:nvPr>
-            <p:ph idx="1" type="body"/>
+            <p:ph type="body" idx="1"/>
           </p:nvPr>
         </p:nvSpPr>
         <p:spPr>
@@ -1080,12 +1118,12 @@
           </a:prstGeom>
         </p:spPr>
         <p:txBody>
-          <a:bodyPr anchorCtr="0" anchor="t" bIns="91425" lIns="91425" spcFirstLastPara="1" rIns="91425" wrap="square" tIns="91425">
+          <a:bodyPr spcFirstLastPara="1" wrap="square" lIns="91425" tIns="91425" rIns="91425" bIns="91425" anchor="t" anchorCtr="0">
             <a:noAutofit/>
           </a:bodyPr>
           <a:lstStyle/>
           <a:p>
-            <a:pPr indent="0" lvl="0" marL="0" rtl="0" algn="l">
+            <a:pPr marL="0" lvl="0" indent="0" algn="l" rtl="0">
               <a:spcBef>
                 <a:spcPts val="0"/>
               </a:spcBef>
@@ -1111,11 +1149,11 @@
 </file>
 
 <file path=ppt/notesSlides/notesSlide5.xml><?xml version="1.0" encoding="utf-8"?>
-<p:notes xmlns:a="http://schemas.openxmlformats.org/drawingml/2006/main" xmlns:r="http://schemas.openxmlformats.org/officeDocument/2006/relationships" xmlns:mc="http://schemas.openxmlformats.org/markup-compatibility/2006" xmlns:mv="urn:schemas-microsoft-com:mac:vml" xmlns:p="http://schemas.openxmlformats.org/presentationml/2006/main" xmlns:c="http://schemas.openxmlformats.org/drawingml/2006/chart" xmlns:dgm="http://schemas.openxmlformats.org/drawingml/2006/diagram" xmlns:o="urn:schemas-microsoft-com:office:office" xmlns:v="urn:schemas-microsoft-com:vml" xmlns:pvml="urn:schemas-microsoft-com:office:powerpoint" xmlns:com="http://schemas.openxmlformats.org/drawingml/2006/compatibility" xmlns:p14="http://schemas.microsoft.com/office/powerpoint/2010/main" xmlns:p15="http://schemas.microsoft.com/office/powerpoint/2012/main" xmlns:ahyp="http://schemas.microsoft.com/office/drawing/2018/hyperlinkcolor" showMasterPhAnim="0" showMasterSp="0">
+<p:notes xmlns:a="http://schemas.openxmlformats.org/drawingml/2006/main" xmlns:r="http://schemas.openxmlformats.org/officeDocument/2006/relationships" xmlns:p="http://schemas.openxmlformats.org/presentationml/2006/main" showMasterSp="0" showMasterPhAnim="0">
   <p:cSld>
     <p:spTree>
       <p:nvGrpSpPr>
-        <p:cNvPr id="75" name="Shape 75"/>
+        <p:cNvPr id="1" name="Shape 75"/>
         <p:cNvGrpSpPr/>
         <p:nvPr/>
       </p:nvGrpSpPr>
@@ -1130,20 +1168,26 @@
       <p:sp>
         <p:nvSpPr>
           <p:cNvPr id="76" name="Google Shape;76;gfa45bb423f_0_225:notes"/>
-          <p:cNvSpPr/>
+          <p:cNvSpPr>
+            <a:spLocks noGrp="1" noRot="1" noChangeAspect="1"/>
+          </p:cNvSpPr>
           <p:nvPr>
-            <p:ph idx="2" type="sldImg"/>
+            <p:ph type="sldImg" idx="2"/>
           </p:nvPr>
         </p:nvSpPr>
         <p:spPr>
           <a:xfrm>
-            <a:off x="381300" y="685800"/>
+            <a:off x="381000" y="685800"/>
             <a:ext cx="6096000" cy="3429000"/>
           </a:xfrm>
           <a:custGeom>
-            <a:rect b="b" l="l" r="r" t="t"/>
+            <a:avLst/>
+            <a:gdLst/>
+            <a:ahLst/>
+            <a:cxnLst/>
+            <a:rect l="l" t="t" r="r" b="b"/>
             <a:pathLst>
-              <a:path extrusionOk="0" h="120000" w="120000">
+              <a:path w="120000" h="120000" extrusionOk="0">
                 <a:moveTo>
                   <a:pt x="0" y="0"/>
                 </a:moveTo>
@@ -1165,9 +1209,11 @@
       <p:sp>
         <p:nvSpPr>
           <p:cNvPr id="77" name="Google Shape;77;gfa45bb423f_0_225:notes"/>
-          <p:cNvSpPr txBox="1"/>
+          <p:cNvSpPr txBox="1">
+            <a:spLocks noGrp="1"/>
+          </p:cNvSpPr>
           <p:nvPr>
-            <p:ph idx="1" type="body"/>
+            <p:ph type="body" idx="1"/>
           </p:nvPr>
         </p:nvSpPr>
         <p:spPr>
@@ -1180,12 +1226,12 @@
           </a:prstGeom>
         </p:spPr>
         <p:txBody>
-          <a:bodyPr anchorCtr="0" anchor="t" bIns="91425" lIns="91425" spcFirstLastPara="1" rIns="91425" wrap="square" tIns="91425">
+          <a:bodyPr spcFirstLastPara="1" wrap="square" lIns="91425" tIns="91425" rIns="91425" bIns="91425" anchor="t" anchorCtr="0">
             <a:noAutofit/>
           </a:bodyPr>
           <a:lstStyle/>
           <a:p>
-            <a:pPr indent="0" lvl="0" marL="0" rtl="0" algn="l">
+            <a:pPr marL="0" lvl="0" indent="0" algn="l" rtl="0">
               <a:spcBef>
                 <a:spcPts val="0"/>
               </a:spcBef>
@@ -1194,9 +1240,6 @@
               </a:spcAft>
               <a:buNone/>
             </a:pPr>
-            <a:r>
-              <a:t/>
-            </a:r>
             <a:endParaRPr/>
           </a:p>
         </p:txBody>
@@ -1210,11 +1253,11 @@
 </file>
 
 <file path=ppt/notesSlides/notesSlide6.xml><?xml version="1.0" encoding="utf-8"?>
-<p:notes xmlns:a="http://schemas.openxmlformats.org/drawingml/2006/main" xmlns:r="http://schemas.openxmlformats.org/officeDocument/2006/relationships" xmlns:mc="http://schemas.openxmlformats.org/markup-compatibility/2006" xmlns:mv="urn:schemas-microsoft-com:mac:vml" xmlns:p="http://schemas.openxmlformats.org/presentationml/2006/main" xmlns:c="http://schemas.openxmlformats.org/drawingml/2006/chart" xmlns:dgm="http://schemas.openxmlformats.org/drawingml/2006/diagram" xmlns:o="urn:schemas-microsoft-com:office:office" xmlns:v="urn:schemas-microsoft-com:vml" xmlns:pvml="urn:schemas-microsoft-com:office:powerpoint" xmlns:com="http://schemas.openxmlformats.org/drawingml/2006/compatibility" xmlns:p14="http://schemas.microsoft.com/office/powerpoint/2010/main" xmlns:p15="http://schemas.microsoft.com/office/powerpoint/2012/main" xmlns:ahyp="http://schemas.microsoft.com/office/drawing/2018/hyperlinkcolor" showMasterPhAnim="0" showMasterSp="0">
+<p:notes xmlns:a="http://schemas.openxmlformats.org/drawingml/2006/main" xmlns:r="http://schemas.openxmlformats.org/officeDocument/2006/relationships" xmlns:p="http://schemas.openxmlformats.org/presentationml/2006/main" showMasterSp="0" showMasterPhAnim="0">
   <p:cSld>
     <p:spTree>
       <p:nvGrpSpPr>
-        <p:cNvPr id="80" name="Shape 80"/>
+        <p:cNvPr id="1" name="Shape 80"/>
         <p:cNvGrpSpPr/>
         <p:nvPr/>
       </p:nvGrpSpPr>
@@ -1229,20 +1272,26 @@
       <p:sp>
         <p:nvSpPr>
           <p:cNvPr id="81" name="Google Shape;81;g723630543_10_0:notes"/>
-          <p:cNvSpPr/>
+          <p:cNvSpPr>
+            <a:spLocks noGrp="1" noRot="1" noChangeAspect="1"/>
+          </p:cNvSpPr>
           <p:nvPr>
-            <p:ph idx="2" type="sldImg"/>
+            <p:ph type="sldImg" idx="2"/>
           </p:nvPr>
         </p:nvSpPr>
         <p:spPr>
           <a:xfrm>
-            <a:off x="381188" y="685800"/>
-            <a:ext cx="6096300" cy="3429000"/>
+            <a:off x="381000" y="685800"/>
+            <a:ext cx="6096000" cy="3429000"/>
           </a:xfrm>
           <a:custGeom>
-            <a:rect b="b" l="l" r="r" t="t"/>
+            <a:avLst/>
+            <a:gdLst/>
+            <a:ahLst/>
+            <a:cxnLst/>
+            <a:rect l="l" t="t" r="r" b="b"/>
             <a:pathLst>
-              <a:path extrusionOk="0" h="120000" w="120000">
+              <a:path w="120000" h="120000" extrusionOk="0">
                 <a:moveTo>
                   <a:pt x="0" y="0"/>
                 </a:moveTo>
@@ -1264,9 +1313,11 @@
       <p:sp>
         <p:nvSpPr>
           <p:cNvPr id="82" name="Google Shape;82;g723630543_10_0:notes"/>
-          <p:cNvSpPr txBox="1"/>
+          <p:cNvSpPr txBox="1">
+            <a:spLocks noGrp="1"/>
+          </p:cNvSpPr>
           <p:nvPr>
-            <p:ph idx="1" type="body"/>
+            <p:ph type="body" idx="1"/>
           </p:nvPr>
         </p:nvSpPr>
         <p:spPr>
@@ -1279,12 +1330,12 @@
           </a:prstGeom>
         </p:spPr>
         <p:txBody>
-          <a:bodyPr anchorCtr="0" anchor="t" bIns="91425" lIns="91425" spcFirstLastPara="1" rIns="91425" wrap="square" tIns="91425">
+          <a:bodyPr spcFirstLastPara="1" wrap="square" lIns="91425" tIns="91425" rIns="91425" bIns="91425" anchor="t" anchorCtr="0">
             <a:noAutofit/>
           </a:bodyPr>
           <a:lstStyle/>
           <a:p>
-            <a:pPr indent="0" lvl="0" marL="0" rtl="0" algn="l">
+            <a:pPr marL="0" lvl="0" indent="0" algn="l" rtl="0">
               <a:spcBef>
                 <a:spcPts val="0"/>
               </a:spcBef>
@@ -1293,9 +1344,6 @@
               </a:spcAft>
               <a:buNone/>
             </a:pPr>
-            <a:r>
-              <a:t/>
-            </a:r>
             <a:endParaRPr/>
           </a:p>
         </p:txBody>
@@ -1309,11 +1357,11 @@
 </file>
 
 <file path=ppt/notesSlides/notesSlide7.xml><?xml version="1.0" encoding="utf-8"?>
-<p:notes xmlns:a="http://schemas.openxmlformats.org/drawingml/2006/main" xmlns:r="http://schemas.openxmlformats.org/officeDocument/2006/relationships" xmlns:mc="http://schemas.openxmlformats.org/markup-compatibility/2006" xmlns:mv="urn:schemas-microsoft-com:mac:vml" xmlns:p="http://schemas.openxmlformats.org/presentationml/2006/main" xmlns:c="http://schemas.openxmlformats.org/drawingml/2006/chart" xmlns:dgm="http://schemas.openxmlformats.org/drawingml/2006/diagram" xmlns:o="urn:schemas-microsoft-com:office:office" xmlns:v="urn:schemas-microsoft-com:vml" xmlns:pvml="urn:schemas-microsoft-com:office:powerpoint" xmlns:com="http://schemas.openxmlformats.org/drawingml/2006/compatibility" xmlns:p14="http://schemas.microsoft.com/office/powerpoint/2010/main" xmlns:p15="http://schemas.microsoft.com/office/powerpoint/2012/main" xmlns:ahyp="http://schemas.microsoft.com/office/drawing/2018/hyperlinkcolor" showMasterPhAnim="0" showMasterSp="0">
+<p:notes xmlns:a="http://schemas.openxmlformats.org/drawingml/2006/main" xmlns:r="http://schemas.openxmlformats.org/officeDocument/2006/relationships" xmlns:p="http://schemas.openxmlformats.org/presentationml/2006/main" showMasterSp="0" showMasterPhAnim="0">
   <p:cSld>
     <p:spTree>
       <p:nvGrpSpPr>
-        <p:cNvPr id="86" name="Shape 86"/>
+        <p:cNvPr id="1" name="Shape 86"/>
         <p:cNvGrpSpPr/>
         <p:nvPr/>
       </p:nvGrpSpPr>
@@ -1328,20 +1376,26 @@
       <p:sp>
         <p:nvSpPr>
           <p:cNvPr id="87" name="Google Shape;87;gfa45bb423f_0_233:notes"/>
-          <p:cNvSpPr/>
+          <p:cNvSpPr>
+            <a:spLocks noGrp="1" noRot="1" noChangeAspect="1"/>
+          </p:cNvSpPr>
           <p:nvPr>
-            <p:ph idx="2" type="sldImg"/>
+            <p:ph type="sldImg" idx="2"/>
           </p:nvPr>
         </p:nvSpPr>
         <p:spPr>
           <a:xfrm>
-            <a:off x="381300" y="685800"/>
+            <a:off x="381000" y="685800"/>
             <a:ext cx="6096000" cy="3429000"/>
           </a:xfrm>
           <a:custGeom>
-            <a:rect b="b" l="l" r="r" t="t"/>
+            <a:avLst/>
+            <a:gdLst/>
+            <a:ahLst/>
+            <a:cxnLst/>
+            <a:rect l="l" t="t" r="r" b="b"/>
             <a:pathLst>
-              <a:path extrusionOk="0" h="120000" w="120000">
+              <a:path w="120000" h="120000" extrusionOk="0">
                 <a:moveTo>
                   <a:pt x="0" y="0"/>
                 </a:moveTo>
@@ -1363,9 +1417,11 @@
       <p:sp>
         <p:nvSpPr>
           <p:cNvPr id="88" name="Google Shape;88;gfa45bb423f_0_233:notes"/>
-          <p:cNvSpPr txBox="1"/>
+          <p:cNvSpPr txBox="1">
+            <a:spLocks noGrp="1"/>
+          </p:cNvSpPr>
           <p:nvPr>
-            <p:ph idx="1" type="body"/>
+            <p:ph type="body" idx="1"/>
           </p:nvPr>
         </p:nvSpPr>
         <p:spPr>
@@ -1378,12 +1434,12 @@
           </a:prstGeom>
         </p:spPr>
         <p:txBody>
-          <a:bodyPr anchorCtr="0" anchor="t" bIns="91425" lIns="91425" spcFirstLastPara="1" rIns="91425" wrap="square" tIns="91425">
+          <a:bodyPr spcFirstLastPara="1" wrap="square" lIns="91425" tIns="91425" rIns="91425" bIns="91425" anchor="t" anchorCtr="0">
             <a:noAutofit/>
           </a:bodyPr>
           <a:lstStyle/>
           <a:p>
-            <a:pPr indent="0" lvl="0" marL="0" rtl="0" algn="l">
+            <a:pPr marL="0" lvl="0" indent="0" algn="l" rtl="0">
               <a:spcBef>
                 <a:spcPts val="0"/>
               </a:spcBef>
@@ -1392,9 +1448,6 @@
               </a:spcAft>
               <a:buNone/>
             </a:pPr>
-            <a:r>
-              <a:t/>
-            </a:r>
             <a:endParaRPr/>
           </a:p>
         </p:txBody>
@@ -1408,11 +1461,11 @@
 </file>
 
 <file path=ppt/notesSlides/notesSlide8.xml><?xml version="1.0" encoding="utf-8"?>
-<p:notes xmlns:a="http://schemas.openxmlformats.org/drawingml/2006/main" xmlns:r="http://schemas.openxmlformats.org/officeDocument/2006/relationships" xmlns:mc="http://schemas.openxmlformats.org/markup-compatibility/2006" xmlns:mv="urn:schemas-microsoft-com:mac:vml" xmlns:p="http://schemas.openxmlformats.org/presentationml/2006/main" xmlns:c="http://schemas.openxmlformats.org/drawingml/2006/chart" xmlns:dgm="http://schemas.openxmlformats.org/drawingml/2006/diagram" xmlns:o="urn:schemas-microsoft-com:office:office" xmlns:v="urn:schemas-microsoft-com:vml" xmlns:pvml="urn:schemas-microsoft-com:office:powerpoint" xmlns:com="http://schemas.openxmlformats.org/drawingml/2006/compatibility" xmlns:p14="http://schemas.microsoft.com/office/powerpoint/2010/main" xmlns:p15="http://schemas.microsoft.com/office/powerpoint/2012/main" xmlns:ahyp="http://schemas.microsoft.com/office/drawing/2018/hyperlinkcolor" showMasterPhAnim="0" showMasterSp="0">
+<p:notes xmlns:a="http://schemas.openxmlformats.org/drawingml/2006/main" xmlns:r="http://schemas.openxmlformats.org/officeDocument/2006/relationships" xmlns:p="http://schemas.openxmlformats.org/presentationml/2006/main" showMasterSp="0" showMasterPhAnim="0">
   <p:cSld>
     <p:spTree>
       <p:nvGrpSpPr>
-        <p:cNvPr id="91" name="Shape 91"/>
+        <p:cNvPr id="1" name="Shape 91"/>
         <p:cNvGrpSpPr/>
         <p:nvPr/>
       </p:nvGrpSpPr>
@@ -1427,20 +1480,26 @@
       <p:sp>
         <p:nvSpPr>
           <p:cNvPr id="92" name="Google Shape;92;gd814cf7d3_0_5:notes"/>
-          <p:cNvSpPr/>
+          <p:cNvSpPr>
+            <a:spLocks noGrp="1" noRot="1" noChangeAspect="1"/>
+          </p:cNvSpPr>
           <p:nvPr>
-            <p:ph idx="2" type="sldImg"/>
+            <p:ph type="sldImg" idx="2"/>
           </p:nvPr>
         </p:nvSpPr>
         <p:spPr>
           <a:xfrm>
-            <a:off x="381300" y="685800"/>
+            <a:off x="381000" y="685800"/>
             <a:ext cx="6096000" cy="3429000"/>
           </a:xfrm>
           <a:custGeom>
-            <a:rect b="b" l="l" r="r" t="t"/>
+            <a:avLst/>
+            <a:gdLst/>
+            <a:ahLst/>
+            <a:cxnLst/>
+            <a:rect l="l" t="t" r="r" b="b"/>
             <a:pathLst>
-              <a:path extrusionOk="0" h="120000" w="120000">
+              <a:path w="120000" h="120000" extrusionOk="0">
                 <a:moveTo>
                   <a:pt x="0" y="0"/>
                 </a:moveTo>
@@ -1462,9 +1521,11 @@
       <p:sp>
         <p:nvSpPr>
           <p:cNvPr id="93" name="Google Shape;93;gd814cf7d3_0_5:notes"/>
-          <p:cNvSpPr txBox="1"/>
+          <p:cNvSpPr txBox="1">
+            <a:spLocks noGrp="1"/>
+          </p:cNvSpPr>
           <p:nvPr>
-            <p:ph idx="1" type="body"/>
+            <p:ph type="body" idx="1"/>
           </p:nvPr>
         </p:nvSpPr>
         <p:spPr>
@@ -1477,12 +1538,12 @@
           </a:prstGeom>
         </p:spPr>
         <p:txBody>
-          <a:bodyPr anchorCtr="0" anchor="t" bIns="91425" lIns="91425" spcFirstLastPara="1" rIns="91425" wrap="square" tIns="91425">
+          <a:bodyPr spcFirstLastPara="1" wrap="square" lIns="91425" tIns="91425" rIns="91425" bIns="91425" anchor="t" anchorCtr="0">
             <a:noAutofit/>
           </a:bodyPr>
           <a:lstStyle/>
           <a:p>
-            <a:pPr indent="0" lvl="0" marL="0" rtl="0" algn="l">
+            <a:pPr marL="0" lvl="0" indent="0" algn="l" rtl="0">
               <a:spcBef>
                 <a:spcPts val="0"/>
               </a:spcBef>
@@ -1496,7 +1557,7 @@
               <a:t>These rates are adjusted for population growth. Therefore, there is a clear increase in homicides between 2020 and 2010. While this data does not indicate </a:t>
             </a:r>
             <a:r>
-              <a:rPr i="1" lang="en"/>
+              <a:rPr lang="en" i="1"/>
               <a:t>why</a:t>
             </a:r>
             <a:r>
@@ -1516,11 +1577,11 @@
 </file>
 
 <file path=ppt/notesSlides/notesSlide9.xml><?xml version="1.0" encoding="utf-8"?>
-<p:notes xmlns:a="http://schemas.openxmlformats.org/drawingml/2006/main" xmlns:r="http://schemas.openxmlformats.org/officeDocument/2006/relationships" xmlns:mc="http://schemas.openxmlformats.org/markup-compatibility/2006" xmlns:mv="urn:schemas-microsoft-com:mac:vml" xmlns:p="http://schemas.openxmlformats.org/presentationml/2006/main" xmlns:c="http://schemas.openxmlformats.org/drawingml/2006/chart" xmlns:dgm="http://schemas.openxmlformats.org/drawingml/2006/diagram" xmlns:o="urn:schemas-microsoft-com:office:office" xmlns:v="urn:schemas-microsoft-com:vml" xmlns:pvml="urn:schemas-microsoft-com:office:powerpoint" xmlns:com="http://schemas.openxmlformats.org/drawingml/2006/compatibility" xmlns:p14="http://schemas.microsoft.com/office/powerpoint/2010/main" xmlns:p15="http://schemas.microsoft.com/office/powerpoint/2012/main" xmlns:ahyp="http://schemas.microsoft.com/office/drawing/2018/hyperlinkcolor" showMasterPhAnim="0" showMasterSp="0">
+<p:notes xmlns:a="http://schemas.openxmlformats.org/drawingml/2006/main" xmlns:r="http://schemas.openxmlformats.org/officeDocument/2006/relationships" xmlns:p="http://schemas.openxmlformats.org/presentationml/2006/main" showMasterSp="0" showMasterPhAnim="0">
   <p:cSld>
     <p:spTree>
       <p:nvGrpSpPr>
-        <p:cNvPr id="97" name="Shape 97"/>
+        <p:cNvPr id="1" name="Shape 97"/>
         <p:cNvGrpSpPr/>
         <p:nvPr/>
       </p:nvGrpSpPr>
@@ -1535,20 +1596,26 @@
       <p:sp>
         <p:nvSpPr>
           <p:cNvPr id="98" name="Google Shape;98;ge965474a9_3_399:notes"/>
-          <p:cNvSpPr/>
+          <p:cNvSpPr>
+            <a:spLocks noGrp="1" noRot="1" noChangeAspect="1"/>
+          </p:cNvSpPr>
           <p:nvPr>
-            <p:ph idx="2" type="sldImg"/>
+            <p:ph type="sldImg" idx="2"/>
           </p:nvPr>
         </p:nvSpPr>
         <p:spPr>
           <a:xfrm>
-            <a:off x="381300" y="685800"/>
+            <a:off x="381000" y="685800"/>
             <a:ext cx="6096000" cy="3429000"/>
           </a:xfrm>
           <a:custGeom>
-            <a:rect b="b" l="l" r="r" t="t"/>
+            <a:avLst/>
+            <a:gdLst/>
+            <a:ahLst/>
+            <a:cxnLst/>
+            <a:rect l="l" t="t" r="r" b="b"/>
             <a:pathLst>
-              <a:path extrusionOk="0" h="120000" w="120000">
+              <a:path w="120000" h="120000" extrusionOk="0">
                 <a:moveTo>
                   <a:pt x="0" y="0"/>
                 </a:moveTo>
@@ -1570,9 +1637,11 @@
       <p:sp>
         <p:nvSpPr>
           <p:cNvPr id="99" name="Google Shape;99;ge965474a9_3_399:notes"/>
-          <p:cNvSpPr txBox="1"/>
+          <p:cNvSpPr txBox="1">
+            <a:spLocks noGrp="1"/>
+          </p:cNvSpPr>
           <p:nvPr>
-            <p:ph idx="1" type="body"/>
+            <p:ph type="body" idx="1"/>
           </p:nvPr>
         </p:nvSpPr>
         <p:spPr>
@@ -1585,12 +1654,12 @@
           </a:prstGeom>
         </p:spPr>
         <p:txBody>
-          <a:bodyPr anchorCtr="0" anchor="t" bIns="91425" lIns="91425" spcFirstLastPara="1" rIns="91425" wrap="square" tIns="91425">
+          <a:bodyPr spcFirstLastPara="1" wrap="square" lIns="91425" tIns="91425" rIns="91425" bIns="91425" anchor="t" anchorCtr="0">
             <a:noAutofit/>
           </a:bodyPr>
           <a:lstStyle/>
           <a:p>
-            <a:pPr indent="0" lvl="0" marL="0" rtl="0" algn="l">
+            <a:pPr marL="0" lvl="0" indent="0" algn="l" rtl="0">
               <a:spcBef>
                 <a:spcPts val="0"/>
               </a:spcBef>
@@ -1616,11 +1685,11 @@
 </file>
 
 <file path=ppt/slideLayouts/slideLayout1.xml><?xml version="1.0" encoding="utf-8"?>
-<p:sldLayout xmlns:a="http://schemas.openxmlformats.org/drawingml/2006/main" xmlns:r="http://schemas.openxmlformats.org/officeDocument/2006/relationships" xmlns:mc="http://schemas.openxmlformats.org/markup-compatibility/2006" xmlns:mv="urn:schemas-microsoft-com:mac:vml" xmlns:p="http://schemas.openxmlformats.org/presentationml/2006/main" xmlns:c="http://schemas.openxmlformats.org/drawingml/2006/chart" xmlns:dgm="http://schemas.openxmlformats.org/drawingml/2006/diagram" xmlns:o="urn:schemas-microsoft-com:office:office" xmlns:v="urn:schemas-microsoft-com:vml" xmlns:pvml="urn:schemas-microsoft-com:office:powerpoint" xmlns:com="http://schemas.openxmlformats.org/drawingml/2006/compatibility" xmlns:p14="http://schemas.microsoft.com/office/powerpoint/2010/main" xmlns:p15="http://schemas.microsoft.com/office/powerpoint/2012/main" xmlns:ahyp="http://schemas.microsoft.com/office/drawing/2018/hyperlinkcolor" matchingName="Title slide" type="title">
+<p:sldLayout xmlns:a="http://schemas.openxmlformats.org/drawingml/2006/main" xmlns:r="http://schemas.openxmlformats.org/officeDocument/2006/relationships" xmlns:p="http://schemas.openxmlformats.org/presentationml/2006/main" matchingName="Title slide" type="title">
   <p:cSld name="TITLE">
     <p:spTree>
       <p:nvGrpSpPr>
-        <p:cNvPr id="9" name="Shape 9"/>
+        <p:cNvPr id="1" name="Shape 9"/>
         <p:cNvGrpSpPr/>
         <p:nvPr/>
       </p:nvGrpSpPr>
@@ -1635,7 +1704,9 @@
       <p:sp>
         <p:nvSpPr>
           <p:cNvPr id="10" name="Google Shape;10;p2"/>
-          <p:cNvSpPr txBox="1"/>
+          <p:cNvSpPr txBox="1">
+            <a:spLocks noGrp="1"/>
+          </p:cNvSpPr>
           <p:nvPr>
             <p:ph type="ctrTitle"/>
           </p:nvPr>
@@ -1650,7 +1721,7 @@
           </a:prstGeom>
         </p:spPr>
         <p:txBody>
-          <a:bodyPr anchorCtr="0" anchor="b" bIns="91425" lIns="91425" spcFirstLastPara="1" rIns="91425" wrap="square" tIns="91425">
+          <a:bodyPr spcFirstLastPara="1" wrap="square" lIns="91425" tIns="91425" rIns="91425" bIns="91425" anchor="b" anchorCtr="0">
             <a:normAutofit/>
           </a:bodyPr>
           <a:lstStyle>
@@ -1754,15 +1825,19 @@
               <a:defRPr sz="5200"/>
             </a:lvl9pPr>
           </a:lstStyle>
-          <a:p/>
+          <a:p>
+            <a:endParaRPr/>
+          </a:p>
         </p:txBody>
       </p:sp>
       <p:sp>
         <p:nvSpPr>
           <p:cNvPr id="11" name="Google Shape;11;p2"/>
-          <p:cNvSpPr txBox="1"/>
+          <p:cNvSpPr txBox="1">
+            <a:spLocks noGrp="1"/>
+          </p:cNvSpPr>
           <p:nvPr>
-            <p:ph idx="1" type="subTitle"/>
+            <p:ph type="subTitle" idx="1"/>
           </p:nvPr>
         </p:nvSpPr>
         <p:spPr>
@@ -1775,7 +1850,7 @@
           </a:prstGeom>
         </p:spPr>
         <p:txBody>
-          <a:bodyPr anchorCtr="0" anchor="t" bIns="91425" lIns="91425" spcFirstLastPara="1" rIns="91425" wrap="square" tIns="91425">
+          <a:bodyPr spcFirstLastPara="1" wrap="square" lIns="91425" tIns="91425" rIns="91425" bIns="91425" anchor="t" anchorCtr="0">
             <a:normAutofit/>
           </a:bodyPr>
           <a:lstStyle>
@@ -1906,15 +1981,19 @@
               <a:defRPr sz="2800"/>
             </a:lvl9pPr>
           </a:lstStyle>
-          <a:p/>
+          <a:p>
+            <a:endParaRPr/>
+          </a:p>
         </p:txBody>
       </p:sp>
       <p:sp>
         <p:nvSpPr>
           <p:cNvPr id="12" name="Google Shape;12;p2"/>
-          <p:cNvSpPr txBox="1"/>
+          <p:cNvSpPr txBox="1">
+            <a:spLocks noGrp="1"/>
+          </p:cNvSpPr>
           <p:nvPr>
-            <p:ph idx="12" type="sldNum"/>
+            <p:ph type="sldNum" idx="12"/>
           </p:nvPr>
         </p:nvSpPr>
         <p:spPr>
@@ -1927,7 +2006,7 @@
           </a:prstGeom>
         </p:spPr>
         <p:txBody>
-          <a:bodyPr anchorCtr="0" anchor="ctr" bIns="91425" lIns="91425" spcFirstLastPara="1" rIns="91425" wrap="square" tIns="91425">
+          <a:bodyPr spcFirstLastPara="1" wrap="square" lIns="91425" tIns="91425" rIns="91425" bIns="91425" anchor="ctr" anchorCtr="0">
             <a:normAutofit/>
           </a:bodyPr>
           <a:lstStyle>
@@ -1969,7 +2048,7 @@
             </a:lvl9pPr>
           </a:lstStyle>
           <a:p>
-            <a:pPr indent="0" lvl="0" marL="0" rtl="0" algn="r">
+            <a:pPr marL="0" lvl="0" indent="0" algn="r" rtl="0">
               <a:spcBef>
                 <a:spcPts val="0"/>
               </a:spcBef>
@@ -1995,11 +2074,11 @@
 </file>
 
 <file path=ppt/slideLayouts/slideLayout10.xml><?xml version="1.0" encoding="utf-8"?>
-<p:sldLayout xmlns:a="http://schemas.openxmlformats.org/drawingml/2006/main" xmlns:r="http://schemas.openxmlformats.org/officeDocument/2006/relationships" xmlns:mc="http://schemas.openxmlformats.org/markup-compatibility/2006" xmlns:mv="urn:schemas-microsoft-com:mac:vml" xmlns:p="http://schemas.openxmlformats.org/presentationml/2006/main" xmlns:c="http://schemas.openxmlformats.org/drawingml/2006/chart" xmlns:dgm="http://schemas.openxmlformats.org/drawingml/2006/diagram" xmlns:o="urn:schemas-microsoft-com:office:office" xmlns:v="urn:schemas-microsoft-com:vml" xmlns:pvml="urn:schemas-microsoft-com:office:powerpoint" xmlns:com="http://schemas.openxmlformats.org/drawingml/2006/compatibility" xmlns:p14="http://schemas.microsoft.com/office/powerpoint/2010/main" xmlns:p15="http://schemas.microsoft.com/office/powerpoint/2012/main" xmlns:ahyp="http://schemas.microsoft.com/office/drawing/2018/hyperlinkcolor" matchingName="Big number">
+<p:sldLayout xmlns:a="http://schemas.openxmlformats.org/drawingml/2006/main" xmlns:r="http://schemas.openxmlformats.org/officeDocument/2006/relationships" xmlns:p="http://schemas.openxmlformats.org/presentationml/2006/main" matchingName="Big number">
   <p:cSld name="BIG_NUMBER">
     <p:spTree>
       <p:nvGrpSpPr>
-        <p:cNvPr id="44" name="Shape 44"/>
+        <p:cNvPr id="1" name="Shape 44"/>
         <p:cNvGrpSpPr/>
         <p:nvPr/>
       </p:nvGrpSpPr>
@@ -2014,9 +2093,11 @@
       <p:sp>
         <p:nvSpPr>
           <p:cNvPr id="45" name="Google Shape;45;p11"/>
-          <p:cNvSpPr txBox="1"/>
+          <p:cNvSpPr txBox="1">
+            <a:spLocks noGrp="1"/>
+          </p:cNvSpPr>
           <p:nvPr>
-            <p:ph hasCustomPrompt="1" type="title"/>
+            <p:ph type="title" hasCustomPrompt="1"/>
           </p:nvPr>
         </p:nvSpPr>
         <p:spPr>
@@ -2029,7 +2110,7 @@
           </a:prstGeom>
         </p:spPr>
         <p:txBody>
-          <a:bodyPr anchorCtr="0" anchor="b" bIns="91425" lIns="91425" spcFirstLastPara="1" rIns="91425" wrap="square" tIns="91425">
+          <a:bodyPr spcFirstLastPara="1" wrap="square" lIns="91425" tIns="91425" rIns="91425" bIns="91425" anchor="b" anchorCtr="0">
             <a:normAutofit/>
           </a:bodyPr>
           <a:lstStyle>
@@ -2143,9 +2224,11 @@
       <p:sp>
         <p:nvSpPr>
           <p:cNvPr id="46" name="Google Shape;46;p11"/>
-          <p:cNvSpPr txBox="1"/>
+          <p:cNvSpPr txBox="1">
+            <a:spLocks noGrp="1"/>
+          </p:cNvSpPr>
           <p:nvPr>
-            <p:ph idx="1" type="body"/>
+            <p:ph type="body" idx="1"/>
           </p:nvPr>
         </p:nvSpPr>
         <p:spPr>
@@ -2158,11 +2241,11 @@
           </a:prstGeom>
         </p:spPr>
         <p:txBody>
-          <a:bodyPr anchorCtr="0" anchor="t" bIns="91425" lIns="91425" spcFirstLastPara="1" rIns="91425" wrap="square" tIns="91425">
+          <a:bodyPr spcFirstLastPara="1" wrap="square" lIns="91425" tIns="91425" rIns="91425" bIns="91425" anchor="t" anchorCtr="0">
             <a:normAutofit/>
           </a:bodyPr>
           <a:lstStyle>
-            <a:lvl1pPr indent="-342900" lvl="0" marL="457200" algn="ctr">
+            <a:lvl1pPr marL="457200" lvl="0" indent="-342900" algn="ctr">
               <a:spcBef>
                 <a:spcPts val="0"/>
               </a:spcBef>
@@ -2173,7 +2256,7 @@
               <a:buChar char="●"/>
               <a:defRPr/>
             </a:lvl1pPr>
-            <a:lvl2pPr indent="-317500" lvl="1" marL="914400" algn="ctr">
+            <a:lvl2pPr marL="914400" lvl="1" indent="-317500" algn="ctr">
               <a:spcBef>
                 <a:spcPts val="0"/>
               </a:spcBef>
@@ -2184,7 +2267,7 @@
               <a:buChar char="○"/>
               <a:defRPr/>
             </a:lvl2pPr>
-            <a:lvl3pPr indent="-317500" lvl="2" marL="1371600" algn="ctr">
+            <a:lvl3pPr marL="1371600" lvl="2" indent="-317500" algn="ctr">
               <a:spcBef>
                 <a:spcPts val="0"/>
               </a:spcBef>
@@ -2195,7 +2278,7 @@
               <a:buChar char="■"/>
               <a:defRPr/>
             </a:lvl3pPr>
-            <a:lvl4pPr indent="-317500" lvl="3" marL="1828800" algn="ctr">
+            <a:lvl4pPr marL="1828800" lvl="3" indent="-317500" algn="ctr">
               <a:spcBef>
                 <a:spcPts val="0"/>
               </a:spcBef>
@@ -2206,7 +2289,7 @@
               <a:buChar char="●"/>
               <a:defRPr/>
             </a:lvl4pPr>
-            <a:lvl5pPr indent="-317500" lvl="4" marL="2286000" algn="ctr">
+            <a:lvl5pPr marL="2286000" lvl="4" indent="-317500" algn="ctr">
               <a:spcBef>
                 <a:spcPts val="0"/>
               </a:spcBef>
@@ -2217,7 +2300,7 @@
               <a:buChar char="○"/>
               <a:defRPr/>
             </a:lvl5pPr>
-            <a:lvl6pPr indent="-317500" lvl="5" marL="2743200" algn="ctr">
+            <a:lvl6pPr marL="2743200" lvl="5" indent="-317500" algn="ctr">
               <a:spcBef>
                 <a:spcPts val="0"/>
               </a:spcBef>
@@ -2228,7 +2311,7 @@
               <a:buChar char="■"/>
               <a:defRPr/>
             </a:lvl6pPr>
-            <a:lvl7pPr indent="-317500" lvl="6" marL="3200400" algn="ctr">
+            <a:lvl7pPr marL="3200400" lvl="6" indent="-317500" algn="ctr">
               <a:spcBef>
                 <a:spcPts val="0"/>
               </a:spcBef>
@@ -2239,7 +2322,7 @@
               <a:buChar char="●"/>
               <a:defRPr/>
             </a:lvl7pPr>
-            <a:lvl8pPr indent="-317500" lvl="7" marL="3657600" algn="ctr">
+            <a:lvl8pPr marL="3657600" lvl="7" indent="-317500" algn="ctr">
               <a:spcBef>
                 <a:spcPts val="0"/>
               </a:spcBef>
@@ -2250,7 +2333,7 @@
               <a:buChar char="○"/>
               <a:defRPr/>
             </a:lvl8pPr>
-            <a:lvl9pPr indent="-317500" lvl="8" marL="4114800" algn="ctr">
+            <a:lvl9pPr marL="4114800" lvl="8" indent="-317500" algn="ctr">
               <a:spcBef>
                 <a:spcPts val="0"/>
               </a:spcBef>
@@ -2262,15 +2345,19 @@
               <a:defRPr/>
             </a:lvl9pPr>
           </a:lstStyle>
-          <a:p/>
+          <a:p>
+            <a:endParaRPr/>
+          </a:p>
         </p:txBody>
       </p:sp>
       <p:sp>
         <p:nvSpPr>
           <p:cNvPr id="47" name="Google Shape;47;p11"/>
-          <p:cNvSpPr txBox="1"/>
+          <p:cNvSpPr txBox="1">
+            <a:spLocks noGrp="1"/>
+          </p:cNvSpPr>
           <p:nvPr>
-            <p:ph idx="12" type="sldNum"/>
+            <p:ph type="sldNum" idx="12"/>
           </p:nvPr>
         </p:nvSpPr>
         <p:spPr>
@@ -2283,7 +2370,7 @@
           </a:prstGeom>
         </p:spPr>
         <p:txBody>
-          <a:bodyPr anchorCtr="0" anchor="ctr" bIns="91425" lIns="91425" spcFirstLastPara="1" rIns="91425" wrap="square" tIns="91425">
+          <a:bodyPr spcFirstLastPara="1" wrap="square" lIns="91425" tIns="91425" rIns="91425" bIns="91425" anchor="ctr" anchorCtr="0">
             <a:normAutofit/>
           </a:bodyPr>
           <a:lstStyle>
@@ -2325,7 +2412,7 @@
             </a:lvl9pPr>
           </a:lstStyle>
           <a:p>
-            <a:pPr indent="0" lvl="0" marL="0" rtl="0" algn="r">
+            <a:pPr marL="0" lvl="0" indent="0" algn="r" rtl="0">
               <a:spcBef>
                 <a:spcPts val="0"/>
               </a:spcBef>
@@ -2351,11 +2438,11 @@
 </file>
 
 <file path=ppt/slideLayouts/slideLayout11.xml><?xml version="1.0" encoding="utf-8"?>
-<p:sldLayout xmlns:a="http://schemas.openxmlformats.org/drawingml/2006/main" xmlns:r="http://schemas.openxmlformats.org/officeDocument/2006/relationships" xmlns:mc="http://schemas.openxmlformats.org/markup-compatibility/2006" xmlns:mv="urn:schemas-microsoft-com:mac:vml" xmlns:p="http://schemas.openxmlformats.org/presentationml/2006/main" xmlns:c="http://schemas.openxmlformats.org/drawingml/2006/chart" xmlns:dgm="http://schemas.openxmlformats.org/drawingml/2006/diagram" xmlns:o="urn:schemas-microsoft-com:office:office" xmlns:v="urn:schemas-microsoft-com:vml" xmlns:pvml="urn:schemas-microsoft-com:office:powerpoint" xmlns:com="http://schemas.openxmlformats.org/drawingml/2006/compatibility" xmlns:p14="http://schemas.microsoft.com/office/powerpoint/2010/main" xmlns:p15="http://schemas.microsoft.com/office/powerpoint/2012/main" xmlns:ahyp="http://schemas.microsoft.com/office/drawing/2018/hyperlinkcolor" matchingName="Blank" type="blank">
+<p:sldLayout xmlns:a="http://schemas.openxmlformats.org/drawingml/2006/main" xmlns:r="http://schemas.openxmlformats.org/officeDocument/2006/relationships" xmlns:p="http://schemas.openxmlformats.org/presentationml/2006/main" matchingName="Blank" type="blank">
   <p:cSld name="BLANK">
     <p:spTree>
       <p:nvGrpSpPr>
-        <p:cNvPr id="48" name="Shape 48"/>
+        <p:cNvPr id="1" name="Shape 48"/>
         <p:cNvGrpSpPr/>
         <p:nvPr/>
       </p:nvGrpSpPr>
@@ -2370,9 +2457,11 @@
       <p:sp>
         <p:nvSpPr>
           <p:cNvPr id="49" name="Google Shape;49;p12"/>
-          <p:cNvSpPr txBox="1"/>
+          <p:cNvSpPr txBox="1">
+            <a:spLocks noGrp="1"/>
+          </p:cNvSpPr>
           <p:nvPr>
-            <p:ph idx="12" type="sldNum"/>
+            <p:ph type="sldNum" idx="12"/>
           </p:nvPr>
         </p:nvSpPr>
         <p:spPr>
@@ -2385,7 +2474,7 @@
           </a:prstGeom>
         </p:spPr>
         <p:txBody>
-          <a:bodyPr anchorCtr="0" anchor="ctr" bIns="91425" lIns="91425" spcFirstLastPara="1" rIns="91425" wrap="square" tIns="91425">
+          <a:bodyPr spcFirstLastPara="1" wrap="square" lIns="91425" tIns="91425" rIns="91425" bIns="91425" anchor="ctr" anchorCtr="0">
             <a:normAutofit/>
           </a:bodyPr>
           <a:lstStyle>
@@ -2427,7 +2516,7 @@
             </a:lvl9pPr>
           </a:lstStyle>
           <a:p>
-            <a:pPr indent="0" lvl="0" marL="0" rtl="0" algn="r">
+            <a:pPr marL="0" lvl="0" indent="0" algn="r" rtl="0">
               <a:spcBef>
                 <a:spcPts val="0"/>
               </a:spcBef>
@@ -2453,11 +2542,11 @@
 </file>
 
 <file path=ppt/slideLayouts/slideLayout2.xml><?xml version="1.0" encoding="utf-8"?>
-<p:sldLayout xmlns:a="http://schemas.openxmlformats.org/drawingml/2006/main" xmlns:r="http://schemas.openxmlformats.org/officeDocument/2006/relationships" xmlns:mc="http://schemas.openxmlformats.org/markup-compatibility/2006" xmlns:mv="urn:schemas-microsoft-com:mac:vml" xmlns:p="http://schemas.openxmlformats.org/presentationml/2006/main" xmlns:c="http://schemas.openxmlformats.org/drawingml/2006/chart" xmlns:dgm="http://schemas.openxmlformats.org/drawingml/2006/diagram" xmlns:o="urn:schemas-microsoft-com:office:office" xmlns:v="urn:schemas-microsoft-com:vml" xmlns:pvml="urn:schemas-microsoft-com:office:powerpoint" xmlns:com="http://schemas.openxmlformats.org/drawingml/2006/compatibility" xmlns:p14="http://schemas.microsoft.com/office/powerpoint/2010/main" xmlns:p15="http://schemas.microsoft.com/office/powerpoint/2012/main" xmlns:ahyp="http://schemas.microsoft.com/office/drawing/2018/hyperlinkcolor" matchingName="Section header" type="secHead">
+<p:sldLayout xmlns:a="http://schemas.openxmlformats.org/drawingml/2006/main" xmlns:r="http://schemas.openxmlformats.org/officeDocument/2006/relationships" xmlns:p="http://schemas.openxmlformats.org/presentationml/2006/main" matchingName="Section header" type="secHead">
   <p:cSld name="SECTION_HEADER">
     <p:spTree>
       <p:nvGrpSpPr>
-        <p:cNvPr id="13" name="Shape 13"/>
+        <p:cNvPr id="1" name="Shape 13"/>
         <p:cNvGrpSpPr/>
         <p:nvPr/>
       </p:nvGrpSpPr>
@@ -2472,7 +2561,9 @@
       <p:sp>
         <p:nvSpPr>
           <p:cNvPr id="14" name="Google Shape;14;p3"/>
-          <p:cNvSpPr txBox="1"/>
+          <p:cNvSpPr txBox="1">
+            <a:spLocks noGrp="1"/>
+          </p:cNvSpPr>
           <p:nvPr>
             <p:ph type="title"/>
           </p:nvPr>
@@ -2487,7 +2578,7 @@
           </a:prstGeom>
         </p:spPr>
         <p:txBody>
-          <a:bodyPr anchorCtr="0" anchor="ctr" bIns="91425" lIns="91425" spcFirstLastPara="1" rIns="91425" wrap="square" tIns="91425">
+          <a:bodyPr spcFirstLastPara="1" wrap="square" lIns="91425" tIns="91425" rIns="91425" bIns="91425" anchor="ctr" anchorCtr="0">
             <a:normAutofit/>
           </a:bodyPr>
           <a:lstStyle>
@@ -2591,15 +2682,19 @@
               <a:defRPr sz="3600"/>
             </a:lvl9pPr>
           </a:lstStyle>
-          <a:p/>
+          <a:p>
+            <a:endParaRPr/>
+          </a:p>
         </p:txBody>
       </p:sp>
       <p:sp>
         <p:nvSpPr>
           <p:cNvPr id="15" name="Google Shape;15;p3"/>
-          <p:cNvSpPr txBox="1"/>
+          <p:cNvSpPr txBox="1">
+            <a:spLocks noGrp="1"/>
+          </p:cNvSpPr>
           <p:nvPr>
-            <p:ph idx="12" type="sldNum"/>
+            <p:ph type="sldNum" idx="12"/>
           </p:nvPr>
         </p:nvSpPr>
         <p:spPr>
@@ -2612,7 +2707,7 @@
           </a:prstGeom>
         </p:spPr>
         <p:txBody>
-          <a:bodyPr anchorCtr="0" anchor="ctr" bIns="91425" lIns="91425" spcFirstLastPara="1" rIns="91425" wrap="square" tIns="91425">
+          <a:bodyPr spcFirstLastPara="1" wrap="square" lIns="91425" tIns="91425" rIns="91425" bIns="91425" anchor="ctr" anchorCtr="0">
             <a:normAutofit/>
           </a:bodyPr>
           <a:lstStyle>
@@ -2654,7 +2749,7 @@
             </a:lvl9pPr>
           </a:lstStyle>
           <a:p>
-            <a:pPr indent="0" lvl="0" marL="0" rtl="0" algn="r">
+            <a:pPr marL="0" lvl="0" indent="0" algn="r" rtl="0">
               <a:spcBef>
                 <a:spcPts val="0"/>
               </a:spcBef>
@@ -2680,11 +2775,11 @@
 </file>
 
 <file path=ppt/slideLayouts/slideLayout3.xml><?xml version="1.0" encoding="utf-8"?>
-<p:sldLayout xmlns:a="http://schemas.openxmlformats.org/drawingml/2006/main" xmlns:r="http://schemas.openxmlformats.org/officeDocument/2006/relationships" xmlns:mc="http://schemas.openxmlformats.org/markup-compatibility/2006" xmlns:mv="urn:schemas-microsoft-com:mac:vml" xmlns:p="http://schemas.openxmlformats.org/presentationml/2006/main" xmlns:c="http://schemas.openxmlformats.org/drawingml/2006/chart" xmlns:dgm="http://schemas.openxmlformats.org/drawingml/2006/diagram" xmlns:o="urn:schemas-microsoft-com:office:office" xmlns:v="urn:schemas-microsoft-com:vml" xmlns:pvml="urn:schemas-microsoft-com:office:powerpoint" xmlns:com="http://schemas.openxmlformats.org/drawingml/2006/compatibility" xmlns:p14="http://schemas.microsoft.com/office/powerpoint/2010/main" xmlns:p15="http://schemas.microsoft.com/office/powerpoint/2012/main" xmlns:ahyp="http://schemas.microsoft.com/office/drawing/2018/hyperlinkcolor" matchingName="Title and body" type="tx">
+<p:sldLayout xmlns:a="http://schemas.openxmlformats.org/drawingml/2006/main" xmlns:r="http://schemas.openxmlformats.org/officeDocument/2006/relationships" xmlns:p="http://schemas.openxmlformats.org/presentationml/2006/main" matchingName="Title and body" type="tx">
   <p:cSld name="TITLE_AND_BODY">
     <p:spTree>
       <p:nvGrpSpPr>
-        <p:cNvPr id="16" name="Shape 16"/>
+        <p:cNvPr id="1" name="Shape 16"/>
         <p:cNvGrpSpPr/>
         <p:nvPr/>
       </p:nvGrpSpPr>
@@ -2699,7 +2794,9 @@
       <p:sp>
         <p:nvSpPr>
           <p:cNvPr id="17" name="Google Shape;17;p4"/>
-          <p:cNvSpPr txBox="1"/>
+          <p:cNvSpPr txBox="1">
+            <a:spLocks noGrp="1"/>
+          </p:cNvSpPr>
           <p:nvPr>
             <p:ph type="title"/>
           </p:nvPr>
@@ -2714,7 +2811,7 @@
           </a:prstGeom>
         </p:spPr>
         <p:txBody>
-          <a:bodyPr anchorCtr="0" anchor="t" bIns="91425" lIns="91425" spcFirstLastPara="1" rIns="91425" wrap="square" tIns="91425">
+          <a:bodyPr spcFirstLastPara="1" wrap="square" lIns="91425" tIns="91425" rIns="91425" bIns="91425" anchor="t" anchorCtr="0">
             <a:normAutofit/>
           </a:bodyPr>
           <a:lstStyle>
@@ -2818,15 +2915,19 @@
               <a:defRPr/>
             </a:lvl9pPr>
           </a:lstStyle>
-          <a:p/>
+          <a:p>
+            <a:endParaRPr/>
+          </a:p>
         </p:txBody>
       </p:sp>
       <p:sp>
         <p:nvSpPr>
           <p:cNvPr id="18" name="Google Shape;18;p4"/>
-          <p:cNvSpPr txBox="1"/>
+          <p:cNvSpPr txBox="1">
+            <a:spLocks noGrp="1"/>
+          </p:cNvSpPr>
           <p:nvPr>
-            <p:ph idx="1" type="body"/>
+            <p:ph type="body" idx="1"/>
           </p:nvPr>
         </p:nvSpPr>
         <p:spPr>
@@ -2839,11 +2940,11 @@
           </a:prstGeom>
         </p:spPr>
         <p:txBody>
-          <a:bodyPr anchorCtr="0" anchor="t" bIns="91425" lIns="91425" spcFirstLastPara="1" rIns="91425" wrap="square" tIns="91425">
+          <a:bodyPr spcFirstLastPara="1" wrap="square" lIns="91425" tIns="91425" rIns="91425" bIns="91425" anchor="t" anchorCtr="0">
             <a:normAutofit/>
           </a:bodyPr>
           <a:lstStyle>
-            <a:lvl1pPr indent="-342900" lvl="0" marL="457200">
+            <a:lvl1pPr marL="457200" lvl="0" indent="-342900">
               <a:spcBef>
                 <a:spcPts val="0"/>
               </a:spcBef>
@@ -2854,7 +2955,7 @@
               <a:buChar char="●"/>
               <a:defRPr/>
             </a:lvl1pPr>
-            <a:lvl2pPr indent="-317500" lvl="1" marL="914400">
+            <a:lvl2pPr marL="914400" lvl="1" indent="-317500">
               <a:spcBef>
                 <a:spcPts val="0"/>
               </a:spcBef>
@@ -2865,7 +2966,7 @@
               <a:buChar char="○"/>
               <a:defRPr/>
             </a:lvl2pPr>
-            <a:lvl3pPr indent="-317500" lvl="2" marL="1371600">
+            <a:lvl3pPr marL="1371600" lvl="2" indent="-317500">
               <a:spcBef>
                 <a:spcPts val="0"/>
               </a:spcBef>
@@ -2876,7 +2977,7 @@
               <a:buChar char="■"/>
               <a:defRPr/>
             </a:lvl3pPr>
-            <a:lvl4pPr indent="-317500" lvl="3" marL="1828800">
+            <a:lvl4pPr marL="1828800" lvl="3" indent="-317500">
               <a:spcBef>
                 <a:spcPts val="0"/>
               </a:spcBef>
@@ -2887,7 +2988,7 @@
               <a:buChar char="●"/>
               <a:defRPr/>
             </a:lvl4pPr>
-            <a:lvl5pPr indent="-317500" lvl="4" marL="2286000">
+            <a:lvl5pPr marL="2286000" lvl="4" indent="-317500">
               <a:spcBef>
                 <a:spcPts val="0"/>
               </a:spcBef>
@@ -2898,7 +2999,7 @@
               <a:buChar char="○"/>
               <a:defRPr/>
             </a:lvl5pPr>
-            <a:lvl6pPr indent="-317500" lvl="5" marL="2743200">
+            <a:lvl6pPr marL="2743200" lvl="5" indent="-317500">
               <a:spcBef>
                 <a:spcPts val="0"/>
               </a:spcBef>
@@ -2909,7 +3010,7 @@
               <a:buChar char="■"/>
               <a:defRPr/>
             </a:lvl6pPr>
-            <a:lvl7pPr indent="-317500" lvl="6" marL="3200400">
+            <a:lvl7pPr marL="3200400" lvl="6" indent="-317500">
               <a:spcBef>
                 <a:spcPts val="0"/>
               </a:spcBef>
@@ -2920,7 +3021,7 @@
               <a:buChar char="●"/>
               <a:defRPr/>
             </a:lvl7pPr>
-            <a:lvl8pPr indent="-317500" lvl="7" marL="3657600">
+            <a:lvl8pPr marL="3657600" lvl="7" indent="-317500">
               <a:spcBef>
                 <a:spcPts val="0"/>
               </a:spcBef>
@@ -2931,7 +3032,7 @@
               <a:buChar char="○"/>
               <a:defRPr/>
             </a:lvl8pPr>
-            <a:lvl9pPr indent="-317500" lvl="8" marL="4114800">
+            <a:lvl9pPr marL="4114800" lvl="8" indent="-317500">
               <a:spcBef>
                 <a:spcPts val="0"/>
               </a:spcBef>
@@ -2943,15 +3044,19 @@
               <a:defRPr/>
             </a:lvl9pPr>
           </a:lstStyle>
-          <a:p/>
+          <a:p>
+            <a:endParaRPr/>
+          </a:p>
         </p:txBody>
       </p:sp>
       <p:sp>
         <p:nvSpPr>
           <p:cNvPr id="19" name="Google Shape;19;p4"/>
-          <p:cNvSpPr txBox="1"/>
+          <p:cNvSpPr txBox="1">
+            <a:spLocks noGrp="1"/>
+          </p:cNvSpPr>
           <p:nvPr>
-            <p:ph idx="12" type="sldNum"/>
+            <p:ph type="sldNum" idx="12"/>
           </p:nvPr>
         </p:nvSpPr>
         <p:spPr>
@@ -2964,7 +3069,7 @@
           </a:prstGeom>
         </p:spPr>
         <p:txBody>
-          <a:bodyPr anchorCtr="0" anchor="ctr" bIns="91425" lIns="91425" spcFirstLastPara="1" rIns="91425" wrap="square" tIns="91425">
+          <a:bodyPr spcFirstLastPara="1" wrap="square" lIns="91425" tIns="91425" rIns="91425" bIns="91425" anchor="ctr" anchorCtr="0">
             <a:normAutofit/>
           </a:bodyPr>
           <a:lstStyle>
@@ -3006,7 +3111,7 @@
             </a:lvl9pPr>
           </a:lstStyle>
           <a:p>
-            <a:pPr indent="0" lvl="0" marL="0" rtl="0" algn="r">
+            <a:pPr marL="0" lvl="0" indent="0" algn="r" rtl="0">
               <a:spcBef>
                 <a:spcPts val="0"/>
               </a:spcBef>
@@ -3032,11 +3137,11 @@
 </file>
 
 <file path=ppt/slideLayouts/slideLayout4.xml><?xml version="1.0" encoding="utf-8"?>
-<p:sldLayout xmlns:a="http://schemas.openxmlformats.org/drawingml/2006/main" xmlns:r="http://schemas.openxmlformats.org/officeDocument/2006/relationships" xmlns:mc="http://schemas.openxmlformats.org/markup-compatibility/2006" xmlns:mv="urn:schemas-microsoft-com:mac:vml" xmlns:p="http://schemas.openxmlformats.org/presentationml/2006/main" xmlns:c="http://schemas.openxmlformats.org/drawingml/2006/chart" xmlns:dgm="http://schemas.openxmlformats.org/drawingml/2006/diagram" xmlns:o="urn:schemas-microsoft-com:office:office" xmlns:v="urn:schemas-microsoft-com:vml" xmlns:pvml="urn:schemas-microsoft-com:office:powerpoint" xmlns:com="http://schemas.openxmlformats.org/drawingml/2006/compatibility" xmlns:p14="http://schemas.microsoft.com/office/powerpoint/2010/main" xmlns:p15="http://schemas.microsoft.com/office/powerpoint/2012/main" xmlns:ahyp="http://schemas.microsoft.com/office/drawing/2018/hyperlinkcolor" matchingName="Title and two columns" type="twoColTx">
+<p:sldLayout xmlns:a="http://schemas.openxmlformats.org/drawingml/2006/main" xmlns:r="http://schemas.openxmlformats.org/officeDocument/2006/relationships" xmlns:p="http://schemas.openxmlformats.org/presentationml/2006/main" matchingName="Title and two columns" type="twoColTx">
   <p:cSld name="TITLE_AND_TWO_COLUMNS">
     <p:spTree>
       <p:nvGrpSpPr>
-        <p:cNvPr id="20" name="Shape 20"/>
+        <p:cNvPr id="1" name="Shape 20"/>
         <p:cNvGrpSpPr/>
         <p:nvPr/>
       </p:nvGrpSpPr>
@@ -3051,7 +3156,9 @@
       <p:sp>
         <p:nvSpPr>
           <p:cNvPr id="21" name="Google Shape;21;p5"/>
-          <p:cNvSpPr txBox="1"/>
+          <p:cNvSpPr txBox="1">
+            <a:spLocks noGrp="1"/>
+          </p:cNvSpPr>
           <p:nvPr>
             <p:ph type="title"/>
           </p:nvPr>
@@ -3066,7 +3173,7 @@
           </a:prstGeom>
         </p:spPr>
         <p:txBody>
-          <a:bodyPr anchorCtr="0" anchor="t" bIns="91425" lIns="91425" spcFirstLastPara="1" rIns="91425" wrap="square" tIns="91425">
+          <a:bodyPr spcFirstLastPara="1" wrap="square" lIns="91425" tIns="91425" rIns="91425" bIns="91425" anchor="t" anchorCtr="0">
             <a:normAutofit/>
           </a:bodyPr>
           <a:lstStyle>
@@ -3170,15 +3277,19 @@
               <a:defRPr/>
             </a:lvl9pPr>
           </a:lstStyle>
-          <a:p/>
+          <a:p>
+            <a:endParaRPr/>
+          </a:p>
         </p:txBody>
       </p:sp>
       <p:sp>
         <p:nvSpPr>
           <p:cNvPr id="22" name="Google Shape;22;p5"/>
-          <p:cNvSpPr txBox="1"/>
+          <p:cNvSpPr txBox="1">
+            <a:spLocks noGrp="1"/>
+          </p:cNvSpPr>
           <p:nvPr>
-            <p:ph idx="1" type="body"/>
+            <p:ph type="body" idx="1"/>
           </p:nvPr>
         </p:nvSpPr>
         <p:spPr>
@@ -3191,11 +3302,11 @@
           </a:prstGeom>
         </p:spPr>
         <p:txBody>
-          <a:bodyPr anchorCtr="0" anchor="t" bIns="91425" lIns="91425" spcFirstLastPara="1" rIns="91425" wrap="square" tIns="91425">
+          <a:bodyPr spcFirstLastPara="1" wrap="square" lIns="91425" tIns="91425" rIns="91425" bIns="91425" anchor="t" anchorCtr="0">
             <a:normAutofit/>
           </a:bodyPr>
           <a:lstStyle>
-            <a:lvl1pPr indent="-317500" lvl="0" marL="457200">
+            <a:lvl1pPr marL="457200" lvl="0" indent="-317500">
               <a:spcBef>
                 <a:spcPts val="0"/>
               </a:spcBef>
@@ -3206,7 +3317,7 @@
               <a:buChar char="●"/>
               <a:defRPr sz="1400"/>
             </a:lvl1pPr>
-            <a:lvl2pPr indent="-304800" lvl="1" marL="914400">
+            <a:lvl2pPr marL="914400" lvl="1" indent="-304800">
               <a:spcBef>
                 <a:spcPts val="0"/>
               </a:spcBef>
@@ -3217,7 +3328,7 @@
               <a:buChar char="○"/>
               <a:defRPr sz="1200"/>
             </a:lvl2pPr>
-            <a:lvl3pPr indent="-304800" lvl="2" marL="1371600">
+            <a:lvl3pPr marL="1371600" lvl="2" indent="-304800">
               <a:spcBef>
                 <a:spcPts val="0"/>
               </a:spcBef>
@@ -3228,7 +3339,7 @@
               <a:buChar char="■"/>
               <a:defRPr sz="1200"/>
             </a:lvl3pPr>
-            <a:lvl4pPr indent="-304800" lvl="3" marL="1828800">
+            <a:lvl4pPr marL="1828800" lvl="3" indent="-304800">
               <a:spcBef>
                 <a:spcPts val="0"/>
               </a:spcBef>
@@ -3239,7 +3350,7 @@
               <a:buChar char="●"/>
               <a:defRPr sz="1200"/>
             </a:lvl4pPr>
-            <a:lvl5pPr indent="-304800" lvl="4" marL="2286000">
+            <a:lvl5pPr marL="2286000" lvl="4" indent="-304800">
               <a:spcBef>
                 <a:spcPts val="0"/>
               </a:spcBef>
@@ -3250,7 +3361,7 @@
               <a:buChar char="○"/>
               <a:defRPr sz="1200"/>
             </a:lvl5pPr>
-            <a:lvl6pPr indent="-304800" lvl="5" marL="2743200">
+            <a:lvl6pPr marL="2743200" lvl="5" indent="-304800">
               <a:spcBef>
                 <a:spcPts val="0"/>
               </a:spcBef>
@@ -3261,7 +3372,7 @@
               <a:buChar char="■"/>
               <a:defRPr sz="1200"/>
             </a:lvl6pPr>
-            <a:lvl7pPr indent="-304800" lvl="6" marL="3200400">
+            <a:lvl7pPr marL="3200400" lvl="6" indent="-304800">
               <a:spcBef>
                 <a:spcPts val="0"/>
               </a:spcBef>
@@ -3272,7 +3383,7 @@
               <a:buChar char="●"/>
               <a:defRPr sz="1200"/>
             </a:lvl7pPr>
-            <a:lvl8pPr indent="-304800" lvl="7" marL="3657600">
+            <a:lvl8pPr marL="3657600" lvl="7" indent="-304800">
               <a:spcBef>
                 <a:spcPts val="0"/>
               </a:spcBef>
@@ -3283,7 +3394,7 @@
               <a:buChar char="○"/>
               <a:defRPr sz="1200"/>
             </a:lvl8pPr>
-            <a:lvl9pPr indent="-304800" lvl="8" marL="4114800">
+            <a:lvl9pPr marL="4114800" lvl="8" indent="-304800">
               <a:spcBef>
                 <a:spcPts val="0"/>
               </a:spcBef>
@@ -3295,15 +3406,19 @@
               <a:defRPr sz="1200"/>
             </a:lvl9pPr>
           </a:lstStyle>
-          <a:p/>
+          <a:p>
+            <a:endParaRPr/>
+          </a:p>
         </p:txBody>
       </p:sp>
       <p:sp>
         <p:nvSpPr>
           <p:cNvPr id="23" name="Google Shape;23;p5"/>
-          <p:cNvSpPr txBox="1"/>
+          <p:cNvSpPr txBox="1">
+            <a:spLocks noGrp="1"/>
+          </p:cNvSpPr>
           <p:nvPr>
-            <p:ph idx="2" type="body"/>
+            <p:ph type="body" idx="2"/>
           </p:nvPr>
         </p:nvSpPr>
         <p:spPr>
@@ -3316,11 +3431,11 @@
           </a:prstGeom>
         </p:spPr>
         <p:txBody>
-          <a:bodyPr anchorCtr="0" anchor="t" bIns="91425" lIns="91425" spcFirstLastPara="1" rIns="91425" wrap="square" tIns="91425">
+          <a:bodyPr spcFirstLastPara="1" wrap="square" lIns="91425" tIns="91425" rIns="91425" bIns="91425" anchor="t" anchorCtr="0">
             <a:normAutofit/>
           </a:bodyPr>
           <a:lstStyle>
-            <a:lvl1pPr indent="-317500" lvl="0" marL="457200">
+            <a:lvl1pPr marL="457200" lvl="0" indent="-317500">
               <a:spcBef>
                 <a:spcPts val="0"/>
               </a:spcBef>
@@ -3331,7 +3446,7 @@
               <a:buChar char="●"/>
               <a:defRPr sz="1400"/>
             </a:lvl1pPr>
-            <a:lvl2pPr indent="-304800" lvl="1" marL="914400">
+            <a:lvl2pPr marL="914400" lvl="1" indent="-304800">
               <a:spcBef>
                 <a:spcPts val="0"/>
               </a:spcBef>
@@ -3342,7 +3457,7 @@
               <a:buChar char="○"/>
               <a:defRPr sz="1200"/>
             </a:lvl2pPr>
-            <a:lvl3pPr indent="-304800" lvl="2" marL="1371600">
+            <a:lvl3pPr marL="1371600" lvl="2" indent="-304800">
               <a:spcBef>
                 <a:spcPts val="0"/>
               </a:spcBef>
@@ -3353,7 +3468,7 @@
               <a:buChar char="■"/>
               <a:defRPr sz="1200"/>
             </a:lvl3pPr>
-            <a:lvl4pPr indent="-304800" lvl="3" marL="1828800">
+            <a:lvl4pPr marL="1828800" lvl="3" indent="-304800">
               <a:spcBef>
                 <a:spcPts val="0"/>
               </a:spcBef>
@@ -3364,7 +3479,7 @@
               <a:buChar char="●"/>
               <a:defRPr sz="1200"/>
             </a:lvl4pPr>
-            <a:lvl5pPr indent="-304800" lvl="4" marL="2286000">
+            <a:lvl5pPr marL="2286000" lvl="4" indent="-304800">
               <a:spcBef>
                 <a:spcPts val="0"/>
               </a:spcBef>
@@ -3375,7 +3490,7 @@
               <a:buChar char="○"/>
               <a:defRPr sz="1200"/>
             </a:lvl5pPr>
-            <a:lvl6pPr indent="-304800" lvl="5" marL="2743200">
+            <a:lvl6pPr marL="2743200" lvl="5" indent="-304800">
               <a:spcBef>
                 <a:spcPts val="0"/>
               </a:spcBef>
@@ -3386,7 +3501,7 @@
               <a:buChar char="■"/>
               <a:defRPr sz="1200"/>
             </a:lvl6pPr>
-            <a:lvl7pPr indent="-304800" lvl="6" marL="3200400">
+            <a:lvl7pPr marL="3200400" lvl="6" indent="-304800">
               <a:spcBef>
                 <a:spcPts val="0"/>
               </a:spcBef>
@@ -3397,7 +3512,7 @@
               <a:buChar char="●"/>
               <a:defRPr sz="1200"/>
             </a:lvl7pPr>
-            <a:lvl8pPr indent="-304800" lvl="7" marL="3657600">
+            <a:lvl8pPr marL="3657600" lvl="7" indent="-304800">
               <a:spcBef>
                 <a:spcPts val="0"/>
               </a:spcBef>
@@ -3408,7 +3523,7 @@
               <a:buChar char="○"/>
               <a:defRPr sz="1200"/>
             </a:lvl8pPr>
-            <a:lvl9pPr indent="-304800" lvl="8" marL="4114800">
+            <a:lvl9pPr marL="4114800" lvl="8" indent="-304800">
               <a:spcBef>
                 <a:spcPts val="0"/>
               </a:spcBef>
@@ -3420,15 +3535,19 @@
               <a:defRPr sz="1200"/>
             </a:lvl9pPr>
           </a:lstStyle>
-          <a:p/>
+          <a:p>
+            <a:endParaRPr/>
+          </a:p>
         </p:txBody>
       </p:sp>
       <p:sp>
         <p:nvSpPr>
           <p:cNvPr id="24" name="Google Shape;24;p5"/>
-          <p:cNvSpPr txBox="1"/>
+          <p:cNvSpPr txBox="1">
+            <a:spLocks noGrp="1"/>
+          </p:cNvSpPr>
           <p:nvPr>
-            <p:ph idx="12" type="sldNum"/>
+            <p:ph type="sldNum" idx="12"/>
           </p:nvPr>
         </p:nvSpPr>
         <p:spPr>
@@ -3441,7 +3560,7 @@
           </a:prstGeom>
         </p:spPr>
         <p:txBody>
-          <a:bodyPr anchorCtr="0" anchor="ctr" bIns="91425" lIns="91425" spcFirstLastPara="1" rIns="91425" wrap="square" tIns="91425">
+          <a:bodyPr spcFirstLastPara="1" wrap="square" lIns="91425" tIns="91425" rIns="91425" bIns="91425" anchor="ctr" anchorCtr="0">
             <a:normAutofit/>
           </a:bodyPr>
           <a:lstStyle>
@@ -3483,7 +3602,7 @@
             </a:lvl9pPr>
           </a:lstStyle>
           <a:p>
-            <a:pPr indent="0" lvl="0" marL="0" rtl="0" algn="r">
+            <a:pPr marL="0" lvl="0" indent="0" algn="r" rtl="0">
               <a:spcBef>
                 <a:spcPts val="0"/>
               </a:spcBef>
@@ -3509,11 +3628,11 @@
 </file>
 
 <file path=ppt/slideLayouts/slideLayout5.xml><?xml version="1.0" encoding="utf-8"?>
-<p:sldLayout xmlns:a="http://schemas.openxmlformats.org/drawingml/2006/main" xmlns:r="http://schemas.openxmlformats.org/officeDocument/2006/relationships" xmlns:mc="http://schemas.openxmlformats.org/markup-compatibility/2006" xmlns:mv="urn:schemas-microsoft-com:mac:vml" xmlns:p="http://schemas.openxmlformats.org/presentationml/2006/main" xmlns:c="http://schemas.openxmlformats.org/drawingml/2006/chart" xmlns:dgm="http://schemas.openxmlformats.org/drawingml/2006/diagram" xmlns:o="urn:schemas-microsoft-com:office:office" xmlns:v="urn:schemas-microsoft-com:vml" xmlns:pvml="urn:schemas-microsoft-com:office:powerpoint" xmlns:com="http://schemas.openxmlformats.org/drawingml/2006/compatibility" xmlns:p14="http://schemas.microsoft.com/office/powerpoint/2010/main" xmlns:p15="http://schemas.microsoft.com/office/powerpoint/2012/main" xmlns:ahyp="http://schemas.microsoft.com/office/drawing/2018/hyperlinkcolor" matchingName="Title only" type="titleOnly">
+<p:sldLayout xmlns:a="http://schemas.openxmlformats.org/drawingml/2006/main" xmlns:r="http://schemas.openxmlformats.org/officeDocument/2006/relationships" xmlns:p="http://schemas.openxmlformats.org/presentationml/2006/main" matchingName="Title only" type="titleOnly">
   <p:cSld name="TITLE_ONLY">
     <p:spTree>
       <p:nvGrpSpPr>
-        <p:cNvPr id="25" name="Shape 25"/>
+        <p:cNvPr id="1" name="Shape 25"/>
         <p:cNvGrpSpPr/>
         <p:nvPr/>
       </p:nvGrpSpPr>
@@ -3528,7 +3647,9 @@
       <p:sp>
         <p:nvSpPr>
           <p:cNvPr id="26" name="Google Shape;26;p6"/>
-          <p:cNvSpPr txBox="1"/>
+          <p:cNvSpPr txBox="1">
+            <a:spLocks noGrp="1"/>
+          </p:cNvSpPr>
           <p:nvPr>
             <p:ph type="title"/>
           </p:nvPr>
@@ -3543,7 +3664,7 @@
           </a:prstGeom>
         </p:spPr>
         <p:txBody>
-          <a:bodyPr anchorCtr="0" anchor="t" bIns="91425" lIns="91425" spcFirstLastPara="1" rIns="91425" wrap="square" tIns="91425">
+          <a:bodyPr spcFirstLastPara="1" wrap="square" lIns="91425" tIns="91425" rIns="91425" bIns="91425" anchor="t" anchorCtr="0">
             <a:normAutofit/>
           </a:bodyPr>
           <a:lstStyle>
@@ -3647,15 +3768,19 @@
               <a:defRPr/>
             </a:lvl9pPr>
           </a:lstStyle>
-          <a:p/>
+          <a:p>
+            <a:endParaRPr/>
+          </a:p>
         </p:txBody>
       </p:sp>
       <p:sp>
         <p:nvSpPr>
           <p:cNvPr id="27" name="Google Shape;27;p6"/>
-          <p:cNvSpPr txBox="1"/>
+          <p:cNvSpPr txBox="1">
+            <a:spLocks noGrp="1"/>
+          </p:cNvSpPr>
           <p:nvPr>
-            <p:ph idx="12" type="sldNum"/>
+            <p:ph type="sldNum" idx="12"/>
           </p:nvPr>
         </p:nvSpPr>
         <p:spPr>
@@ -3668,7 +3793,7 @@
           </a:prstGeom>
         </p:spPr>
         <p:txBody>
-          <a:bodyPr anchorCtr="0" anchor="ctr" bIns="91425" lIns="91425" spcFirstLastPara="1" rIns="91425" wrap="square" tIns="91425">
+          <a:bodyPr spcFirstLastPara="1" wrap="square" lIns="91425" tIns="91425" rIns="91425" bIns="91425" anchor="ctr" anchorCtr="0">
             <a:normAutofit/>
           </a:bodyPr>
           <a:lstStyle>
@@ -3710,7 +3835,7 @@
             </a:lvl9pPr>
           </a:lstStyle>
           <a:p>
-            <a:pPr indent="0" lvl="0" marL="0" rtl="0" algn="r">
+            <a:pPr marL="0" lvl="0" indent="0" algn="r" rtl="0">
               <a:spcBef>
                 <a:spcPts val="0"/>
               </a:spcBef>
@@ -3736,11 +3861,11 @@
 </file>
 
 <file path=ppt/slideLayouts/slideLayout6.xml><?xml version="1.0" encoding="utf-8"?>
-<p:sldLayout xmlns:a="http://schemas.openxmlformats.org/drawingml/2006/main" xmlns:r="http://schemas.openxmlformats.org/officeDocument/2006/relationships" xmlns:mc="http://schemas.openxmlformats.org/markup-compatibility/2006" xmlns:mv="urn:schemas-microsoft-com:mac:vml" xmlns:p="http://schemas.openxmlformats.org/presentationml/2006/main" xmlns:c="http://schemas.openxmlformats.org/drawingml/2006/chart" xmlns:dgm="http://schemas.openxmlformats.org/drawingml/2006/diagram" xmlns:o="urn:schemas-microsoft-com:office:office" xmlns:v="urn:schemas-microsoft-com:vml" xmlns:pvml="urn:schemas-microsoft-com:office:powerpoint" xmlns:com="http://schemas.openxmlformats.org/drawingml/2006/compatibility" xmlns:p14="http://schemas.microsoft.com/office/powerpoint/2010/main" xmlns:p15="http://schemas.microsoft.com/office/powerpoint/2012/main" xmlns:ahyp="http://schemas.microsoft.com/office/drawing/2018/hyperlinkcolor" matchingName="One column text">
+<p:sldLayout xmlns:a="http://schemas.openxmlformats.org/drawingml/2006/main" xmlns:r="http://schemas.openxmlformats.org/officeDocument/2006/relationships" xmlns:p="http://schemas.openxmlformats.org/presentationml/2006/main" matchingName="One column text">
   <p:cSld name="ONE_COLUMN_TEXT">
     <p:spTree>
       <p:nvGrpSpPr>
-        <p:cNvPr id="28" name="Shape 28"/>
+        <p:cNvPr id="1" name="Shape 28"/>
         <p:cNvGrpSpPr/>
         <p:nvPr/>
       </p:nvGrpSpPr>
@@ -3755,7 +3880,9 @@
       <p:sp>
         <p:nvSpPr>
           <p:cNvPr id="29" name="Google Shape;29;p7"/>
-          <p:cNvSpPr txBox="1"/>
+          <p:cNvSpPr txBox="1">
+            <a:spLocks noGrp="1"/>
+          </p:cNvSpPr>
           <p:nvPr>
             <p:ph type="title"/>
           </p:nvPr>
@@ -3770,7 +3897,7 @@
           </a:prstGeom>
         </p:spPr>
         <p:txBody>
-          <a:bodyPr anchorCtr="0" anchor="b" bIns="91425" lIns="91425" spcFirstLastPara="1" rIns="91425" wrap="square" tIns="91425">
+          <a:bodyPr spcFirstLastPara="1" wrap="square" lIns="91425" tIns="91425" rIns="91425" bIns="91425" anchor="b" anchorCtr="0">
             <a:normAutofit/>
           </a:bodyPr>
           <a:lstStyle>
@@ -3874,15 +4001,19 @@
               <a:defRPr sz="2400"/>
             </a:lvl9pPr>
           </a:lstStyle>
-          <a:p/>
+          <a:p>
+            <a:endParaRPr/>
+          </a:p>
         </p:txBody>
       </p:sp>
       <p:sp>
         <p:nvSpPr>
           <p:cNvPr id="30" name="Google Shape;30;p7"/>
-          <p:cNvSpPr txBox="1"/>
+          <p:cNvSpPr txBox="1">
+            <a:spLocks noGrp="1"/>
+          </p:cNvSpPr>
           <p:nvPr>
-            <p:ph idx="1" type="body"/>
+            <p:ph type="body" idx="1"/>
           </p:nvPr>
         </p:nvSpPr>
         <p:spPr>
@@ -3895,11 +4026,11 @@
           </a:prstGeom>
         </p:spPr>
         <p:txBody>
-          <a:bodyPr anchorCtr="0" anchor="t" bIns="91425" lIns="91425" spcFirstLastPara="1" rIns="91425" wrap="square" tIns="91425">
+          <a:bodyPr spcFirstLastPara="1" wrap="square" lIns="91425" tIns="91425" rIns="91425" bIns="91425" anchor="t" anchorCtr="0">
             <a:normAutofit/>
           </a:bodyPr>
           <a:lstStyle>
-            <a:lvl1pPr indent="-304800" lvl="0" marL="457200">
+            <a:lvl1pPr marL="457200" lvl="0" indent="-304800">
               <a:spcBef>
                 <a:spcPts val="0"/>
               </a:spcBef>
@@ -3910,7 +4041,7 @@
               <a:buChar char="●"/>
               <a:defRPr sz="1200"/>
             </a:lvl1pPr>
-            <a:lvl2pPr indent="-304800" lvl="1" marL="914400">
+            <a:lvl2pPr marL="914400" lvl="1" indent="-304800">
               <a:spcBef>
                 <a:spcPts val="0"/>
               </a:spcBef>
@@ -3921,7 +4052,7 @@
               <a:buChar char="○"/>
               <a:defRPr sz="1200"/>
             </a:lvl2pPr>
-            <a:lvl3pPr indent="-304800" lvl="2" marL="1371600">
+            <a:lvl3pPr marL="1371600" lvl="2" indent="-304800">
               <a:spcBef>
                 <a:spcPts val="0"/>
               </a:spcBef>
@@ -3932,7 +4063,7 @@
               <a:buChar char="■"/>
               <a:defRPr sz="1200"/>
             </a:lvl3pPr>
-            <a:lvl4pPr indent="-304800" lvl="3" marL="1828800">
+            <a:lvl4pPr marL="1828800" lvl="3" indent="-304800">
               <a:spcBef>
                 <a:spcPts val="0"/>
               </a:spcBef>
@@ -3943,7 +4074,7 @@
               <a:buChar char="●"/>
               <a:defRPr sz="1200"/>
             </a:lvl4pPr>
-            <a:lvl5pPr indent="-304800" lvl="4" marL="2286000">
+            <a:lvl5pPr marL="2286000" lvl="4" indent="-304800">
               <a:spcBef>
                 <a:spcPts val="0"/>
               </a:spcBef>
@@ -3954,7 +4085,7 @@
               <a:buChar char="○"/>
               <a:defRPr sz="1200"/>
             </a:lvl5pPr>
-            <a:lvl6pPr indent="-304800" lvl="5" marL="2743200">
+            <a:lvl6pPr marL="2743200" lvl="5" indent="-304800">
               <a:spcBef>
                 <a:spcPts val="0"/>
               </a:spcBef>
@@ -3965,7 +4096,7 @@
               <a:buChar char="■"/>
               <a:defRPr sz="1200"/>
             </a:lvl6pPr>
-            <a:lvl7pPr indent="-304800" lvl="6" marL="3200400">
+            <a:lvl7pPr marL="3200400" lvl="6" indent="-304800">
               <a:spcBef>
                 <a:spcPts val="0"/>
               </a:spcBef>
@@ -3976,7 +4107,7 @@
               <a:buChar char="●"/>
               <a:defRPr sz="1200"/>
             </a:lvl7pPr>
-            <a:lvl8pPr indent="-304800" lvl="7" marL="3657600">
+            <a:lvl8pPr marL="3657600" lvl="7" indent="-304800">
               <a:spcBef>
                 <a:spcPts val="0"/>
               </a:spcBef>
@@ -3987,7 +4118,7 @@
               <a:buChar char="○"/>
               <a:defRPr sz="1200"/>
             </a:lvl8pPr>
-            <a:lvl9pPr indent="-304800" lvl="8" marL="4114800">
+            <a:lvl9pPr marL="4114800" lvl="8" indent="-304800">
               <a:spcBef>
                 <a:spcPts val="0"/>
               </a:spcBef>
@@ -3999,15 +4130,19 @@
               <a:defRPr sz="1200"/>
             </a:lvl9pPr>
           </a:lstStyle>
-          <a:p/>
+          <a:p>
+            <a:endParaRPr/>
+          </a:p>
         </p:txBody>
       </p:sp>
       <p:sp>
         <p:nvSpPr>
           <p:cNvPr id="31" name="Google Shape;31;p7"/>
-          <p:cNvSpPr txBox="1"/>
+          <p:cNvSpPr txBox="1">
+            <a:spLocks noGrp="1"/>
+          </p:cNvSpPr>
           <p:nvPr>
-            <p:ph idx="12" type="sldNum"/>
+            <p:ph type="sldNum" idx="12"/>
           </p:nvPr>
         </p:nvSpPr>
         <p:spPr>
@@ -4020,7 +4155,7 @@
           </a:prstGeom>
         </p:spPr>
         <p:txBody>
-          <a:bodyPr anchorCtr="0" anchor="ctr" bIns="91425" lIns="91425" spcFirstLastPara="1" rIns="91425" wrap="square" tIns="91425">
+          <a:bodyPr spcFirstLastPara="1" wrap="square" lIns="91425" tIns="91425" rIns="91425" bIns="91425" anchor="ctr" anchorCtr="0">
             <a:normAutofit/>
           </a:bodyPr>
           <a:lstStyle>
@@ -4062,7 +4197,7 @@
             </a:lvl9pPr>
           </a:lstStyle>
           <a:p>
-            <a:pPr indent="0" lvl="0" marL="0" rtl="0" algn="r">
+            <a:pPr marL="0" lvl="0" indent="0" algn="r" rtl="0">
               <a:spcBef>
                 <a:spcPts val="0"/>
               </a:spcBef>
@@ -4088,11 +4223,11 @@
 </file>
 
 <file path=ppt/slideLayouts/slideLayout7.xml><?xml version="1.0" encoding="utf-8"?>
-<p:sldLayout xmlns:a="http://schemas.openxmlformats.org/drawingml/2006/main" xmlns:r="http://schemas.openxmlformats.org/officeDocument/2006/relationships" xmlns:mc="http://schemas.openxmlformats.org/markup-compatibility/2006" xmlns:mv="urn:schemas-microsoft-com:mac:vml" xmlns:p="http://schemas.openxmlformats.org/presentationml/2006/main" xmlns:c="http://schemas.openxmlformats.org/drawingml/2006/chart" xmlns:dgm="http://schemas.openxmlformats.org/drawingml/2006/diagram" xmlns:o="urn:schemas-microsoft-com:office:office" xmlns:v="urn:schemas-microsoft-com:vml" xmlns:pvml="urn:schemas-microsoft-com:office:powerpoint" xmlns:com="http://schemas.openxmlformats.org/drawingml/2006/compatibility" xmlns:p14="http://schemas.microsoft.com/office/powerpoint/2010/main" xmlns:p15="http://schemas.microsoft.com/office/powerpoint/2012/main" xmlns:ahyp="http://schemas.microsoft.com/office/drawing/2018/hyperlinkcolor" matchingName="Main point">
+<p:sldLayout xmlns:a="http://schemas.openxmlformats.org/drawingml/2006/main" xmlns:r="http://schemas.openxmlformats.org/officeDocument/2006/relationships" xmlns:p="http://schemas.openxmlformats.org/presentationml/2006/main" matchingName="Main point">
   <p:cSld name="MAIN_POINT">
     <p:spTree>
       <p:nvGrpSpPr>
-        <p:cNvPr id="32" name="Shape 32"/>
+        <p:cNvPr id="1" name="Shape 32"/>
         <p:cNvGrpSpPr/>
         <p:nvPr/>
       </p:nvGrpSpPr>
@@ -4107,7 +4242,9 @@
       <p:sp>
         <p:nvSpPr>
           <p:cNvPr id="33" name="Google Shape;33;p8"/>
-          <p:cNvSpPr txBox="1"/>
+          <p:cNvSpPr txBox="1">
+            <a:spLocks noGrp="1"/>
+          </p:cNvSpPr>
           <p:nvPr>
             <p:ph type="title"/>
           </p:nvPr>
@@ -4122,7 +4259,7 @@
           </a:prstGeom>
         </p:spPr>
         <p:txBody>
-          <a:bodyPr anchorCtr="0" anchor="ctr" bIns="91425" lIns="91425" spcFirstLastPara="1" rIns="91425" wrap="square" tIns="91425">
+          <a:bodyPr spcFirstLastPara="1" wrap="square" lIns="91425" tIns="91425" rIns="91425" bIns="91425" anchor="ctr" anchorCtr="0">
             <a:normAutofit/>
           </a:bodyPr>
           <a:lstStyle>
@@ -4226,15 +4363,19 @@
               <a:defRPr sz="4800"/>
             </a:lvl9pPr>
           </a:lstStyle>
-          <a:p/>
+          <a:p>
+            <a:endParaRPr/>
+          </a:p>
         </p:txBody>
       </p:sp>
       <p:sp>
         <p:nvSpPr>
           <p:cNvPr id="34" name="Google Shape;34;p8"/>
-          <p:cNvSpPr txBox="1"/>
+          <p:cNvSpPr txBox="1">
+            <a:spLocks noGrp="1"/>
+          </p:cNvSpPr>
           <p:nvPr>
-            <p:ph idx="12" type="sldNum"/>
+            <p:ph type="sldNum" idx="12"/>
           </p:nvPr>
         </p:nvSpPr>
         <p:spPr>
@@ -4247,7 +4388,7 @@
           </a:prstGeom>
         </p:spPr>
         <p:txBody>
-          <a:bodyPr anchorCtr="0" anchor="ctr" bIns="91425" lIns="91425" spcFirstLastPara="1" rIns="91425" wrap="square" tIns="91425">
+          <a:bodyPr spcFirstLastPara="1" wrap="square" lIns="91425" tIns="91425" rIns="91425" bIns="91425" anchor="ctr" anchorCtr="0">
             <a:normAutofit/>
           </a:bodyPr>
           <a:lstStyle>
@@ -4289,7 +4430,7 @@
             </a:lvl9pPr>
           </a:lstStyle>
           <a:p>
-            <a:pPr indent="0" lvl="0" marL="0" rtl="0" algn="r">
+            <a:pPr marL="0" lvl="0" indent="0" algn="r" rtl="0">
               <a:spcBef>
                 <a:spcPts val="0"/>
               </a:spcBef>
@@ -4315,11 +4456,11 @@
 </file>
 
 <file path=ppt/slideLayouts/slideLayout8.xml><?xml version="1.0" encoding="utf-8"?>
-<p:sldLayout xmlns:a="http://schemas.openxmlformats.org/drawingml/2006/main" xmlns:r="http://schemas.openxmlformats.org/officeDocument/2006/relationships" xmlns:mc="http://schemas.openxmlformats.org/markup-compatibility/2006" xmlns:mv="urn:schemas-microsoft-com:mac:vml" xmlns:p="http://schemas.openxmlformats.org/presentationml/2006/main" xmlns:c="http://schemas.openxmlformats.org/drawingml/2006/chart" xmlns:dgm="http://schemas.openxmlformats.org/drawingml/2006/diagram" xmlns:o="urn:schemas-microsoft-com:office:office" xmlns:v="urn:schemas-microsoft-com:vml" xmlns:pvml="urn:schemas-microsoft-com:office:powerpoint" xmlns:com="http://schemas.openxmlformats.org/drawingml/2006/compatibility" xmlns:p14="http://schemas.microsoft.com/office/powerpoint/2010/main" xmlns:p15="http://schemas.microsoft.com/office/powerpoint/2012/main" xmlns:ahyp="http://schemas.microsoft.com/office/drawing/2018/hyperlinkcolor" matchingName="Section title and description">
+<p:sldLayout xmlns:a="http://schemas.openxmlformats.org/drawingml/2006/main" xmlns:r="http://schemas.openxmlformats.org/officeDocument/2006/relationships" xmlns:p="http://schemas.openxmlformats.org/presentationml/2006/main" matchingName="Section title and description">
   <p:cSld name="SECTION_TITLE_AND_DESCRIPTION">
     <p:spTree>
       <p:nvGrpSpPr>
-        <p:cNvPr id="35" name="Shape 35"/>
+        <p:cNvPr id="1" name="Shape 35"/>
         <p:cNvGrpSpPr/>
         <p:nvPr/>
       </p:nvGrpSpPr>
@@ -4353,12 +4494,12 @@
           </a:ln>
         </p:spPr>
         <p:txBody>
-          <a:bodyPr anchorCtr="0" anchor="ctr" bIns="91425" lIns="91425" spcFirstLastPara="1" rIns="91425" wrap="square" tIns="91425">
+          <a:bodyPr spcFirstLastPara="1" wrap="square" lIns="91425" tIns="91425" rIns="91425" bIns="91425" anchor="ctr" anchorCtr="0">
             <a:noAutofit/>
           </a:bodyPr>
           <a:lstStyle/>
           <a:p>
-            <a:pPr indent="0" lvl="0" marL="0" rtl="0" algn="l">
+            <a:pPr marL="0" lvl="0" indent="0" algn="l" rtl="0">
               <a:spcBef>
                 <a:spcPts val="0"/>
               </a:spcBef>
@@ -4367,9 +4508,6 @@
               </a:spcAft>
               <a:buNone/>
             </a:pPr>
-            <a:r>
-              <a:t/>
-            </a:r>
             <a:endParaRPr/>
           </a:p>
         </p:txBody>
@@ -4377,7 +4515,9 @@
       <p:sp>
         <p:nvSpPr>
           <p:cNvPr id="37" name="Google Shape;37;p9"/>
-          <p:cNvSpPr txBox="1"/>
+          <p:cNvSpPr txBox="1">
+            <a:spLocks noGrp="1"/>
+          </p:cNvSpPr>
           <p:nvPr>
             <p:ph type="title"/>
           </p:nvPr>
@@ -4392,7 +4532,7 @@
           </a:prstGeom>
         </p:spPr>
         <p:txBody>
-          <a:bodyPr anchorCtr="0" anchor="b" bIns="91425" lIns="91425" spcFirstLastPara="1" rIns="91425" wrap="square" tIns="91425">
+          <a:bodyPr spcFirstLastPara="1" wrap="square" lIns="91425" tIns="91425" rIns="91425" bIns="91425" anchor="b" anchorCtr="0">
             <a:normAutofit/>
           </a:bodyPr>
           <a:lstStyle>
@@ -4496,15 +4636,19 @@
               <a:defRPr sz="4200"/>
             </a:lvl9pPr>
           </a:lstStyle>
-          <a:p/>
+          <a:p>
+            <a:endParaRPr/>
+          </a:p>
         </p:txBody>
       </p:sp>
       <p:sp>
         <p:nvSpPr>
           <p:cNvPr id="38" name="Google Shape;38;p9"/>
-          <p:cNvSpPr txBox="1"/>
+          <p:cNvSpPr txBox="1">
+            <a:spLocks noGrp="1"/>
+          </p:cNvSpPr>
           <p:nvPr>
-            <p:ph idx="1" type="subTitle"/>
+            <p:ph type="subTitle" idx="1"/>
           </p:nvPr>
         </p:nvSpPr>
         <p:spPr>
@@ -4517,7 +4661,7 @@
           </a:prstGeom>
         </p:spPr>
         <p:txBody>
-          <a:bodyPr anchorCtr="0" anchor="t" bIns="91425" lIns="91425" spcFirstLastPara="1" rIns="91425" wrap="square" tIns="91425">
+          <a:bodyPr spcFirstLastPara="1" wrap="square" lIns="91425" tIns="91425" rIns="91425" bIns="91425" anchor="t" anchorCtr="0">
             <a:normAutofit/>
           </a:bodyPr>
           <a:lstStyle>
@@ -4648,15 +4792,19 @@
               <a:defRPr sz="2100"/>
             </a:lvl9pPr>
           </a:lstStyle>
-          <a:p/>
+          <a:p>
+            <a:endParaRPr/>
+          </a:p>
         </p:txBody>
       </p:sp>
       <p:sp>
         <p:nvSpPr>
           <p:cNvPr id="39" name="Google Shape;39;p9"/>
-          <p:cNvSpPr txBox="1"/>
+          <p:cNvSpPr txBox="1">
+            <a:spLocks noGrp="1"/>
+          </p:cNvSpPr>
           <p:nvPr>
-            <p:ph idx="2" type="body"/>
+            <p:ph type="body" idx="2"/>
           </p:nvPr>
         </p:nvSpPr>
         <p:spPr>
@@ -4669,11 +4817,11 @@
           </a:prstGeom>
         </p:spPr>
         <p:txBody>
-          <a:bodyPr anchorCtr="0" anchor="ctr" bIns="91425" lIns="91425" spcFirstLastPara="1" rIns="91425" wrap="square" tIns="91425">
+          <a:bodyPr spcFirstLastPara="1" wrap="square" lIns="91425" tIns="91425" rIns="91425" bIns="91425" anchor="ctr" anchorCtr="0">
             <a:normAutofit/>
           </a:bodyPr>
           <a:lstStyle>
-            <a:lvl1pPr indent="-342900" lvl="0" marL="457200">
+            <a:lvl1pPr marL="457200" lvl="0" indent="-342900">
               <a:spcBef>
                 <a:spcPts val="0"/>
               </a:spcBef>
@@ -4691,7 +4839,7 @@
                 </a:solidFill>
               </a:defRPr>
             </a:lvl1pPr>
-            <a:lvl2pPr indent="-317500" lvl="1" marL="914400">
+            <a:lvl2pPr marL="914400" lvl="1" indent="-317500">
               <a:spcBef>
                 <a:spcPts val="0"/>
               </a:spcBef>
@@ -4709,7 +4857,7 @@
                 </a:solidFill>
               </a:defRPr>
             </a:lvl2pPr>
-            <a:lvl3pPr indent="-317500" lvl="2" marL="1371600">
+            <a:lvl3pPr marL="1371600" lvl="2" indent="-317500">
               <a:spcBef>
                 <a:spcPts val="0"/>
               </a:spcBef>
@@ -4727,7 +4875,7 @@
                 </a:solidFill>
               </a:defRPr>
             </a:lvl3pPr>
-            <a:lvl4pPr indent="-317500" lvl="3" marL="1828800">
+            <a:lvl4pPr marL="1828800" lvl="3" indent="-317500">
               <a:spcBef>
                 <a:spcPts val="0"/>
               </a:spcBef>
@@ -4745,7 +4893,7 @@
                 </a:solidFill>
               </a:defRPr>
             </a:lvl4pPr>
-            <a:lvl5pPr indent="-317500" lvl="4" marL="2286000">
+            <a:lvl5pPr marL="2286000" lvl="4" indent="-317500">
               <a:spcBef>
                 <a:spcPts val="0"/>
               </a:spcBef>
@@ -4763,7 +4911,7 @@
                 </a:solidFill>
               </a:defRPr>
             </a:lvl5pPr>
-            <a:lvl6pPr indent="-317500" lvl="5" marL="2743200">
+            <a:lvl6pPr marL="2743200" lvl="5" indent="-317500">
               <a:spcBef>
                 <a:spcPts val="0"/>
               </a:spcBef>
@@ -4781,7 +4929,7 @@
                 </a:solidFill>
               </a:defRPr>
             </a:lvl6pPr>
-            <a:lvl7pPr indent="-317500" lvl="6" marL="3200400">
+            <a:lvl7pPr marL="3200400" lvl="6" indent="-317500">
               <a:spcBef>
                 <a:spcPts val="0"/>
               </a:spcBef>
@@ -4799,7 +4947,7 @@
                 </a:solidFill>
               </a:defRPr>
             </a:lvl7pPr>
-            <a:lvl8pPr indent="-317500" lvl="7" marL="3657600">
+            <a:lvl8pPr marL="3657600" lvl="7" indent="-317500">
               <a:spcBef>
                 <a:spcPts val="0"/>
               </a:spcBef>
@@ -4817,7 +4965,7 @@
                 </a:solidFill>
               </a:defRPr>
             </a:lvl8pPr>
-            <a:lvl9pPr indent="-317500" lvl="8" marL="4114800">
+            <a:lvl9pPr marL="4114800" lvl="8" indent="-317500">
               <a:spcBef>
                 <a:spcPts val="0"/>
               </a:spcBef>
@@ -4836,15 +4984,19 @@
               </a:defRPr>
             </a:lvl9pPr>
           </a:lstStyle>
-          <a:p/>
+          <a:p>
+            <a:endParaRPr/>
+          </a:p>
         </p:txBody>
       </p:sp>
       <p:sp>
         <p:nvSpPr>
           <p:cNvPr id="40" name="Google Shape;40;p9"/>
-          <p:cNvSpPr txBox="1"/>
+          <p:cNvSpPr txBox="1">
+            <a:spLocks noGrp="1"/>
+          </p:cNvSpPr>
           <p:nvPr>
-            <p:ph idx="12" type="sldNum"/>
+            <p:ph type="sldNum" idx="12"/>
           </p:nvPr>
         </p:nvSpPr>
         <p:spPr>
@@ -4857,7 +5009,7 @@
           </a:prstGeom>
         </p:spPr>
         <p:txBody>
-          <a:bodyPr anchorCtr="0" anchor="ctr" bIns="91425" lIns="91425" spcFirstLastPara="1" rIns="91425" wrap="square" tIns="91425">
+          <a:bodyPr spcFirstLastPara="1" wrap="square" lIns="91425" tIns="91425" rIns="91425" bIns="91425" anchor="ctr" anchorCtr="0">
             <a:normAutofit/>
           </a:bodyPr>
           <a:lstStyle>
@@ -4899,7 +5051,7 @@
             </a:lvl9pPr>
           </a:lstStyle>
           <a:p>
-            <a:pPr indent="0" lvl="0" marL="0" rtl="0" algn="r">
+            <a:pPr marL="0" lvl="0" indent="0" algn="r" rtl="0">
               <a:spcBef>
                 <a:spcPts val="0"/>
               </a:spcBef>
@@ -4925,11 +5077,11 @@
 </file>
 
 <file path=ppt/slideLayouts/slideLayout9.xml><?xml version="1.0" encoding="utf-8"?>
-<p:sldLayout xmlns:a="http://schemas.openxmlformats.org/drawingml/2006/main" xmlns:r="http://schemas.openxmlformats.org/officeDocument/2006/relationships" xmlns:mc="http://schemas.openxmlformats.org/markup-compatibility/2006" xmlns:mv="urn:schemas-microsoft-com:mac:vml" xmlns:p="http://schemas.openxmlformats.org/presentationml/2006/main" xmlns:c="http://schemas.openxmlformats.org/drawingml/2006/chart" xmlns:dgm="http://schemas.openxmlformats.org/drawingml/2006/diagram" xmlns:o="urn:schemas-microsoft-com:office:office" xmlns:v="urn:schemas-microsoft-com:vml" xmlns:pvml="urn:schemas-microsoft-com:office:powerpoint" xmlns:com="http://schemas.openxmlformats.org/drawingml/2006/compatibility" xmlns:p14="http://schemas.microsoft.com/office/powerpoint/2010/main" xmlns:p15="http://schemas.microsoft.com/office/powerpoint/2012/main" xmlns:ahyp="http://schemas.microsoft.com/office/drawing/2018/hyperlinkcolor" matchingName="Caption">
+<p:sldLayout xmlns:a="http://schemas.openxmlformats.org/drawingml/2006/main" xmlns:r="http://schemas.openxmlformats.org/officeDocument/2006/relationships" xmlns:p="http://schemas.openxmlformats.org/presentationml/2006/main" matchingName="Caption">
   <p:cSld name="CAPTION_ONLY">
     <p:spTree>
       <p:nvGrpSpPr>
-        <p:cNvPr id="41" name="Shape 41"/>
+        <p:cNvPr id="1" name="Shape 41"/>
         <p:cNvGrpSpPr/>
         <p:nvPr/>
       </p:nvGrpSpPr>
@@ -4944,9 +5096,11 @@
       <p:sp>
         <p:nvSpPr>
           <p:cNvPr id="42" name="Google Shape;42;p10"/>
-          <p:cNvSpPr txBox="1"/>
+          <p:cNvSpPr txBox="1">
+            <a:spLocks noGrp="1"/>
+          </p:cNvSpPr>
           <p:nvPr>
-            <p:ph idx="1" type="body"/>
+            <p:ph type="body" idx="1"/>
           </p:nvPr>
         </p:nvSpPr>
         <p:spPr>
@@ -4959,11 +5113,11 @@
           </a:prstGeom>
         </p:spPr>
         <p:txBody>
-          <a:bodyPr anchorCtr="0" anchor="ctr" bIns="91425" lIns="91425" spcFirstLastPara="1" rIns="91425" wrap="square" tIns="91425">
+          <a:bodyPr spcFirstLastPara="1" wrap="square" lIns="91425" tIns="91425" rIns="91425" bIns="91425" anchor="ctr" anchorCtr="0">
             <a:normAutofit/>
           </a:bodyPr>
           <a:lstStyle>
-            <a:lvl1pPr indent="-228600" lvl="0" marL="457200">
+            <a:lvl1pPr marL="457200" lvl="0" indent="-228600">
               <a:lnSpc>
                 <a:spcPct val="100000"/>
               </a:lnSpc>
@@ -4978,15 +5132,19 @@
               <a:defRPr/>
             </a:lvl1pPr>
           </a:lstStyle>
-          <a:p/>
+          <a:p>
+            <a:endParaRPr/>
+          </a:p>
         </p:txBody>
       </p:sp>
       <p:sp>
         <p:nvSpPr>
           <p:cNvPr id="43" name="Google Shape;43;p10"/>
-          <p:cNvSpPr txBox="1"/>
+          <p:cNvSpPr txBox="1">
+            <a:spLocks noGrp="1"/>
+          </p:cNvSpPr>
           <p:nvPr>
-            <p:ph idx="12" type="sldNum"/>
+            <p:ph type="sldNum" idx="12"/>
           </p:nvPr>
         </p:nvSpPr>
         <p:spPr>
@@ -4999,7 +5157,7 @@
           </a:prstGeom>
         </p:spPr>
         <p:txBody>
-          <a:bodyPr anchorCtr="0" anchor="ctr" bIns="91425" lIns="91425" spcFirstLastPara="1" rIns="91425" wrap="square" tIns="91425">
+          <a:bodyPr spcFirstLastPara="1" wrap="square" lIns="91425" tIns="91425" rIns="91425" bIns="91425" anchor="ctr" anchorCtr="0">
             <a:normAutofit/>
           </a:bodyPr>
           <a:lstStyle>
@@ -5041,7 +5199,7 @@
             </a:lvl9pPr>
           </a:lstStyle>
           <a:p>
-            <a:pPr indent="0" lvl="0" marL="0" rtl="0" algn="r">
+            <a:pPr marL="0" lvl="0" indent="0" algn="r" rtl="0">
               <a:spcBef>
                 <a:spcPts val="0"/>
               </a:spcBef>
@@ -5067,18 +5225,19 @@
 </file>
 
 <file path=ppt/slideMasters/slideMaster1.xml><?xml version="1.0" encoding="utf-8"?>
-<p:sldMaster xmlns:a="http://schemas.openxmlformats.org/drawingml/2006/main" xmlns:r="http://schemas.openxmlformats.org/officeDocument/2006/relationships" xmlns:mc="http://schemas.openxmlformats.org/markup-compatibility/2006" xmlns:mv="urn:schemas-microsoft-com:mac:vml" xmlns:p="http://schemas.openxmlformats.org/presentationml/2006/main" xmlns:c="http://schemas.openxmlformats.org/drawingml/2006/chart" xmlns:dgm="http://schemas.openxmlformats.org/drawingml/2006/diagram" xmlns:o="urn:schemas-microsoft-com:office:office" xmlns:v="urn:schemas-microsoft-com:vml" xmlns:pvml="urn:schemas-microsoft-com:office:powerpoint" xmlns:com="http://schemas.openxmlformats.org/drawingml/2006/compatibility" xmlns:p14="http://schemas.microsoft.com/office/powerpoint/2010/main" xmlns:p15="http://schemas.microsoft.com/office/powerpoint/2012/main" xmlns:ahyp="http://schemas.microsoft.com/office/drawing/2018/hyperlinkcolor">
+<p:sldMaster xmlns:a="http://schemas.openxmlformats.org/drawingml/2006/main" xmlns:r="http://schemas.openxmlformats.org/officeDocument/2006/relationships" xmlns:p="http://schemas.openxmlformats.org/presentationml/2006/main">
   <p:cSld name="simple-dark-2">
     <p:bg>
       <p:bgPr>
         <a:solidFill>
           <a:schemeClr val="lt1"/>
         </a:solidFill>
+        <a:effectLst/>
       </p:bgPr>
     </p:bg>
     <p:spTree>
       <p:nvGrpSpPr>
-        <p:cNvPr id="5" name="Shape 5"/>
+        <p:cNvPr id="1" name="Shape 5"/>
         <p:cNvGrpSpPr/>
         <p:nvPr/>
       </p:nvGrpSpPr>
@@ -5093,7 +5252,9 @@
       <p:sp>
         <p:nvSpPr>
           <p:cNvPr id="6" name="Google Shape;6;p1"/>
-          <p:cNvSpPr txBox="1"/>
+          <p:cNvSpPr txBox="1">
+            <a:spLocks noGrp="1"/>
+          </p:cNvSpPr>
           <p:nvPr>
             <p:ph type="title"/>
           </p:nvPr>
@@ -5112,7 +5273,7 @@
           </a:ln>
         </p:spPr>
         <p:txBody>
-          <a:bodyPr anchorCtr="0" anchor="t" bIns="91425" lIns="91425" spcFirstLastPara="1" rIns="91425" wrap="square" tIns="91425">
+          <a:bodyPr spcFirstLastPara="1" wrap="square" lIns="91425" tIns="91425" rIns="91425" bIns="91425" anchor="t" anchorCtr="0">
             <a:normAutofit/>
           </a:bodyPr>
           <a:lstStyle>
@@ -5279,15 +5440,19 @@
               </a:defRPr>
             </a:lvl9pPr>
           </a:lstStyle>
-          <a:p/>
+          <a:p>
+            <a:endParaRPr/>
+          </a:p>
         </p:txBody>
       </p:sp>
       <p:sp>
         <p:nvSpPr>
           <p:cNvPr id="7" name="Google Shape;7;p1"/>
-          <p:cNvSpPr txBox="1"/>
+          <p:cNvSpPr txBox="1">
+            <a:spLocks noGrp="1"/>
+          </p:cNvSpPr>
           <p:nvPr>
-            <p:ph idx="1" type="body"/>
+            <p:ph type="body" idx="1"/>
           </p:nvPr>
         </p:nvSpPr>
         <p:spPr>
@@ -5304,11 +5469,11 @@
           </a:ln>
         </p:spPr>
         <p:txBody>
-          <a:bodyPr anchorCtr="0" anchor="t" bIns="91425" lIns="91425" spcFirstLastPara="1" rIns="91425" wrap="square" tIns="91425">
+          <a:bodyPr spcFirstLastPara="1" wrap="square" lIns="91425" tIns="91425" rIns="91425" bIns="91425" anchor="t" anchorCtr="0">
             <a:normAutofit/>
           </a:bodyPr>
           <a:lstStyle>
-            <a:lvl1pPr indent="-342900" lvl="0" marL="457200">
+            <a:lvl1pPr marL="457200" lvl="0" indent="-342900">
               <a:lnSpc>
                 <a:spcPct val="115000"/>
               </a:lnSpc>
@@ -5329,7 +5494,7 @@
                 </a:solidFill>
               </a:defRPr>
             </a:lvl1pPr>
-            <a:lvl2pPr indent="-317500" lvl="1" marL="914400">
+            <a:lvl2pPr marL="914400" lvl="1" indent="-317500">
               <a:lnSpc>
                 <a:spcPct val="115000"/>
               </a:lnSpc>
@@ -5350,7 +5515,7 @@
                 </a:solidFill>
               </a:defRPr>
             </a:lvl2pPr>
-            <a:lvl3pPr indent="-317500" lvl="2" marL="1371600">
+            <a:lvl3pPr marL="1371600" lvl="2" indent="-317500">
               <a:lnSpc>
                 <a:spcPct val="115000"/>
               </a:lnSpc>
@@ -5371,7 +5536,7 @@
                 </a:solidFill>
               </a:defRPr>
             </a:lvl3pPr>
-            <a:lvl4pPr indent="-317500" lvl="3" marL="1828800">
+            <a:lvl4pPr marL="1828800" lvl="3" indent="-317500">
               <a:lnSpc>
                 <a:spcPct val="115000"/>
               </a:lnSpc>
@@ -5392,7 +5557,7 @@
                 </a:solidFill>
               </a:defRPr>
             </a:lvl4pPr>
-            <a:lvl5pPr indent="-317500" lvl="4" marL="2286000">
+            <a:lvl5pPr marL="2286000" lvl="4" indent="-317500">
               <a:lnSpc>
                 <a:spcPct val="115000"/>
               </a:lnSpc>
@@ -5413,7 +5578,7 @@
                 </a:solidFill>
               </a:defRPr>
             </a:lvl5pPr>
-            <a:lvl6pPr indent="-317500" lvl="5" marL="2743200">
+            <a:lvl6pPr marL="2743200" lvl="5" indent="-317500">
               <a:lnSpc>
                 <a:spcPct val="115000"/>
               </a:lnSpc>
@@ -5434,7 +5599,7 @@
                 </a:solidFill>
               </a:defRPr>
             </a:lvl6pPr>
-            <a:lvl7pPr indent="-317500" lvl="6" marL="3200400">
+            <a:lvl7pPr marL="3200400" lvl="6" indent="-317500">
               <a:lnSpc>
                 <a:spcPct val="115000"/>
               </a:lnSpc>
@@ -5455,7 +5620,7 @@
                 </a:solidFill>
               </a:defRPr>
             </a:lvl7pPr>
-            <a:lvl8pPr indent="-317500" lvl="7" marL="3657600">
+            <a:lvl8pPr marL="3657600" lvl="7" indent="-317500">
               <a:lnSpc>
                 <a:spcPct val="115000"/>
               </a:lnSpc>
@@ -5476,7 +5641,7 @@
                 </a:solidFill>
               </a:defRPr>
             </a:lvl8pPr>
-            <a:lvl9pPr indent="-317500" lvl="8" marL="4114800">
+            <a:lvl9pPr marL="4114800" lvl="8" indent="-317500">
               <a:lnSpc>
                 <a:spcPct val="115000"/>
               </a:lnSpc>
@@ -5498,15 +5663,19 @@
               </a:defRPr>
             </a:lvl9pPr>
           </a:lstStyle>
-          <a:p/>
+          <a:p>
+            <a:endParaRPr/>
+          </a:p>
         </p:txBody>
       </p:sp>
       <p:sp>
         <p:nvSpPr>
           <p:cNvPr id="8" name="Google Shape;8;p1"/>
-          <p:cNvSpPr txBox="1"/>
+          <p:cNvSpPr txBox="1">
+            <a:spLocks noGrp="1"/>
+          </p:cNvSpPr>
           <p:nvPr>
-            <p:ph idx="12" type="sldNum"/>
+            <p:ph type="sldNum" idx="12"/>
           </p:nvPr>
         </p:nvSpPr>
         <p:spPr>
@@ -5523,7 +5692,7 @@
           </a:ln>
         </p:spPr>
         <p:txBody>
-          <a:bodyPr anchorCtr="0" anchor="ctr" bIns="91425" lIns="91425" spcFirstLastPara="1" rIns="91425" wrap="square" tIns="91425">
+          <a:bodyPr spcFirstLastPara="1" wrap="square" lIns="91425" tIns="91425" rIns="91425" bIns="91425" anchor="ctr" anchorCtr="0">
             <a:normAutofit/>
           </a:bodyPr>
           <a:lstStyle>
@@ -5601,7 +5770,7 @@
             </a:lvl9pPr>
           </a:lstStyle>
           <a:p>
-            <a:pPr indent="0" lvl="0" marL="0" rtl="0" algn="r">
+            <a:pPr marL="0" lvl="0" indent="0" algn="r" rtl="0">
               <a:spcBef>
                 <a:spcPts val="0"/>
               </a:spcBef>
@@ -5620,7 +5789,7 @@
       </p:sp>
     </p:spTree>
   </p:cSld>
-  <p:clrMap accent1="accent1" accent2="accent2" accent3="accent3" accent4="accent4" accent5="accent5" accent6="accent6" bg1="lt1" bg2="dk2" tx1="dk1" tx2="lt2" folHlink="folHlink" hlink="hlink"/>
+  <p:clrMap bg1="lt1" tx1="dk1" bg2="dk2" tx2="lt2" accent1="accent1" accent2="accent2" accent3="accent3" accent4="accent4" accent5="accent5" accent6="accent6" hlink="hlink" folHlink="folHlink"/>
   <p:sldLayoutIdLst>
     <p:sldLayoutId id="2147483648" r:id="rId1"/>
     <p:sldLayoutId id="2147483649" r:id="rId2"/>
@@ -5634,10 +5803,10 @@
     <p:sldLayoutId id="2147483657" r:id="rId10"/>
     <p:sldLayoutId id="2147483658" r:id="rId11"/>
   </p:sldLayoutIdLst>
-  <p:hf dt="0" ftr="0" hdr="0" sldNum="0"/>
+  <p:hf sldNum="0" hdr="0" ftr="0" dt="0"/>
   <p:txStyles>
     <p:titleStyle>
-      <a:defPPr lvl="0" marR="0" rtl="0" algn="l">
+      <a:defPPr marR="0" lvl="0" algn="l" rtl="0">
         <a:lnSpc>
           <a:spcPct val="100000"/>
         </a:lnSpc>
@@ -5648,7 +5817,7 @@
           <a:spcPts val="0"/>
         </a:spcAft>
       </a:defPPr>
-      <a:lvl1pPr lvl="0" marR="0" rtl="0" algn="l">
+      <a:lvl1pPr marR="0" lvl="0" algn="l" rtl="0">
         <a:lnSpc>
           <a:spcPct val="100000"/>
         </a:lnSpc>
@@ -5662,7 +5831,7 @@
           <a:srgbClr val="000000"/>
         </a:buClr>
         <a:buFont typeface="Arial"/>
-        <a:defRPr b="0" i="0" sz="1400" u="none" cap="none" strike="noStrike">
+        <a:defRPr sz="1400" b="0" i="0" u="none" strike="noStrike" cap="none">
           <a:solidFill>
             <a:srgbClr val="000000"/>
           </a:solidFill>
@@ -5672,7 +5841,7 @@
           <a:sym typeface="Arial"/>
         </a:defRPr>
       </a:lvl1pPr>
-      <a:lvl2pPr lvl="1" marR="0" rtl="0" algn="l">
+      <a:lvl2pPr marR="0" lvl="1" algn="l" rtl="0">
         <a:lnSpc>
           <a:spcPct val="100000"/>
         </a:lnSpc>
@@ -5686,7 +5855,7 @@
           <a:srgbClr val="000000"/>
         </a:buClr>
         <a:buFont typeface="Arial"/>
-        <a:defRPr b="0" i="0" sz="1400" u="none" cap="none" strike="noStrike">
+        <a:defRPr sz="1400" b="0" i="0" u="none" strike="noStrike" cap="none">
           <a:solidFill>
             <a:srgbClr val="000000"/>
           </a:solidFill>
@@ -5696,7 +5865,7 @@
           <a:sym typeface="Arial"/>
         </a:defRPr>
       </a:lvl2pPr>
-      <a:lvl3pPr lvl="2" marR="0" rtl="0" algn="l">
+      <a:lvl3pPr marR="0" lvl="2" algn="l" rtl="0">
         <a:lnSpc>
           <a:spcPct val="100000"/>
         </a:lnSpc>
@@ -5710,7 +5879,7 @@
           <a:srgbClr val="000000"/>
         </a:buClr>
         <a:buFont typeface="Arial"/>
-        <a:defRPr b="0" i="0" sz="1400" u="none" cap="none" strike="noStrike">
+        <a:defRPr sz="1400" b="0" i="0" u="none" strike="noStrike" cap="none">
           <a:solidFill>
             <a:srgbClr val="000000"/>
           </a:solidFill>
@@ -5720,7 +5889,7 @@
           <a:sym typeface="Arial"/>
         </a:defRPr>
       </a:lvl3pPr>
-      <a:lvl4pPr lvl="3" marR="0" rtl="0" algn="l">
+      <a:lvl4pPr marR="0" lvl="3" algn="l" rtl="0">
         <a:lnSpc>
           <a:spcPct val="100000"/>
         </a:lnSpc>
@@ -5734,7 +5903,7 @@
           <a:srgbClr val="000000"/>
         </a:buClr>
         <a:buFont typeface="Arial"/>
-        <a:defRPr b="0" i="0" sz="1400" u="none" cap="none" strike="noStrike">
+        <a:defRPr sz="1400" b="0" i="0" u="none" strike="noStrike" cap="none">
           <a:solidFill>
             <a:srgbClr val="000000"/>
           </a:solidFill>
@@ -5744,7 +5913,7 @@
           <a:sym typeface="Arial"/>
         </a:defRPr>
       </a:lvl4pPr>
-      <a:lvl5pPr lvl="4" marR="0" rtl="0" algn="l">
+      <a:lvl5pPr marR="0" lvl="4" algn="l" rtl="0">
         <a:lnSpc>
           <a:spcPct val="100000"/>
         </a:lnSpc>
@@ -5758,7 +5927,7 @@
           <a:srgbClr val="000000"/>
         </a:buClr>
         <a:buFont typeface="Arial"/>
-        <a:defRPr b="0" i="0" sz="1400" u="none" cap="none" strike="noStrike">
+        <a:defRPr sz="1400" b="0" i="0" u="none" strike="noStrike" cap="none">
           <a:solidFill>
             <a:srgbClr val="000000"/>
           </a:solidFill>
@@ -5768,7 +5937,7 @@
           <a:sym typeface="Arial"/>
         </a:defRPr>
       </a:lvl5pPr>
-      <a:lvl6pPr lvl="5" marR="0" rtl="0" algn="l">
+      <a:lvl6pPr marR="0" lvl="5" algn="l" rtl="0">
         <a:lnSpc>
           <a:spcPct val="100000"/>
         </a:lnSpc>
@@ -5782,7 +5951,7 @@
           <a:srgbClr val="000000"/>
         </a:buClr>
         <a:buFont typeface="Arial"/>
-        <a:defRPr b="0" i="0" sz="1400" u="none" cap="none" strike="noStrike">
+        <a:defRPr sz="1400" b="0" i="0" u="none" strike="noStrike" cap="none">
           <a:solidFill>
             <a:srgbClr val="000000"/>
           </a:solidFill>
@@ -5792,7 +5961,7 @@
           <a:sym typeface="Arial"/>
         </a:defRPr>
       </a:lvl6pPr>
-      <a:lvl7pPr lvl="6" marR="0" rtl="0" algn="l">
+      <a:lvl7pPr marR="0" lvl="6" algn="l" rtl="0">
         <a:lnSpc>
           <a:spcPct val="100000"/>
         </a:lnSpc>
@@ -5806,7 +5975,7 @@
           <a:srgbClr val="000000"/>
         </a:buClr>
         <a:buFont typeface="Arial"/>
-        <a:defRPr b="0" i="0" sz="1400" u="none" cap="none" strike="noStrike">
+        <a:defRPr sz="1400" b="0" i="0" u="none" strike="noStrike" cap="none">
           <a:solidFill>
             <a:srgbClr val="000000"/>
           </a:solidFill>
@@ -5816,7 +5985,7 @@
           <a:sym typeface="Arial"/>
         </a:defRPr>
       </a:lvl7pPr>
-      <a:lvl8pPr lvl="7" marR="0" rtl="0" algn="l">
+      <a:lvl8pPr marR="0" lvl="7" algn="l" rtl="0">
         <a:lnSpc>
           <a:spcPct val="100000"/>
         </a:lnSpc>
@@ -5830,7 +5999,7 @@
           <a:srgbClr val="000000"/>
         </a:buClr>
         <a:buFont typeface="Arial"/>
-        <a:defRPr b="0" i="0" sz="1400" u="none" cap="none" strike="noStrike">
+        <a:defRPr sz="1400" b="0" i="0" u="none" strike="noStrike" cap="none">
           <a:solidFill>
             <a:srgbClr val="000000"/>
           </a:solidFill>
@@ -5840,7 +6009,7 @@
           <a:sym typeface="Arial"/>
         </a:defRPr>
       </a:lvl8pPr>
-      <a:lvl9pPr lvl="8" marR="0" rtl="0" algn="l">
+      <a:lvl9pPr marR="0" lvl="8" algn="l" rtl="0">
         <a:lnSpc>
           <a:spcPct val="100000"/>
         </a:lnSpc>
@@ -5854,7 +6023,7 @@
           <a:srgbClr val="000000"/>
         </a:buClr>
         <a:buFont typeface="Arial"/>
-        <a:defRPr b="0" i="0" sz="1400" u="none" cap="none" strike="noStrike">
+        <a:defRPr sz="1400" b="0" i="0" u="none" strike="noStrike" cap="none">
           <a:solidFill>
             <a:srgbClr val="000000"/>
           </a:solidFill>
@@ -5866,7 +6035,7 @@
       </a:lvl9pPr>
     </p:titleStyle>
     <p:bodyStyle>
-      <a:defPPr lvl="0" marR="0" rtl="0" algn="l">
+      <a:defPPr marR="0" lvl="0" algn="l" rtl="0">
         <a:lnSpc>
           <a:spcPct val="100000"/>
         </a:lnSpc>
@@ -5877,7 +6046,7 @@
           <a:spcPts val="0"/>
         </a:spcAft>
       </a:defPPr>
-      <a:lvl1pPr lvl="0" marR="0" rtl="0" algn="l">
+      <a:lvl1pPr marR="0" lvl="0" algn="l" rtl="0">
         <a:lnSpc>
           <a:spcPct val="100000"/>
         </a:lnSpc>
@@ -5891,7 +6060,7 @@
           <a:srgbClr val="000000"/>
         </a:buClr>
         <a:buFont typeface="Arial"/>
-        <a:defRPr b="0" i="0" sz="1400" u="none" cap="none" strike="noStrike">
+        <a:defRPr sz="1400" b="0" i="0" u="none" strike="noStrike" cap="none">
           <a:solidFill>
             <a:srgbClr val="000000"/>
           </a:solidFill>
@@ -5901,7 +6070,7 @@
           <a:sym typeface="Arial"/>
         </a:defRPr>
       </a:lvl1pPr>
-      <a:lvl2pPr lvl="1" marR="0" rtl="0" algn="l">
+      <a:lvl2pPr marR="0" lvl="1" algn="l" rtl="0">
         <a:lnSpc>
           <a:spcPct val="100000"/>
         </a:lnSpc>
@@ -5915,7 +6084,7 @@
           <a:srgbClr val="000000"/>
         </a:buClr>
         <a:buFont typeface="Arial"/>
-        <a:defRPr b="0" i="0" sz="1400" u="none" cap="none" strike="noStrike">
+        <a:defRPr sz="1400" b="0" i="0" u="none" strike="noStrike" cap="none">
           <a:solidFill>
             <a:srgbClr val="000000"/>
           </a:solidFill>
@@ -5925,7 +6094,7 @@
           <a:sym typeface="Arial"/>
         </a:defRPr>
       </a:lvl2pPr>
-      <a:lvl3pPr lvl="2" marR="0" rtl="0" algn="l">
+      <a:lvl3pPr marR="0" lvl="2" algn="l" rtl="0">
         <a:lnSpc>
           <a:spcPct val="100000"/>
         </a:lnSpc>
@@ -5939,7 +6108,7 @@
           <a:srgbClr val="000000"/>
         </a:buClr>
         <a:buFont typeface="Arial"/>
-        <a:defRPr b="0" i="0" sz="1400" u="none" cap="none" strike="noStrike">
+        <a:defRPr sz="1400" b="0" i="0" u="none" strike="noStrike" cap="none">
           <a:solidFill>
             <a:srgbClr val="000000"/>
           </a:solidFill>
@@ -5949,7 +6118,7 @@
           <a:sym typeface="Arial"/>
         </a:defRPr>
       </a:lvl3pPr>
-      <a:lvl4pPr lvl="3" marR="0" rtl="0" algn="l">
+      <a:lvl4pPr marR="0" lvl="3" algn="l" rtl="0">
         <a:lnSpc>
           <a:spcPct val="100000"/>
         </a:lnSpc>
@@ -5963,7 +6132,7 @@
           <a:srgbClr val="000000"/>
         </a:buClr>
         <a:buFont typeface="Arial"/>
-        <a:defRPr b="0" i="0" sz="1400" u="none" cap="none" strike="noStrike">
+        <a:defRPr sz="1400" b="0" i="0" u="none" strike="noStrike" cap="none">
           <a:solidFill>
             <a:srgbClr val="000000"/>
           </a:solidFill>
@@ -5973,7 +6142,7 @@
           <a:sym typeface="Arial"/>
         </a:defRPr>
       </a:lvl4pPr>
-      <a:lvl5pPr lvl="4" marR="0" rtl="0" algn="l">
+      <a:lvl5pPr marR="0" lvl="4" algn="l" rtl="0">
         <a:lnSpc>
           <a:spcPct val="100000"/>
         </a:lnSpc>
@@ -5987,7 +6156,7 @@
           <a:srgbClr val="000000"/>
         </a:buClr>
         <a:buFont typeface="Arial"/>
-        <a:defRPr b="0" i="0" sz="1400" u="none" cap="none" strike="noStrike">
+        <a:defRPr sz="1400" b="0" i="0" u="none" strike="noStrike" cap="none">
           <a:solidFill>
             <a:srgbClr val="000000"/>
           </a:solidFill>
@@ -5997,7 +6166,7 @@
           <a:sym typeface="Arial"/>
         </a:defRPr>
       </a:lvl5pPr>
-      <a:lvl6pPr lvl="5" marR="0" rtl="0" algn="l">
+      <a:lvl6pPr marR="0" lvl="5" algn="l" rtl="0">
         <a:lnSpc>
           <a:spcPct val="100000"/>
         </a:lnSpc>
@@ -6011,7 +6180,7 @@
           <a:srgbClr val="000000"/>
         </a:buClr>
         <a:buFont typeface="Arial"/>
-        <a:defRPr b="0" i="0" sz="1400" u="none" cap="none" strike="noStrike">
+        <a:defRPr sz="1400" b="0" i="0" u="none" strike="noStrike" cap="none">
           <a:solidFill>
             <a:srgbClr val="000000"/>
           </a:solidFill>
@@ -6021,7 +6190,7 @@
           <a:sym typeface="Arial"/>
         </a:defRPr>
       </a:lvl6pPr>
-      <a:lvl7pPr lvl="6" marR="0" rtl="0" algn="l">
+      <a:lvl7pPr marR="0" lvl="6" algn="l" rtl="0">
         <a:lnSpc>
           <a:spcPct val="100000"/>
         </a:lnSpc>
@@ -6035,7 +6204,7 @@
           <a:srgbClr val="000000"/>
         </a:buClr>
         <a:buFont typeface="Arial"/>
-        <a:defRPr b="0" i="0" sz="1400" u="none" cap="none" strike="noStrike">
+        <a:defRPr sz="1400" b="0" i="0" u="none" strike="noStrike" cap="none">
           <a:solidFill>
             <a:srgbClr val="000000"/>
           </a:solidFill>
@@ -6045,7 +6214,7 @@
           <a:sym typeface="Arial"/>
         </a:defRPr>
       </a:lvl7pPr>
-      <a:lvl8pPr lvl="7" marR="0" rtl="0" algn="l">
+      <a:lvl8pPr marR="0" lvl="7" algn="l" rtl="0">
         <a:lnSpc>
           <a:spcPct val="100000"/>
         </a:lnSpc>
@@ -6059,7 +6228,7 @@
           <a:srgbClr val="000000"/>
         </a:buClr>
         <a:buFont typeface="Arial"/>
-        <a:defRPr b="0" i="0" sz="1400" u="none" cap="none" strike="noStrike">
+        <a:defRPr sz="1400" b="0" i="0" u="none" strike="noStrike" cap="none">
           <a:solidFill>
             <a:srgbClr val="000000"/>
           </a:solidFill>
@@ -6069,7 +6238,7 @@
           <a:sym typeface="Arial"/>
         </a:defRPr>
       </a:lvl8pPr>
-      <a:lvl9pPr lvl="8" marR="0" rtl="0" algn="l">
+      <a:lvl9pPr marR="0" lvl="8" algn="l" rtl="0">
         <a:lnSpc>
           <a:spcPct val="100000"/>
         </a:lnSpc>
@@ -6083,7 +6252,7 @@
           <a:srgbClr val="000000"/>
         </a:buClr>
         <a:buFont typeface="Arial"/>
-        <a:defRPr b="0" i="0" sz="1400" u="none" cap="none" strike="noStrike">
+        <a:defRPr sz="1400" b="0" i="0" u="none" strike="noStrike" cap="none">
           <a:solidFill>
             <a:srgbClr val="000000"/>
           </a:solidFill>
@@ -6095,7 +6264,7 @@
       </a:lvl9pPr>
     </p:bodyStyle>
     <p:otherStyle>
-      <a:defPPr lvl="0" marR="0" rtl="0" algn="l">
+      <a:defPPr marR="0" lvl="0" algn="l" rtl="0">
         <a:lnSpc>
           <a:spcPct val="100000"/>
         </a:lnSpc>
@@ -6106,7 +6275,7 @@
           <a:spcPts val="0"/>
         </a:spcAft>
       </a:defPPr>
-      <a:lvl1pPr lvl="0" marR="0" rtl="0" algn="l">
+      <a:lvl1pPr marR="0" lvl="0" algn="l" rtl="0">
         <a:lnSpc>
           <a:spcPct val="100000"/>
         </a:lnSpc>
@@ -6120,7 +6289,7 @@
           <a:srgbClr val="000000"/>
         </a:buClr>
         <a:buFont typeface="Arial"/>
-        <a:defRPr b="0" i="0" sz="1400" u="none" cap="none" strike="noStrike">
+        <a:defRPr sz="1400" b="0" i="0" u="none" strike="noStrike" cap="none">
           <a:solidFill>
             <a:srgbClr val="000000"/>
           </a:solidFill>
@@ -6130,7 +6299,7 @@
           <a:sym typeface="Arial"/>
         </a:defRPr>
       </a:lvl1pPr>
-      <a:lvl2pPr lvl="1" marR="0" rtl="0" algn="l">
+      <a:lvl2pPr marR="0" lvl="1" algn="l" rtl="0">
         <a:lnSpc>
           <a:spcPct val="100000"/>
         </a:lnSpc>
@@ -6144,7 +6313,7 @@
           <a:srgbClr val="000000"/>
         </a:buClr>
         <a:buFont typeface="Arial"/>
-        <a:defRPr b="0" i="0" sz="1400" u="none" cap="none" strike="noStrike">
+        <a:defRPr sz="1400" b="0" i="0" u="none" strike="noStrike" cap="none">
           <a:solidFill>
             <a:srgbClr val="000000"/>
           </a:solidFill>
@@ -6154,7 +6323,7 @@
           <a:sym typeface="Arial"/>
         </a:defRPr>
       </a:lvl2pPr>
-      <a:lvl3pPr lvl="2" marR="0" rtl="0" algn="l">
+      <a:lvl3pPr marR="0" lvl="2" algn="l" rtl="0">
         <a:lnSpc>
           <a:spcPct val="100000"/>
         </a:lnSpc>
@@ -6168,7 +6337,7 @@
           <a:srgbClr val="000000"/>
         </a:buClr>
         <a:buFont typeface="Arial"/>
-        <a:defRPr b="0" i="0" sz="1400" u="none" cap="none" strike="noStrike">
+        <a:defRPr sz="1400" b="0" i="0" u="none" strike="noStrike" cap="none">
           <a:solidFill>
             <a:srgbClr val="000000"/>
           </a:solidFill>
@@ -6178,7 +6347,7 @@
           <a:sym typeface="Arial"/>
         </a:defRPr>
       </a:lvl3pPr>
-      <a:lvl4pPr lvl="3" marR="0" rtl="0" algn="l">
+      <a:lvl4pPr marR="0" lvl="3" algn="l" rtl="0">
         <a:lnSpc>
           <a:spcPct val="100000"/>
         </a:lnSpc>
@@ -6192,7 +6361,7 @@
           <a:srgbClr val="000000"/>
         </a:buClr>
         <a:buFont typeface="Arial"/>
-        <a:defRPr b="0" i="0" sz="1400" u="none" cap="none" strike="noStrike">
+        <a:defRPr sz="1400" b="0" i="0" u="none" strike="noStrike" cap="none">
           <a:solidFill>
             <a:srgbClr val="000000"/>
           </a:solidFill>
@@ -6202,7 +6371,7 @@
           <a:sym typeface="Arial"/>
         </a:defRPr>
       </a:lvl4pPr>
-      <a:lvl5pPr lvl="4" marR="0" rtl="0" algn="l">
+      <a:lvl5pPr marR="0" lvl="4" algn="l" rtl="0">
         <a:lnSpc>
           <a:spcPct val="100000"/>
         </a:lnSpc>
@@ -6216,7 +6385,7 @@
           <a:srgbClr val="000000"/>
         </a:buClr>
         <a:buFont typeface="Arial"/>
-        <a:defRPr b="0" i="0" sz="1400" u="none" cap="none" strike="noStrike">
+        <a:defRPr sz="1400" b="0" i="0" u="none" strike="noStrike" cap="none">
           <a:solidFill>
             <a:srgbClr val="000000"/>
           </a:solidFill>
@@ -6226,7 +6395,7 @@
           <a:sym typeface="Arial"/>
         </a:defRPr>
       </a:lvl5pPr>
-      <a:lvl6pPr lvl="5" marR="0" rtl="0" algn="l">
+      <a:lvl6pPr marR="0" lvl="5" algn="l" rtl="0">
         <a:lnSpc>
           <a:spcPct val="100000"/>
         </a:lnSpc>
@@ -6240,7 +6409,7 @@
           <a:srgbClr val="000000"/>
         </a:buClr>
         <a:buFont typeface="Arial"/>
-        <a:defRPr b="0" i="0" sz="1400" u="none" cap="none" strike="noStrike">
+        <a:defRPr sz="1400" b="0" i="0" u="none" strike="noStrike" cap="none">
           <a:solidFill>
             <a:srgbClr val="000000"/>
           </a:solidFill>
@@ -6250,7 +6419,7 @@
           <a:sym typeface="Arial"/>
         </a:defRPr>
       </a:lvl6pPr>
-      <a:lvl7pPr lvl="6" marR="0" rtl="0" algn="l">
+      <a:lvl7pPr marR="0" lvl="6" algn="l" rtl="0">
         <a:lnSpc>
           <a:spcPct val="100000"/>
         </a:lnSpc>
@@ -6264,7 +6433,7 @@
           <a:srgbClr val="000000"/>
         </a:buClr>
         <a:buFont typeface="Arial"/>
-        <a:defRPr b="0" i="0" sz="1400" u="none" cap="none" strike="noStrike">
+        <a:defRPr sz="1400" b="0" i="0" u="none" strike="noStrike" cap="none">
           <a:solidFill>
             <a:srgbClr val="000000"/>
           </a:solidFill>
@@ -6274,7 +6443,7 @@
           <a:sym typeface="Arial"/>
         </a:defRPr>
       </a:lvl7pPr>
-      <a:lvl8pPr lvl="7" marR="0" rtl="0" algn="l">
+      <a:lvl8pPr marR="0" lvl="7" algn="l" rtl="0">
         <a:lnSpc>
           <a:spcPct val="100000"/>
         </a:lnSpc>
@@ -6288,7 +6457,7 @@
           <a:srgbClr val="000000"/>
         </a:buClr>
         <a:buFont typeface="Arial"/>
-        <a:defRPr b="0" i="0" sz="1400" u="none" cap="none" strike="noStrike">
+        <a:defRPr sz="1400" b="0" i="0" u="none" strike="noStrike" cap="none">
           <a:solidFill>
             <a:srgbClr val="000000"/>
           </a:solidFill>
@@ -6298,7 +6467,7 @@
           <a:sym typeface="Arial"/>
         </a:defRPr>
       </a:lvl8pPr>
-      <a:lvl9pPr lvl="8" marR="0" rtl="0" algn="l">
+      <a:lvl9pPr marR="0" lvl="8" algn="l" rtl="0">
         <a:lnSpc>
           <a:spcPct val="100000"/>
         </a:lnSpc>
@@ -6312,7 +6481,7 @@
           <a:srgbClr val="000000"/>
         </a:buClr>
         <a:buFont typeface="Arial"/>
-        <a:defRPr b="0" i="0" sz="1400" u="none" cap="none" strike="noStrike">
+        <a:defRPr sz="1400" b="0" i="0" u="none" strike="noStrike" cap="none">
           <a:solidFill>
             <a:srgbClr val="000000"/>
           </a:solidFill>
@@ -6328,11 +6497,11 @@
 </file>
 
 <file path=ppt/slides/slide1.xml><?xml version="1.0" encoding="utf-8"?>
-<p:sld xmlns:a="http://schemas.openxmlformats.org/drawingml/2006/main" xmlns:r="http://schemas.openxmlformats.org/officeDocument/2006/relationships" xmlns:mc="http://schemas.openxmlformats.org/markup-compatibility/2006" xmlns:mv="urn:schemas-microsoft-com:mac:vml" xmlns:p="http://schemas.openxmlformats.org/presentationml/2006/main" xmlns:c="http://schemas.openxmlformats.org/drawingml/2006/chart" xmlns:dgm="http://schemas.openxmlformats.org/drawingml/2006/diagram" xmlns:o="urn:schemas-microsoft-com:office:office" xmlns:v="urn:schemas-microsoft-com:vml" xmlns:pvml="urn:schemas-microsoft-com:office:powerpoint" xmlns:com="http://schemas.openxmlformats.org/drawingml/2006/compatibility" xmlns:p14="http://schemas.microsoft.com/office/powerpoint/2010/main" xmlns:p15="http://schemas.microsoft.com/office/powerpoint/2012/main" xmlns:ahyp="http://schemas.microsoft.com/office/drawing/2018/hyperlinkcolor">
+<p:sld xmlns:a="http://schemas.openxmlformats.org/drawingml/2006/main" xmlns:r="http://schemas.openxmlformats.org/officeDocument/2006/relationships" xmlns:p="http://schemas.openxmlformats.org/presentationml/2006/main">
   <p:cSld>
     <p:spTree>
       <p:nvGrpSpPr>
-        <p:cNvPr id="53" name="Shape 53"/>
+        <p:cNvPr id="1" name="Shape 53"/>
         <p:cNvGrpSpPr/>
         <p:nvPr/>
       </p:nvGrpSpPr>
@@ -6347,7 +6516,9 @@
       <p:sp>
         <p:nvSpPr>
           <p:cNvPr id="54" name="Google Shape;54;p13"/>
-          <p:cNvSpPr txBox="1"/>
+          <p:cNvSpPr txBox="1">
+            <a:spLocks noGrp="1"/>
+          </p:cNvSpPr>
           <p:nvPr>
             <p:ph type="ctrTitle"/>
           </p:nvPr>
@@ -6362,12 +6533,12 @@
           </a:prstGeom>
         </p:spPr>
         <p:txBody>
-          <a:bodyPr anchorCtr="0" anchor="b" bIns="91425" lIns="91425" spcFirstLastPara="1" rIns="91425" wrap="square" tIns="91425">
+          <a:bodyPr spcFirstLastPara="1" wrap="square" lIns="91425" tIns="91425" rIns="91425" bIns="91425" anchor="b" anchorCtr="0">
             <a:normAutofit/>
           </a:bodyPr>
           <a:lstStyle/>
           <a:p>
-            <a:pPr indent="0" lvl="0" marL="0" rtl="0" algn="ctr">
+            <a:pPr marL="0" lvl="0" indent="0" algn="ctr" rtl="0">
               <a:spcBef>
                 <a:spcPts val="0"/>
               </a:spcBef>
@@ -6387,9 +6558,11 @@
       <p:sp>
         <p:nvSpPr>
           <p:cNvPr id="55" name="Google Shape;55;p13"/>
-          <p:cNvSpPr txBox="1"/>
+          <p:cNvSpPr txBox="1">
+            <a:spLocks noGrp="1"/>
+          </p:cNvSpPr>
           <p:nvPr>
-            <p:ph idx="1" type="subTitle"/>
+            <p:ph type="subTitle" idx="1"/>
           </p:nvPr>
         </p:nvSpPr>
         <p:spPr>
@@ -6402,12 +6575,12 @@
           </a:prstGeom>
         </p:spPr>
         <p:txBody>
-          <a:bodyPr anchorCtr="0" anchor="t" bIns="91425" lIns="91425" spcFirstLastPara="1" rIns="91425" wrap="square" tIns="91425">
+          <a:bodyPr spcFirstLastPara="1" wrap="square" lIns="91425" tIns="91425" rIns="91425" bIns="91425" anchor="t" anchorCtr="0">
             <a:normAutofit lnSpcReduction="10000"/>
           </a:bodyPr>
           <a:lstStyle/>
           <a:p>
-            <a:pPr indent="0" lvl="0" marL="0" rtl="0" algn="ctr">
+            <a:pPr marL="0" lvl="0" indent="0" algn="ctr" rtl="0">
               <a:spcBef>
                 <a:spcPts val="0"/>
               </a:spcBef>
@@ -6423,7 +6596,7 @@
             <a:endParaRPr sz="2400"/>
           </a:p>
           <a:p>
-            <a:pPr indent="0" lvl="0" marL="0" rtl="0" algn="ctr">
+            <a:pPr marL="0" lvl="0" indent="0" algn="ctr" rtl="0">
               <a:spcBef>
                 <a:spcPts val="0"/>
               </a:spcBef>
@@ -6449,11 +6622,11 @@
 </file>
 
 <file path=ppt/slides/slide2.xml><?xml version="1.0" encoding="utf-8"?>
-<p:sld xmlns:a="http://schemas.openxmlformats.org/drawingml/2006/main" xmlns:r="http://schemas.openxmlformats.org/officeDocument/2006/relationships" xmlns:mc="http://schemas.openxmlformats.org/markup-compatibility/2006" xmlns:mv="urn:schemas-microsoft-com:mac:vml" xmlns:p="http://schemas.openxmlformats.org/presentationml/2006/main" xmlns:c="http://schemas.openxmlformats.org/drawingml/2006/chart" xmlns:dgm="http://schemas.openxmlformats.org/drawingml/2006/diagram" xmlns:o="urn:schemas-microsoft-com:office:office" xmlns:v="urn:schemas-microsoft-com:vml" xmlns:pvml="urn:schemas-microsoft-com:office:powerpoint" xmlns:com="http://schemas.openxmlformats.org/drawingml/2006/compatibility" xmlns:p14="http://schemas.microsoft.com/office/powerpoint/2010/main" xmlns:p15="http://schemas.microsoft.com/office/powerpoint/2012/main" xmlns:ahyp="http://schemas.microsoft.com/office/drawing/2018/hyperlinkcolor">
+<p:sld xmlns:a="http://schemas.openxmlformats.org/drawingml/2006/main" xmlns:r="http://schemas.openxmlformats.org/officeDocument/2006/relationships" xmlns:p="http://schemas.openxmlformats.org/presentationml/2006/main">
   <p:cSld>
     <p:spTree>
       <p:nvGrpSpPr>
-        <p:cNvPr id="59" name="Shape 59"/>
+        <p:cNvPr id="1" name="Shape 59"/>
         <p:cNvGrpSpPr/>
         <p:nvPr/>
       </p:nvGrpSpPr>
@@ -6468,9 +6641,11 @@
       <p:sp>
         <p:nvSpPr>
           <p:cNvPr id="60" name="Google Shape;60;p14"/>
-          <p:cNvSpPr txBox="1"/>
+          <p:cNvSpPr txBox="1">
+            <a:spLocks noGrp="1"/>
+          </p:cNvSpPr>
           <p:nvPr>
-            <p:ph idx="4294967295" type="title"/>
+            <p:ph type="title" idx="4294967295"/>
           </p:nvPr>
         </p:nvSpPr>
         <p:spPr>
@@ -6483,12 +6658,12 @@
           </a:prstGeom>
         </p:spPr>
         <p:txBody>
-          <a:bodyPr anchorCtr="0" anchor="t" bIns="91425" lIns="91425" spcFirstLastPara="1" rIns="91425" wrap="square" tIns="91425">
+          <a:bodyPr spcFirstLastPara="1" wrap="square" lIns="91425" tIns="91425" rIns="91425" bIns="91425" anchor="t" anchorCtr="0">
             <a:noAutofit/>
           </a:bodyPr>
           <a:lstStyle/>
           <a:p>
-            <a:pPr indent="0" lvl="0" marL="0" rtl="0" algn="l">
+            <a:pPr marL="0" lvl="0" indent="0" algn="l" rtl="0">
               <a:spcBef>
                 <a:spcPts val="0"/>
               </a:spcBef>
@@ -6499,7 +6674,7 @@
               <a:buNone/>
             </a:pPr>
             <a:r>
-              <a:rPr b="1" lang="en" sz="3240">
+              <a:rPr lang="en" sz="3240" b="1">
                 <a:latin typeface="Oswald"/>
                 <a:ea typeface="Oswald"/>
                 <a:cs typeface="Oswald"/>
@@ -6507,7 +6682,7 @@
               </a:rPr>
               <a:t>How do murder rates in 2020 differ from 2010?</a:t>
             </a:r>
-            <a:endParaRPr b="1" sz="3240">
+            <a:endParaRPr sz="3240" b="1">
               <a:latin typeface="Oswald"/>
               <a:ea typeface="Oswald"/>
               <a:cs typeface="Oswald"/>
@@ -6519,9 +6694,11 @@
       <p:sp>
         <p:nvSpPr>
           <p:cNvPr id="61" name="Google Shape;61;p14"/>
-          <p:cNvSpPr txBox="1"/>
+          <p:cNvSpPr txBox="1">
+            <a:spLocks noGrp="1"/>
+          </p:cNvSpPr>
           <p:nvPr>
-            <p:ph idx="4294967295" type="title"/>
+            <p:ph type="title" idx="4294967295"/>
           </p:nvPr>
         </p:nvSpPr>
         <p:spPr>
@@ -6534,12 +6711,12 @@
           </a:prstGeom>
         </p:spPr>
         <p:txBody>
-          <a:bodyPr anchorCtr="0" anchor="t" bIns="91425" lIns="91425" spcFirstLastPara="1" rIns="91425" wrap="square" tIns="91425">
+          <a:bodyPr spcFirstLastPara="1" wrap="square" lIns="91425" tIns="91425" rIns="91425" bIns="91425" anchor="t" anchorCtr="0">
             <a:normAutofit/>
           </a:bodyPr>
           <a:lstStyle/>
           <a:p>
-            <a:pPr indent="0" lvl="0" marL="0" rtl="0" algn="l">
+            <a:pPr marL="0" lvl="0" indent="0" algn="l" rtl="0">
               <a:lnSpc>
                 <a:spcPct val="115000"/>
               </a:lnSpc>
@@ -6552,7 +6729,7 @@
               <a:buNone/>
             </a:pPr>
             <a:r>
-              <a:rPr b="0" lang="en" sz="1800">
+              <a:rPr lang="en" sz="1800" b="0">
                 <a:latin typeface="Lato"/>
                 <a:ea typeface="Lato"/>
                 <a:cs typeface="Lato"/>
@@ -6570,7 +6747,7 @@
               <a:t>Together,</a:t>
             </a:r>
             <a:r>
-              <a:rPr b="0" lang="en" sz="1800">
+              <a:rPr lang="en" sz="1800" b="0">
                 <a:latin typeface="Lato"/>
                 <a:ea typeface="Lato"/>
                 <a:cs typeface="Lato"/>
@@ -6652,11 +6829,11 @@
 </file>
 
 <file path=ppt/slides/slide3.xml><?xml version="1.0" encoding="utf-8"?>
-<p:sld xmlns:a="http://schemas.openxmlformats.org/drawingml/2006/main" xmlns:r="http://schemas.openxmlformats.org/officeDocument/2006/relationships" xmlns:mc="http://schemas.openxmlformats.org/markup-compatibility/2006" xmlns:mv="urn:schemas-microsoft-com:mac:vml" xmlns:p="http://schemas.openxmlformats.org/presentationml/2006/main" xmlns:c="http://schemas.openxmlformats.org/drawingml/2006/chart" xmlns:dgm="http://schemas.openxmlformats.org/drawingml/2006/diagram" xmlns:o="urn:schemas-microsoft-com:office:office" xmlns:v="urn:schemas-microsoft-com:vml" xmlns:pvml="urn:schemas-microsoft-com:office:powerpoint" xmlns:com="http://schemas.openxmlformats.org/drawingml/2006/compatibility" xmlns:p14="http://schemas.microsoft.com/office/powerpoint/2010/main" xmlns:p15="http://schemas.microsoft.com/office/powerpoint/2012/main" xmlns:ahyp="http://schemas.microsoft.com/office/drawing/2018/hyperlinkcolor">
+<p:sld xmlns:a="http://schemas.openxmlformats.org/drawingml/2006/main" xmlns:r="http://schemas.openxmlformats.org/officeDocument/2006/relationships" xmlns:p="http://schemas.openxmlformats.org/presentationml/2006/main">
   <p:cSld>
     <p:spTree>
       <p:nvGrpSpPr>
-        <p:cNvPr id="67" name="Shape 67"/>
+        <p:cNvPr id="1" name="Shape 67"/>
         <p:cNvGrpSpPr/>
         <p:nvPr/>
       </p:nvGrpSpPr>
@@ -6671,7 +6848,9 @@
       <p:sp>
         <p:nvSpPr>
           <p:cNvPr id="68" name="Google Shape;68;p15"/>
-          <p:cNvSpPr txBox="1"/>
+          <p:cNvSpPr txBox="1">
+            <a:spLocks noGrp="1"/>
+          </p:cNvSpPr>
           <p:nvPr>
             <p:ph type="title"/>
           </p:nvPr>
@@ -6686,12 +6865,12 @@
           </a:prstGeom>
         </p:spPr>
         <p:txBody>
-          <a:bodyPr anchorCtr="0" anchor="t" bIns="91425" lIns="91425" spcFirstLastPara="1" rIns="91425" wrap="square" tIns="91425">
+          <a:bodyPr spcFirstLastPara="1" wrap="square" lIns="91425" tIns="91425" rIns="91425" bIns="91425" anchor="t" anchorCtr="0">
             <a:normAutofit fontScale="90000"/>
           </a:bodyPr>
           <a:lstStyle/>
           <a:p>
-            <a:pPr indent="0" lvl="0" marL="0" rtl="0" algn="l">
+            <a:pPr marL="0" lvl="0" indent="0" algn="l" rtl="0">
               <a:spcBef>
                 <a:spcPts val="0"/>
               </a:spcBef>
@@ -6701,7 +6880,7 @@
               <a:buNone/>
             </a:pPr>
             <a:r>
-              <a:rPr b="1" lang="en" sz="5022">
+              <a:rPr lang="en" sz="5022" b="1">
                 <a:latin typeface="Oswald"/>
                 <a:ea typeface="Oswald"/>
                 <a:cs typeface="Oswald"/>
@@ -6709,7 +6888,7 @@
               </a:rPr>
               <a:t>State Homicide Per Capita by Year</a:t>
             </a:r>
-            <a:endParaRPr b="1" sz="5022">
+            <a:endParaRPr sz="5022" b="1">
               <a:latin typeface="Oswald"/>
               <a:ea typeface="Oswald"/>
               <a:cs typeface="Oswald"/>
@@ -6717,7 +6896,7 @@
             </a:endParaRPr>
           </a:p>
           <a:p>
-            <a:pPr indent="0" lvl="0" marL="0" rtl="0" algn="ctr">
+            <a:pPr marL="0" lvl="0" indent="0" algn="ctr" rtl="0">
               <a:spcBef>
                 <a:spcPts val="0"/>
               </a:spcBef>
@@ -6741,7 +6920,7 @@
             </a:endParaRPr>
           </a:p>
           <a:p>
-            <a:pPr indent="0" lvl="0" marL="0" rtl="0" algn="l">
+            <a:pPr marL="0" lvl="0" indent="0" algn="l" rtl="0">
               <a:spcBef>
                 <a:spcPts val="0"/>
               </a:spcBef>
@@ -6750,13 +6929,10 @@
               </a:spcAft>
               <a:buNone/>
             </a:pPr>
-            <a:r>
-              <a:t/>
-            </a:r>
             <a:endParaRPr sz="2316"/>
           </a:p>
           <a:p>
-            <a:pPr indent="0" lvl="0" marL="0" rtl="0" algn="l">
+            <a:pPr marL="0" lvl="0" indent="0" algn="l" rtl="0">
               <a:spcBef>
                 <a:spcPts val="0"/>
               </a:spcBef>
@@ -6782,11 +6958,11 @@
 </file>
 
 <file path=ppt/slides/slide4.xml><?xml version="1.0" encoding="utf-8"?>
-<p:sld xmlns:a="http://schemas.openxmlformats.org/drawingml/2006/main" xmlns:r="http://schemas.openxmlformats.org/officeDocument/2006/relationships" xmlns:mc="http://schemas.openxmlformats.org/markup-compatibility/2006" xmlns:mv="urn:schemas-microsoft-com:mac:vml" xmlns:p="http://schemas.openxmlformats.org/presentationml/2006/main" xmlns:c="http://schemas.openxmlformats.org/drawingml/2006/chart" xmlns:dgm="http://schemas.openxmlformats.org/drawingml/2006/diagram" xmlns:o="urn:schemas-microsoft-com:office:office" xmlns:v="urn:schemas-microsoft-com:vml" xmlns:pvml="urn:schemas-microsoft-com:office:powerpoint" xmlns:com="http://schemas.openxmlformats.org/drawingml/2006/compatibility" xmlns:p14="http://schemas.microsoft.com/office/powerpoint/2010/main" xmlns:p15="http://schemas.microsoft.com/office/powerpoint/2012/main" xmlns:ahyp="http://schemas.microsoft.com/office/drawing/2018/hyperlinkcolor">
+<p:sld xmlns:a="http://schemas.openxmlformats.org/drawingml/2006/main" xmlns:r="http://schemas.openxmlformats.org/officeDocument/2006/relationships" xmlns:p="http://schemas.openxmlformats.org/presentationml/2006/main">
   <p:cSld>
     <p:spTree>
       <p:nvGrpSpPr>
-        <p:cNvPr id="72" name="Shape 72"/>
+        <p:cNvPr id="1" name="Shape 72"/>
         <p:cNvGrpSpPr/>
         <p:nvPr/>
       </p:nvGrpSpPr>
@@ -6846,12 +7022,12 @@
           </a:ln>
         </p:spPr>
         <p:txBody>
-          <a:bodyPr anchorCtr="0" anchor="t" bIns="91425" lIns="91425" spcFirstLastPara="1" rIns="91425" wrap="square" tIns="91425">
+          <a:bodyPr spcFirstLastPara="1" wrap="square" lIns="91425" tIns="91425" rIns="91425" bIns="91425" anchor="t" anchorCtr="0">
             <a:spAutoFit/>
           </a:bodyPr>
           <a:lstStyle/>
           <a:p>
-            <a:pPr indent="0" lvl="0" marL="0" rtl="0" algn="ctr">
+            <a:pPr marL="0" lvl="0" indent="0" algn="ctr" rtl="0">
               <a:spcBef>
                 <a:spcPts val="0"/>
               </a:spcBef>
@@ -6885,11 +7061,11 @@
 </file>
 
 <file path=ppt/slides/slide5.xml><?xml version="1.0" encoding="utf-8"?>
-<p:sld xmlns:a="http://schemas.openxmlformats.org/drawingml/2006/main" xmlns:r="http://schemas.openxmlformats.org/officeDocument/2006/relationships" xmlns:mc="http://schemas.openxmlformats.org/markup-compatibility/2006" xmlns:mv="urn:schemas-microsoft-com:mac:vml" xmlns:p="http://schemas.openxmlformats.org/presentationml/2006/main" xmlns:c="http://schemas.openxmlformats.org/drawingml/2006/chart" xmlns:dgm="http://schemas.openxmlformats.org/drawingml/2006/diagram" xmlns:o="urn:schemas-microsoft-com:office:office" xmlns:v="urn:schemas-microsoft-com:vml" xmlns:pvml="urn:schemas-microsoft-com:office:powerpoint" xmlns:com="http://schemas.openxmlformats.org/drawingml/2006/compatibility" xmlns:p14="http://schemas.microsoft.com/office/powerpoint/2010/main" xmlns:p15="http://schemas.microsoft.com/office/powerpoint/2012/main" xmlns:ahyp="http://schemas.microsoft.com/office/drawing/2018/hyperlinkcolor">
+<p:sld xmlns:a="http://schemas.openxmlformats.org/drawingml/2006/main" xmlns:r="http://schemas.openxmlformats.org/officeDocument/2006/relationships" xmlns:p="http://schemas.openxmlformats.org/presentationml/2006/main">
   <p:cSld>
     <p:spTree>
       <p:nvGrpSpPr>
-        <p:cNvPr id="78" name="Shape 78"/>
+        <p:cNvPr id="1" name="Shape 78"/>
         <p:cNvGrpSpPr/>
         <p:nvPr/>
       </p:nvGrpSpPr>
@@ -6904,7 +7080,9 @@
       <p:sp>
         <p:nvSpPr>
           <p:cNvPr id="79" name="Google Shape;79;p17"/>
-          <p:cNvSpPr txBox="1"/>
+          <p:cNvSpPr txBox="1">
+            <a:spLocks noGrp="1"/>
+          </p:cNvSpPr>
           <p:nvPr>
             <p:ph type="title"/>
           </p:nvPr>
@@ -6919,12 +7097,12 @@
           </a:prstGeom>
         </p:spPr>
         <p:txBody>
-          <a:bodyPr anchorCtr="0" anchor="t" bIns="91425" lIns="91425" spcFirstLastPara="1" rIns="91425" wrap="square" tIns="91425">
+          <a:bodyPr spcFirstLastPara="1" wrap="square" lIns="91425" tIns="91425" rIns="91425" bIns="91425" anchor="t" anchorCtr="0">
             <a:normAutofit fontScale="90000"/>
           </a:bodyPr>
           <a:lstStyle/>
           <a:p>
-            <a:pPr indent="0" lvl="0" marL="0" rtl="0" algn="l">
+            <a:pPr marL="0" lvl="0" indent="0" algn="l" rtl="0">
               <a:spcBef>
                 <a:spcPts val="0"/>
               </a:spcBef>
@@ -6934,7 +7112,7 @@
               <a:buNone/>
             </a:pPr>
             <a:r>
-              <a:rPr b="1" lang="en" sz="5022">
+              <a:rPr lang="en" sz="5022" b="1">
                 <a:latin typeface="Oswald"/>
                 <a:ea typeface="Oswald"/>
                 <a:cs typeface="Oswald"/>
@@ -6942,7 +7120,7 @@
               </a:rPr>
               <a:t>Homicides per Capita per Population Size</a:t>
             </a:r>
-            <a:endParaRPr b="1" sz="5022">
+            <a:endParaRPr sz="5022" b="1">
               <a:latin typeface="Oswald"/>
               <a:ea typeface="Oswald"/>
               <a:cs typeface="Oswald"/>
@@ -6950,7 +7128,7 @@
             </a:endParaRPr>
           </a:p>
           <a:p>
-            <a:pPr indent="0" lvl="0" marL="0" rtl="0" algn="ctr">
+            <a:pPr marL="0" lvl="0" indent="0" algn="ctr" rtl="0">
               <a:spcBef>
                 <a:spcPts val="0"/>
               </a:spcBef>
@@ -6974,7 +7152,7 @@
             </a:endParaRPr>
           </a:p>
           <a:p>
-            <a:pPr indent="0" lvl="0" marL="0" rtl="0" algn="l">
+            <a:pPr marL="0" lvl="0" indent="0" algn="l" rtl="0">
               <a:spcBef>
                 <a:spcPts val="0"/>
               </a:spcBef>
@@ -6983,13 +7161,10 @@
               </a:spcAft>
               <a:buNone/>
             </a:pPr>
-            <a:r>
-              <a:t/>
-            </a:r>
             <a:endParaRPr sz="2316"/>
           </a:p>
           <a:p>
-            <a:pPr indent="0" lvl="0" marL="0" rtl="0" algn="l">
+            <a:pPr marL="0" lvl="0" indent="0" algn="l" rtl="0">
               <a:spcBef>
                 <a:spcPts val="0"/>
               </a:spcBef>
@@ -7015,18 +7190,19 @@
 </file>
 
 <file path=ppt/slides/slide6.xml><?xml version="1.0" encoding="utf-8"?>
-<p:sld xmlns:a="http://schemas.openxmlformats.org/drawingml/2006/main" xmlns:r="http://schemas.openxmlformats.org/officeDocument/2006/relationships" xmlns:mc="http://schemas.openxmlformats.org/markup-compatibility/2006" xmlns:mv="urn:schemas-microsoft-com:mac:vml" xmlns:p="http://schemas.openxmlformats.org/presentationml/2006/main" xmlns:c="http://schemas.openxmlformats.org/drawingml/2006/chart" xmlns:dgm="http://schemas.openxmlformats.org/drawingml/2006/diagram" xmlns:o="urn:schemas-microsoft-com:office:office" xmlns:v="urn:schemas-microsoft-com:vml" xmlns:pvml="urn:schemas-microsoft-com:office:powerpoint" xmlns:com="http://schemas.openxmlformats.org/drawingml/2006/compatibility" xmlns:p14="http://schemas.microsoft.com/office/powerpoint/2010/main" xmlns:p15="http://schemas.microsoft.com/office/powerpoint/2012/main" xmlns:ahyp="http://schemas.microsoft.com/office/drawing/2018/hyperlinkcolor">
+<p:sld xmlns:a="http://schemas.openxmlformats.org/drawingml/2006/main" xmlns:r="http://schemas.openxmlformats.org/officeDocument/2006/relationships" xmlns:p="http://schemas.openxmlformats.org/presentationml/2006/main">
   <p:cSld>
     <p:bg>
       <p:bgPr>
         <a:solidFill>
           <a:schemeClr val="lt1"/>
         </a:solidFill>
+        <a:effectLst/>
       </p:bgPr>
     </p:bg>
     <p:spTree>
       <p:nvGrpSpPr>
-        <p:cNvPr id="83" name="Shape 83"/>
+        <p:cNvPr id="1" name="Shape 83"/>
         <p:cNvGrpSpPr/>
         <p:nvPr/>
       </p:nvGrpSpPr>
@@ -7048,7 +7224,7 @@
           <a:blip r:embed="rId3">
             <a:alphaModFix/>
           </a:blip>
-          <a:srcRect b="0" l="0" r="0" t="0"/>
+          <a:srcRect/>
           <a:stretch/>
         </p:blipFill>
         <p:spPr>
@@ -7085,12 +7261,12 @@
           </a:ln>
         </p:spPr>
         <p:txBody>
-          <a:bodyPr anchorCtr="0" anchor="t" bIns="91425" lIns="91425" spcFirstLastPara="1" rIns="91425" wrap="square" tIns="91425">
+          <a:bodyPr spcFirstLastPara="1" wrap="square" lIns="91425" tIns="91425" rIns="91425" bIns="91425" anchor="t" anchorCtr="0">
             <a:spAutoFit/>
           </a:bodyPr>
           <a:lstStyle/>
           <a:p>
-            <a:pPr indent="0" lvl="0" marL="0" rtl="0" algn="ctr">
+            <a:pPr marL="0" lvl="0" indent="0" algn="ctr" rtl="0">
               <a:spcBef>
                 <a:spcPts val="0"/>
               </a:spcBef>
@@ -7124,11 +7300,11 @@
 </file>
 
 <file path=ppt/slides/slide7.xml><?xml version="1.0" encoding="utf-8"?>
-<p:sld xmlns:a="http://schemas.openxmlformats.org/drawingml/2006/main" xmlns:r="http://schemas.openxmlformats.org/officeDocument/2006/relationships" xmlns:mc="http://schemas.openxmlformats.org/markup-compatibility/2006" xmlns:mv="urn:schemas-microsoft-com:mac:vml" xmlns:p="http://schemas.openxmlformats.org/presentationml/2006/main" xmlns:c="http://schemas.openxmlformats.org/drawingml/2006/chart" xmlns:dgm="http://schemas.openxmlformats.org/drawingml/2006/diagram" xmlns:o="urn:schemas-microsoft-com:office:office" xmlns:v="urn:schemas-microsoft-com:vml" xmlns:pvml="urn:schemas-microsoft-com:office:powerpoint" xmlns:com="http://schemas.openxmlformats.org/drawingml/2006/compatibility" xmlns:p14="http://schemas.microsoft.com/office/powerpoint/2010/main" xmlns:p15="http://schemas.microsoft.com/office/powerpoint/2012/main" xmlns:ahyp="http://schemas.microsoft.com/office/drawing/2018/hyperlinkcolor">
+<p:sld xmlns:a="http://schemas.openxmlformats.org/drawingml/2006/main" xmlns:r="http://schemas.openxmlformats.org/officeDocument/2006/relationships" xmlns:p="http://schemas.openxmlformats.org/presentationml/2006/main">
   <p:cSld>
     <p:spTree>
       <p:nvGrpSpPr>
-        <p:cNvPr id="89" name="Shape 89"/>
+        <p:cNvPr id="1" name="Shape 89"/>
         <p:cNvGrpSpPr/>
         <p:nvPr/>
       </p:nvGrpSpPr>
@@ -7143,7 +7319,9 @@
       <p:sp>
         <p:nvSpPr>
           <p:cNvPr id="90" name="Google Shape;90;p19"/>
-          <p:cNvSpPr txBox="1"/>
+          <p:cNvSpPr txBox="1">
+            <a:spLocks noGrp="1"/>
+          </p:cNvSpPr>
           <p:nvPr>
             <p:ph type="title"/>
           </p:nvPr>
@@ -7158,12 +7336,12 @@
           </a:prstGeom>
         </p:spPr>
         <p:txBody>
-          <a:bodyPr anchorCtr="0" anchor="t" bIns="91425" lIns="91425" spcFirstLastPara="1" rIns="91425" wrap="square" tIns="91425">
+          <a:bodyPr spcFirstLastPara="1" wrap="square" lIns="91425" tIns="91425" rIns="91425" bIns="91425" anchor="t" anchorCtr="0">
             <a:normAutofit fontScale="90000"/>
           </a:bodyPr>
           <a:lstStyle/>
           <a:p>
-            <a:pPr indent="0" lvl="0" marL="0" rtl="0" algn="l">
+            <a:pPr marL="0" lvl="0" indent="0" algn="l" rtl="0">
               <a:spcBef>
                 <a:spcPts val="0"/>
               </a:spcBef>
@@ -7173,7 +7351,7 @@
               <a:buNone/>
             </a:pPr>
             <a:r>
-              <a:rPr b="1" lang="en" sz="5022">
+              <a:rPr lang="en" sz="5022" b="1" dirty="0">
                 <a:latin typeface="Oswald"/>
                 <a:ea typeface="Oswald"/>
                 <a:cs typeface="Oswald"/>
@@ -7181,7 +7359,7 @@
               </a:rPr>
               <a:t>National Homicide Per Capita</a:t>
             </a:r>
-            <a:endParaRPr b="1" sz="5022">
+            <a:endParaRPr sz="5022" b="1" dirty="0">
               <a:latin typeface="Oswald"/>
               <a:ea typeface="Oswald"/>
               <a:cs typeface="Oswald"/>
@@ -7189,7 +7367,7 @@
             </a:endParaRPr>
           </a:p>
           <a:p>
-            <a:pPr indent="0" lvl="0" marL="0" rtl="0" algn="ctr">
+            <a:pPr marL="0" lvl="0" indent="0" algn="ctr" rtl="0">
               <a:spcBef>
                 <a:spcPts val="0"/>
               </a:spcBef>
@@ -7199,29 +7377,33 @@
               <a:buNone/>
             </a:pPr>
             <a:r>
-              <a:rPr lang="en">
+              <a:rPr lang="en" dirty="0">
                 <a:solidFill>
                   <a:schemeClr val="accent5"/>
                 </a:solidFill>
               </a:rPr>
-              <a:t>Finally, we ask: How did murder rates for the entire country in 2020 compare to a decade prior</a:t>
+              <a:t>Finally, we ask: How did murder rates for the entire country in 2020 compare to a decade prior?</a:t>
             </a:r>
-            <a:r>
-              <a:rPr lang="en">
-                <a:solidFill>
-                  <a:schemeClr val="accent5"/>
-                </a:solidFill>
-              </a:rPr>
-              <a:t>?</a:t>
-            </a:r>
-            <a:endParaRPr>
+            <a:endParaRPr dirty="0">
               <a:solidFill>
                 <a:schemeClr val="accent5"/>
               </a:solidFill>
             </a:endParaRPr>
           </a:p>
           <a:p>
-            <a:pPr indent="0" lvl="0" marL="0" rtl="0" algn="l">
+            <a:pPr marL="0" lvl="0" indent="0" algn="l" rtl="0">
+              <a:spcBef>
+                <a:spcPts val="0"/>
+              </a:spcBef>
+              <a:spcAft>
+                <a:spcPts val="0"/>
+              </a:spcAft>
+              <a:buNone/>
+            </a:pPr>
+            <a:endParaRPr sz="2316" dirty="0"/>
+          </a:p>
+          <a:p>
+            <a:pPr marL="0" lvl="0" indent="0" algn="l" rtl="0">
               <a:spcBef>
                 <a:spcPts val="0"/>
               </a:spcBef>
@@ -7231,25 +7413,22 @@
               <a:buNone/>
             </a:pPr>
             <a:r>
-              <a:t/>
+              <a:rPr lang="en" sz="2316" dirty="0" smtClean="0"/>
+              <a:t>Hafsa’s intuition tells her that </a:t>
             </a:r>
-            <a:endParaRPr sz="2316"/>
-          </a:p>
-          <a:p>
-            <a:pPr indent="0" lvl="0" marL="0" rtl="0" algn="l">
-              <a:spcBef>
-                <a:spcPts val="0"/>
-              </a:spcBef>
-              <a:spcAft>
-                <a:spcPts val="0"/>
-              </a:spcAft>
-              <a:buNone/>
-            </a:pPr>
             <a:r>
-              <a:rPr lang="en" sz="2316"/>
-              <a:t>Let’s see if Hafsa’s hypothesis that quarantine measures made people go all murdery is supported or refuted:</a:t>
+              <a:rPr lang="en" sz="2316" dirty="0"/>
+              <a:t>quarantine measures </a:t>
             </a:r>
-            <a:endParaRPr sz="2316"/>
+            <a:r>
+              <a:rPr lang="en" sz="2316" dirty="0" smtClean="0"/>
+              <a:t>caused murder rates to spike. Let’s see if that is </a:t>
+            </a:r>
+            <a:r>
+              <a:rPr lang="en" sz="2316" dirty="0"/>
+              <a:t>supported or refuted:</a:t>
+            </a:r>
+            <a:endParaRPr sz="2316" dirty="0"/>
           </a:p>
         </p:txBody>
       </p:sp>
@@ -7262,11 +7441,11 @@
 </file>
 
 <file path=ppt/slides/slide8.xml><?xml version="1.0" encoding="utf-8"?>
-<p:sld xmlns:a="http://schemas.openxmlformats.org/drawingml/2006/main" xmlns:r="http://schemas.openxmlformats.org/officeDocument/2006/relationships" xmlns:mc="http://schemas.openxmlformats.org/markup-compatibility/2006" xmlns:mv="urn:schemas-microsoft-com:mac:vml" xmlns:p="http://schemas.openxmlformats.org/presentationml/2006/main" xmlns:c="http://schemas.openxmlformats.org/drawingml/2006/chart" xmlns:dgm="http://schemas.openxmlformats.org/drawingml/2006/diagram" xmlns:o="urn:schemas-microsoft-com:office:office" xmlns:v="urn:schemas-microsoft-com:vml" xmlns:pvml="urn:schemas-microsoft-com:office:powerpoint" xmlns:com="http://schemas.openxmlformats.org/drawingml/2006/compatibility" xmlns:p14="http://schemas.microsoft.com/office/powerpoint/2010/main" xmlns:p15="http://schemas.microsoft.com/office/powerpoint/2012/main" xmlns:ahyp="http://schemas.microsoft.com/office/drawing/2018/hyperlinkcolor">
+<p:sld xmlns:a="http://schemas.openxmlformats.org/drawingml/2006/main" xmlns:r="http://schemas.openxmlformats.org/officeDocument/2006/relationships" xmlns:p="http://schemas.openxmlformats.org/presentationml/2006/main">
   <p:cSld>
     <p:spTree>
       <p:nvGrpSpPr>
-        <p:cNvPr id="94" name="Shape 94"/>
+        <p:cNvPr id="1" name="Shape 94"/>
         <p:cNvGrpSpPr/>
         <p:nvPr/>
       </p:nvGrpSpPr>
@@ -7326,12 +7505,12 @@
           </a:ln>
         </p:spPr>
         <p:txBody>
-          <a:bodyPr anchorCtr="0" anchor="t" bIns="91425" lIns="91425" spcFirstLastPara="1" rIns="91425" wrap="square" tIns="91425">
+          <a:bodyPr spcFirstLastPara="1" wrap="square" lIns="91425" tIns="91425" rIns="91425" bIns="91425" anchor="t" anchorCtr="0">
             <a:spAutoFit/>
           </a:bodyPr>
           <a:lstStyle/>
           <a:p>
-            <a:pPr indent="0" lvl="0" marL="0" rtl="0" algn="l">
+            <a:pPr marL="0" lvl="0" indent="0" algn="l" rtl="0">
               <a:spcBef>
                 <a:spcPts val="0"/>
               </a:spcBef>
@@ -7341,7 +7520,7 @@
               <a:buNone/>
             </a:pPr>
             <a:r>
-              <a:rPr lang="en" sz="1100">
+              <a:rPr lang="en" sz="1100" dirty="0">
                 <a:solidFill>
                   <a:schemeClr val="dk1"/>
                 </a:solidFill>
@@ -7349,7 +7528,7 @@
               <a:t>These rates are adjusted for population growth. Therefore, there is a clear increase in homicides between 2020 and 2010. While this data does not indicate </a:t>
             </a:r>
             <a:r>
-              <a:rPr i="1" lang="en" sz="1100">
+              <a:rPr lang="en" sz="1100" i="1" dirty="0">
                 <a:solidFill>
                   <a:schemeClr val="dk1"/>
                 </a:solidFill>
@@ -7357,14 +7536,46 @@
               <a:t>why</a:t>
             </a:r>
             <a:r>
-              <a:rPr lang="en" sz="1100">
+              <a:rPr lang="en" sz="1100" dirty="0">
                 <a:solidFill>
                   <a:schemeClr val="dk1"/>
                 </a:solidFill>
               </a:rPr>
-              <a:t> homicide rates spiked last year, Hafsa’s hypothesis as been found:</a:t>
+              <a:t> homicide rates </a:t>
             </a:r>
-            <a:endParaRPr>
+            <a:r>
+              <a:rPr lang="en" sz="1100" dirty="0" smtClean="0">
+                <a:solidFill>
+                  <a:schemeClr val="dk1"/>
+                </a:solidFill>
+              </a:rPr>
+              <a:t>jumped </a:t>
+            </a:r>
+            <a:r>
+              <a:rPr lang="en" sz="1100" dirty="0">
+                <a:solidFill>
+                  <a:schemeClr val="dk1"/>
+                </a:solidFill>
+              </a:rPr>
+              <a:t>last year, Hafsa’s </a:t>
+            </a:r>
+            <a:r>
+              <a:rPr lang="en" sz="1100" dirty="0" smtClean="0">
+                <a:solidFill>
+                  <a:schemeClr val="dk1"/>
+                </a:solidFill>
+              </a:rPr>
+              <a:t>intuition </a:t>
+            </a:r>
+            <a:r>
+              <a:rPr lang="en" sz="1100" dirty="0">
+                <a:solidFill>
+                  <a:schemeClr val="dk1"/>
+                </a:solidFill>
+              </a:rPr>
+              <a:t>as been found:</a:t>
+            </a:r>
+            <a:endParaRPr dirty="0">
               <a:solidFill>
                 <a:schemeClr val="dk1"/>
               </a:solidFill>
@@ -7381,11 +7592,11 @@
 </file>
 
 <file path=ppt/slides/slide9.xml><?xml version="1.0" encoding="utf-8"?>
-<p:sld xmlns:a="http://schemas.openxmlformats.org/drawingml/2006/main" xmlns:r="http://schemas.openxmlformats.org/officeDocument/2006/relationships" xmlns:mc="http://schemas.openxmlformats.org/markup-compatibility/2006" xmlns:mv="urn:schemas-microsoft-com:mac:vml" xmlns:p="http://schemas.openxmlformats.org/presentationml/2006/main" xmlns:c="http://schemas.openxmlformats.org/drawingml/2006/chart" xmlns:dgm="http://schemas.openxmlformats.org/drawingml/2006/diagram" xmlns:o="urn:schemas-microsoft-com:office:office" xmlns:v="urn:schemas-microsoft-com:vml" xmlns:pvml="urn:schemas-microsoft-com:office:powerpoint" xmlns:com="http://schemas.openxmlformats.org/drawingml/2006/compatibility" xmlns:p14="http://schemas.microsoft.com/office/powerpoint/2010/main" xmlns:p15="http://schemas.microsoft.com/office/powerpoint/2012/main" xmlns:ahyp="http://schemas.microsoft.com/office/drawing/2018/hyperlinkcolor">
+<p:sld xmlns:a="http://schemas.openxmlformats.org/drawingml/2006/main" xmlns:r="http://schemas.openxmlformats.org/officeDocument/2006/relationships" xmlns:p="http://schemas.openxmlformats.org/presentationml/2006/main">
   <p:cSld>
     <p:spTree>
       <p:nvGrpSpPr>
-        <p:cNvPr id="100" name="Shape 100"/>
+        <p:cNvPr id="1" name="Shape 100"/>
         <p:cNvGrpSpPr/>
         <p:nvPr/>
       </p:nvGrpSpPr>
@@ -7445,12 +7656,12 @@
           </a:ln>
         </p:spPr>
         <p:txBody>
-          <a:bodyPr anchorCtr="0" anchor="t" bIns="91425" lIns="91425" spcFirstLastPara="1" rIns="91425" wrap="square" tIns="91425">
+          <a:bodyPr spcFirstLastPara="1" wrap="square" lIns="91425" tIns="91425" rIns="91425" bIns="91425" anchor="t" anchorCtr="0">
             <a:spAutoFit/>
           </a:bodyPr>
           <a:lstStyle/>
           <a:p>
-            <a:pPr indent="0" lvl="0" marL="0" rtl="0" algn="ctr">
+            <a:pPr marL="0" lvl="0" indent="0" algn="ctr" rtl="0">
               <a:spcBef>
                 <a:spcPts val="0"/>
               </a:spcBef>
@@ -7482,7 +7693,7 @@
             </a:endParaRPr>
           </a:p>
           <a:p>
-            <a:pPr indent="0" lvl="0" marL="0" rtl="0" algn="ctr">
+            <a:pPr marL="0" lvl="0" indent="0" algn="ctr" rtl="0">
               <a:spcBef>
                 <a:spcPts val="0"/>
               </a:spcBef>
@@ -7524,7 +7735,7 @@
 </file>
 
 <file path=ppt/theme/theme1.xml><?xml version="1.0" encoding="utf-8"?>
-<a:theme xmlns:a="http://schemas.openxmlformats.org/drawingml/2006/main" xmlns:r="http://schemas.openxmlformats.org/officeDocument/2006/relationships" name="Simple Dark">
+<a:theme xmlns:a="http://schemas.openxmlformats.org/drawingml/2006/main" name="Simple Dark">
   <a:themeElements>
     <a:clrScheme name="Simple Dark">
       <a:dk1>
@@ -7799,11 +8010,13 @@
       </a:bgFillStyleLst>
     </a:fmtScheme>
   </a:themeElements>
+  <a:objectDefaults/>
+  <a:extraClrSchemeLst/>
 </a:theme>
 </file>
 
 <file path=ppt/theme/theme2.xml><?xml version="1.0" encoding="utf-8"?>
-<a:theme xmlns:a="http://schemas.openxmlformats.org/drawingml/2006/main" xmlns:r="http://schemas.openxmlformats.org/officeDocument/2006/relationships">
+<a:theme xmlns:a="http://schemas.openxmlformats.org/drawingml/2006/main">
   <a:themeElements>
     <a:clrScheme name="Default">
       <a:dk1>
@@ -8078,5 +8291,7 @@
       </a:bgFillStyleLst>
     </a:fmtScheme>
   </a:themeElements>
+  <a:objectDefaults/>
+  <a:extraClrSchemeLst/>
 </a:theme>
 </file>
--- a/Exploratory Data Analysis.pptx
+++ b/Exploratory Data Analysis.pptx
@@ -29,12 +29,12 @@
       <p:boldItalic r:id="rId15"/>
     </p:embeddedFont>
     <p:embeddedFont>
-      <p:font typeface="Caveat" panose="020B0604020202020204" charset="0"/>
+      <p:font typeface="Oswald" panose="020B0604020202020204" charset="0"/>
       <p:regular r:id="rId16"/>
       <p:bold r:id="rId17"/>
     </p:embeddedFont>
     <p:embeddedFont>
-      <p:font typeface="Oswald" panose="020B0604020202020204" charset="0"/>
+      <p:font typeface="Caveat" panose="020B0604020202020204" charset="0"/>
       <p:regular r:id="rId18"/>
       <p:bold r:id="rId19"/>
     </p:embeddedFont>
@@ -7560,7 +7560,7 @@
               <a:t>last year, Hafsa’s </a:t>
             </a:r>
             <a:r>
-              <a:rPr lang="en" sz="1100" dirty="0" smtClean="0">
+              <a:rPr lang="en" sz="1100" smtClean="0">
                 <a:solidFill>
                   <a:schemeClr val="dk1"/>
                 </a:solidFill>
@@ -7568,12 +7568,20 @@
               <a:t>intuition </a:t>
             </a:r>
             <a:r>
+              <a:rPr lang="en" sz="1100" smtClean="0">
+                <a:solidFill>
+                  <a:schemeClr val="dk1"/>
+                </a:solidFill>
+              </a:rPr>
+              <a:t>has </a:t>
+            </a:r>
+            <a:r>
               <a:rPr lang="en" sz="1100" dirty="0">
                 <a:solidFill>
                   <a:schemeClr val="dk1"/>
                 </a:solidFill>
               </a:rPr>
-              <a:t>as been found:</a:t>
+              <a:t>been found:</a:t>
             </a:r>
             <a:endParaRPr dirty="0">
               <a:solidFill>

--- a/Exploratory Data Analysis.pptx
+++ b/Exploratory Data Analysis.pptx
@@ -22,19 +22,19 @@
   <p:notesSz cx="6858000" cy="9144000"/>
   <p:embeddedFontLst>
     <p:embeddedFont>
-      <p:font typeface="Lato" panose="020B0604020202020204" charset="0"/>
+      <p:font typeface="Caveat" panose="020B0604020202020204" charset="0"/>
       <p:regular r:id="rId12"/>
       <p:bold r:id="rId13"/>
-      <p:italic r:id="rId14"/>
-      <p:boldItalic r:id="rId15"/>
     </p:embeddedFont>
     <p:embeddedFont>
-      <p:font typeface="Oswald" panose="020B0604020202020204" charset="0"/>
-      <p:regular r:id="rId16"/>
-      <p:bold r:id="rId17"/>
+      <p:font typeface="Lato" panose="020F0502020204030203" pitchFamily="34" charset="0"/>
+      <p:regular r:id="rId14"/>
+      <p:bold r:id="rId15"/>
+      <p:italic r:id="rId16"/>
+      <p:boldItalic r:id="rId17"/>
     </p:embeddedFont>
     <p:embeddedFont>
-      <p:font typeface="Caveat" panose="020B0604020202020204" charset="0"/>
+      <p:font typeface="Oswald" panose="00000500000000000000" pitchFamily="2" charset="0"/>
       <p:regular r:id="rId18"/>
       <p:bold r:id="rId19"/>
     </p:embeddedFont>
@@ -285,6 +285,14 @@
     </p:ext>
   </p:extLst>
 </p:presentation>
+</file>
+
+<file path=ppt/revisionInfo.xml><?xml version="1.0" encoding="utf-8"?>
+<p1510:revInfo xmlns:a="http://schemas.openxmlformats.org/drawingml/2006/main" xmlns:r="http://schemas.openxmlformats.org/officeDocument/2006/relationships" xmlns:p1510="http://schemas.microsoft.com/office/powerpoint/2015/10/main">
+  <p1510:revLst>
+    <p1510:client id="{ECD50429-E97C-4966-947E-1FF68C3BBFA1}" v="102" dt="2021-11-09T20:59:17.262"/>
+  </p1510:revLst>
+</p1510:revInfo>
 </file>
 
 <file path=ppt/notesMasters/notesMaster1.xml><?xml version="1.0" encoding="utf-8"?>
@@ -6870,7 +6878,7 @@
           </a:bodyPr>
           <a:lstStyle/>
           <a:p>
-            <a:pPr marL="0" lvl="0" indent="0" algn="l" rtl="0">
+            <a:pPr marL="0" lvl="0" indent="0" algn="ctr" rtl="0">
               <a:spcBef>
                 <a:spcPts val="0"/>
               </a:spcBef>
@@ -6880,7 +6888,7 @@
               <a:buNone/>
             </a:pPr>
             <a:r>
-              <a:rPr lang="en" sz="5022" b="1">
+              <a:rPr lang="en" sz="5000" b="1" dirty="0">
                 <a:latin typeface="Oswald"/>
                 <a:ea typeface="Oswald"/>
                 <a:cs typeface="Oswald"/>
@@ -6888,11 +6896,10 @@
               </a:rPr>
               <a:t>State Homicide Per Capita by Year</a:t>
             </a:r>
-            <a:endParaRPr sz="5022" b="1">
+            <a:endParaRPr lang="en-US" sz="5000" b="1" dirty="0">
               <a:latin typeface="Oswald"/>
               <a:ea typeface="Oswald"/>
               <a:cs typeface="Oswald"/>
-              <a:sym typeface="Oswald"/>
             </a:endParaRPr>
           </a:p>
           <a:p>
@@ -6906,14 +6913,14 @@
               <a:buNone/>
             </a:pPr>
             <a:r>
-              <a:rPr lang="en">
+              <a:rPr lang="en" dirty="0">
                 <a:solidFill>
                   <a:schemeClr val="accent5"/>
                 </a:solidFill>
               </a:rPr>
               <a:t>Did homicide rates in 2020 increase from 2010 rates (adjusted for population growth)?</a:t>
             </a:r>
-            <a:endParaRPr>
+            <a:endParaRPr dirty="0">
               <a:solidFill>
                 <a:schemeClr val="accent5"/>
               </a:solidFill>
@@ -6942,10 +6949,10 @@
               <a:buNone/>
             </a:pPr>
             <a:r>
-              <a:rPr lang="en" sz="2316"/>
+              <a:rPr lang="en" sz="2300" dirty="0"/>
               <a:t>Let’s take a look at how per capita rates for each state compared between years:</a:t>
             </a:r>
-            <a:endParaRPr sz="2316"/>
+            <a:endParaRPr sz="2300" dirty="0"/>
           </a:p>
         </p:txBody>
       </p:sp>
@@ -7102,7 +7109,7 @@
           </a:bodyPr>
           <a:lstStyle/>
           <a:p>
-            <a:pPr marL="0" lvl="0" indent="0" algn="l" rtl="0">
+            <a:pPr marL="0" lvl="0" indent="0" algn="ctr" rtl="0">
               <a:spcBef>
                 <a:spcPts val="0"/>
               </a:spcBef>
@@ -7112,7 +7119,7 @@
               <a:buNone/>
             </a:pPr>
             <a:r>
-              <a:rPr lang="en" sz="5022" b="1">
+              <a:rPr lang="en" sz="5000" b="1" dirty="0">
                 <a:latin typeface="Oswald"/>
                 <a:ea typeface="Oswald"/>
                 <a:cs typeface="Oswald"/>
@@ -7120,11 +7127,10 @@
               </a:rPr>
               <a:t>Homicides per Capita per Population Size</a:t>
             </a:r>
-            <a:endParaRPr sz="5022" b="1">
+            <a:endParaRPr lang="en-US" sz="5000" b="1" dirty="0">
               <a:latin typeface="Oswald"/>
               <a:ea typeface="Oswald"/>
               <a:cs typeface="Oswald"/>
-              <a:sym typeface="Oswald"/>
             </a:endParaRPr>
           </a:p>
           <a:p>
@@ -7138,14 +7144,14 @@
               <a:buNone/>
             </a:pPr>
             <a:r>
-              <a:rPr lang="en">
+              <a:rPr lang="en" dirty="0">
                 <a:solidFill>
                   <a:schemeClr val="accent5"/>
                 </a:solidFill>
               </a:rPr>
               <a:t>Do murders occur more often when more people live together?</a:t>
             </a:r>
-            <a:endParaRPr>
+            <a:endParaRPr dirty="0">
               <a:solidFill>
                 <a:schemeClr val="accent5"/>
               </a:solidFill>
@@ -7174,10 +7180,10 @@
               <a:buNone/>
             </a:pPr>
             <a:r>
-              <a:rPr lang="en" sz="2316"/>
+              <a:rPr lang="en" sz="2300" dirty="0"/>
               <a:t>Let’s now examine a depiction of how homicide per capita compares to state population:</a:t>
             </a:r>
-            <a:endParaRPr sz="2316"/>
+            <a:endParaRPr sz="2300" dirty="0"/>
           </a:p>
         </p:txBody>
       </p:sp>
@@ -7341,7 +7347,7 @@
           </a:bodyPr>
           <a:lstStyle/>
           <a:p>
-            <a:pPr marL="0" lvl="0" indent="0" algn="l" rtl="0">
+            <a:pPr marL="0" lvl="0" indent="0" algn="ctr" rtl="0">
               <a:spcBef>
                 <a:spcPts val="0"/>
               </a:spcBef>
@@ -7359,11 +7365,10 @@
               </a:rPr>
               <a:t>National Homicide Per Capita</a:t>
             </a:r>
-            <a:endParaRPr sz="5022" b="1" dirty="0">
+            <a:endParaRPr lang="en-US" sz="5022" b="1" dirty="0">
               <a:latin typeface="Oswald"/>
               <a:ea typeface="Oswald"/>
               <a:cs typeface="Oswald"/>
-              <a:sym typeface="Oswald"/>
             </a:endParaRPr>
           </a:p>
           <a:p>
@@ -7403,32 +7408,11 @@
             <a:endParaRPr sz="2316" dirty="0"/>
           </a:p>
           <a:p>
-            <a:pPr marL="0" lvl="0" indent="0" algn="l" rtl="0">
-              <a:spcBef>
-                <a:spcPts val="0"/>
-              </a:spcBef>
-              <a:spcAft>
-                <a:spcPts val="0"/>
-              </a:spcAft>
-              <a:buNone/>
-            </a:pPr>
             <a:r>
-              <a:rPr lang="en" sz="2316" dirty="0" smtClean="0"/>
-              <a:t>Hafsa’s intuition tells her that </a:t>
+              <a:rPr lang="en" sz="2300" dirty="0"/>
+              <a:t>With quarantine measures in effect, we were also curious to see if homicide rates were higher for the year 2020. Let’s see if that is supported or refuted:</a:t>
             </a:r>
-            <a:r>
-              <a:rPr lang="en" sz="2316" dirty="0"/>
-              <a:t>quarantine measures </a:t>
-            </a:r>
-            <a:r>
-              <a:rPr lang="en" sz="2316" dirty="0" smtClean="0"/>
-              <a:t>caused murder rates to spike. Let’s see if that is </a:t>
-            </a:r>
-            <a:r>
-              <a:rPr lang="en" sz="2316" dirty="0"/>
-              <a:t>supported or refuted:</a:t>
-            </a:r>
-            <a:endParaRPr sz="2316" dirty="0"/>
+            <a:endParaRPr sz="2300" dirty="0"/>
           </a:p>
         </p:txBody>
       </p:sp>
@@ -7510,15 +7494,6 @@
           </a:bodyPr>
           <a:lstStyle/>
           <a:p>
-            <a:pPr marL="0" lvl="0" indent="0" algn="l" rtl="0">
-              <a:spcBef>
-                <a:spcPts val="0"/>
-              </a:spcBef>
-              <a:spcAft>
-                <a:spcPts val="0"/>
-              </a:spcAft>
-              <a:buNone/>
-            </a:pPr>
             <a:r>
               <a:rPr lang="en" sz="1100" dirty="0">
                 <a:solidFill>
@@ -7541,49 +7516,9 @@
                   <a:schemeClr val="dk1"/>
                 </a:solidFill>
               </a:rPr>
-              <a:t> homicide rates </a:t>
+              <a:t> homicide rates jumped last year, the fact that the rates are higher, has been found:</a:t>
             </a:r>
-            <a:r>
-              <a:rPr lang="en" sz="1100" dirty="0" smtClean="0">
-                <a:solidFill>
-                  <a:schemeClr val="dk1"/>
-                </a:solidFill>
-              </a:rPr>
-              <a:t>jumped </a:t>
-            </a:r>
-            <a:r>
-              <a:rPr lang="en" sz="1100" dirty="0">
-                <a:solidFill>
-                  <a:schemeClr val="dk1"/>
-                </a:solidFill>
-              </a:rPr>
-              <a:t>last year, Hafsa’s </a:t>
-            </a:r>
-            <a:r>
-              <a:rPr lang="en" sz="1100" smtClean="0">
-                <a:solidFill>
-                  <a:schemeClr val="dk1"/>
-                </a:solidFill>
-              </a:rPr>
-              <a:t>intuition </a:t>
-            </a:r>
-            <a:r>
-              <a:rPr lang="en" sz="1100" smtClean="0">
-                <a:solidFill>
-                  <a:schemeClr val="dk1"/>
-                </a:solidFill>
-              </a:rPr>
-              <a:t>has </a:t>
-            </a:r>
-            <a:r>
-              <a:rPr lang="en" sz="1100" dirty="0">
-                <a:solidFill>
-                  <a:schemeClr val="dk1"/>
-                </a:solidFill>
-              </a:rPr>
-              <a:t>been found:</a:t>
-            </a:r>
-            <a:endParaRPr dirty="0">
+            <a:endParaRPr lang="en-US" dirty="0">
               <a:solidFill>
                 <a:schemeClr val="dk1"/>
               </a:solidFill>
